--- a/0.跟做项目/前列腺炎诊断--医疗影像大模型/进度汇报/2024-11-24 - 调研.pptx
+++ b/0.跟做项目/前列腺炎诊断--医疗影像大模型/进度汇报/2024-11-24 - 调研.pptx
@@ -12,15 +12,16 @@
     <p:sldId id="1047" r:id="rId4"/>
     <p:sldId id="1007" r:id="rId5"/>
     <p:sldId id="1540" r:id="rId6"/>
-    <p:sldId id="1493" r:id="rId8"/>
-    <p:sldId id="1538" r:id="rId9"/>
-    <p:sldId id="1541" r:id="rId10"/>
-    <p:sldId id="1356" r:id="rId11"/>
+    <p:sldId id="1545" r:id="rId8"/>
+    <p:sldId id="1493" r:id="rId9"/>
+    <p:sldId id="1538" r:id="rId10"/>
+    <p:sldId id="1541" r:id="rId11"/>
+    <p:sldId id="1356" r:id="rId12"/>
   </p:sldIdLst>
   <p:sldSz cx="12192000" cy="6858000"/>
   <p:notesSz cx="6858000" cy="9144000"/>
   <p:custDataLst>
-    <p:tags r:id="rId16"/>
+    <p:tags r:id="rId17"/>
   </p:custDataLst>
   <p:defaultTextStyle>
     <a:defPPr>
@@ -630,6 +631,84 @@
 </file>
 
 <file path=ppt/notesSlides/notesSlide3.xml><?xml version="1.0" encoding="utf-8"?>
+<p:notes xmlns:a="http://schemas.openxmlformats.org/drawingml/2006/main" xmlns:r="http://schemas.openxmlformats.org/officeDocument/2006/relationships" xmlns:p="http://schemas.openxmlformats.org/presentationml/2006/main">
+  <p:cSld>
+    <p:spTree>
+      <p:nvGrpSpPr>
+        <p:cNvPr id="1" name=""/>
+        <p:cNvGrpSpPr/>
+        <p:nvPr/>
+      </p:nvGrpSpPr>
+      <p:grpSpPr>
+        <a:xfrm>
+          <a:off x="0" y="0"/>
+          <a:ext cx="0" cy="0"/>
+          <a:chOff x="0" y="0"/>
+          <a:chExt cx="0" cy="0"/>
+        </a:xfrm>
+      </p:grpSpPr>
+      <p:sp>
+        <p:nvSpPr>
+          <p:cNvPr id="2" name="幻灯片图像占位符 1"/>
+          <p:cNvSpPr>
+            <a:spLocks noGrp="1" noRot="1" noChangeAspect="1"/>
+          </p:cNvSpPr>
+          <p:nvPr>
+            <p:ph type="sldImg"/>
+          </p:nvPr>
+        </p:nvSpPr>
+        <p:spPr/>
+      </p:sp>
+      <p:sp>
+        <p:nvSpPr>
+          <p:cNvPr id="3" name="备注占位符 2"/>
+          <p:cNvSpPr>
+            <a:spLocks noGrp="1"/>
+          </p:cNvSpPr>
+          <p:nvPr>
+            <p:ph type="body" idx="1"/>
+          </p:nvPr>
+        </p:nvSpPr>
+        <p:spPr/>
+        <p:txBody>
+          <a:bodyPr/>
+          <a:lstStyle/>
+          <a:p>
+            <a:endParaRPr lang="zh-CN" altLang="en-US" dirty="0"/>
+          </a:p>
+        </p:txBody>
+      </p:sp>
+      <p:sp>
+        <p:nvSpPr>
+          <p:cNvPr id="4" name="灯片编号占位符 3"/>
+          <p:cNvSpPr>
+            <a:spLocks noGrp="1"/>
+          </p:cNvSpPr>
+          <p:nvPr>
+            <p:ph type="sldNum" sz="quarter" idx="5"/>
+          </p:nvPr>
+        </p:nvSpPr>
+        <p:spPr/>
+        <p:txBody>
+          <a:bodyPr/>
+          <a:lstStyle/>
+          <a:p>
+            <a:fld id="{311DA921-5814-416C-A214-0F50BD081254}" type="slidenum">
+              <a:rPr lang="zh-CN" altLang="en-US" smtClean="0"/>
+            </a:fld>
+            <a:endParaRPr lang="zh-CN" altLang="en-US"/>
+          </a:p>
+        </p:txBody>
+      </p:sp>
+    </p:spTree>
+  </p:cSld>
+  <p:clrMapOvr>
+    <a:masterClrMapping/>
+  </p:clrMapOvr>
+</p:notes>
+</file>
+
+<file path=ppt/notesSlides/notesSlide4.xml><?xml version="1.0" encoding="utf-8"?>
 <p:notes xmlns:a="http://schemas.openxmlformats.org/drawingml/2006/main" xmlns:r="http://schemas.openxmlformats.org/officeDocument/2006/relationships" xmlns:p="http://schemas.openxmlformats.org/presentationml/2006/main">
   <p:cSld>
     <p:spTree>
@@ -4774,7 +4853,7 @@
         <p:spPr>
           <a:xfrm>
             <a:off x="455295" y="972185"/>
-            <a:ext cx="11736705" cy="506730"/>
+            <a:ext cx="11736705" cy="922020"/>
           </a:xfrm>
           <a:prstGeom prst="rect">
             <a:avLst/>
@@ -4798,7 +4877,7 @@
                 <a:latin typeface="微软雅黑" panose="020B0503020204020204" charset="-122"/>
                 <a:ea typeface="微软雅黑" panose="020B0503020204020204" charset="-122"/>
               </a:rPr>
-              <a:t>Sc</a:t>
+              <a:t>Vafaeezadeh M, Behnam H, Gifani P. Ultrasound Image Analysis with Vision Transformers[J]. Diagnostics, 2024, 14(5): 542.</a:t>
             </a:r>
             <a:endParaRPr lang="en-US" altLang="zh-CN" b="1" dirty="0">
               <a:latin typeface="微软雅黑" panose="020B0503020204020204" charset="-122"/>
@@ -4815,8 +4894,8 @@
         </p:nvSpPr>
         <p:spPr>
           <a:xfrm>
-            <a:off x="286385" y="1894205"/>
-            <a:ext cx="7369175" cy="1423670"/>
+            <a:off x="375285" y="2517775"/>
+            <a:ext cx="5539740" cy="1423670"/>
           </a:xfrm>
           <a:prstGeom prst="rect">
             <a:avLst/>
@@ -4839,7 +4918,207 @@
                 <a:latin typeface="微软雅黑" panose="020B0503020204020204" charset="-122"/>
                 <a:ea typeface="微软雅黑" panose="020B0503020204020204" charset="-122"/>
               </a:rPr>
-              <a:t>提出</a:t>
+              <a:t>这是一篇视觉模块处理医学超声图像的</a:t>
+            </a:r>
+            <a:r>
+              <a:rPr lang="en-US" altLang="zh-CN" sz="1600" dirty="0">
+                <a:solidFill>
+                  <a:schemeClr val="tx1"/>
+                </a:solidFill>
+                <a:latin typeface="微软雅黑" panose="020B0503020204020204" charset="-122"/>
+                <a:ea typeface="微软雅黑" panose="020B0503020204020204" charset="-122"/>
+              </a:rPr>
+              <a:t>survey</a:t>
+            </a:r>
+            <a:r>
+              <a:rPr lang="zh-CN" altLang="en-US" sz="1600" dirty="0">
+                <a:solidFill>
+                  <a:schemeClr val="tx1"/>
+                </a:solidFill>
+                <a:latin typeface="微软雅黑" panose="020B0503020204020204" charset="-122"/>
+                <a:ea typeface="微软雅黑" panose="020B0503020204020204" charset="-122"/>
+              </a:rPr>
+              <a:t>。在前列腺癌症的检测方面，目前是如下的工作在</a:t>
+            </a:r>
+            <a:r>
+              <a:rPr lang="en-US" altLang="zh-CN" sz="1600" dirty="0">
+                <a:solidFill>
+                  <a:schemeClr val="tx1"/>
+                </a:solidFill>
+                <a:latin typeface="微软雅黑" panose="020B0503020204020204" charset="-122"/>
+                <a:ea typeface="微软雅黑" panose="020B0503020204020204" charset="-122"/>
+              </a:rPr>
+              <a:t>23</a:t>
+            </a:r>
+            <a:r>
+              <a:rPr lang="zh-CN" altLang="en-US" sz="1600" dirty="0">
+                <a:solidFill>
+                  <a:schemeClr val="tx1"/>
+                </a:solidFill>
+                <a:latin typeface="微软雅黑" panose="020B0503020204020204" charset="-122"/>
+                <a:ea typeface="微软雅黑" panose="020B0503020204020204" charset="-122"/>
+              </a:rPr>
+              <a:t>年达到</a:t>
+            </a:r>
+            <a:r>
+              <a:rPr lang="en-US" altLang="zh-CN" sz="1600" dirty="0">
+                <a:solidFill>
+                  <a:schemeClr val="tx1"/>
+                </a:solidFill>
+                <a:latin typeface="微软雅黑" panose="020B0503020204020204" charset="-122"/>
+                <a:ea typeface="微软雅黑" panose="020B0503020204020204" charset="-122"/>
+              </a:rPr>
+              <a:t>sota</a:t>
+            </a:r>
+            <a:endParaRPr lang="en-US" altLang="zh-CN" sz="1600" dirty="0">
+              <a:solidFill>
+                <a:schemeClr val="tx1"/>
+              </a:solidFill>
+              <a:latin typeface="微软雅黑" panose="020B0503020204020204" charset="-122"/>
+              <a:ea typeface="微软雅黑" panose="020B0503020204020204" charset="-122"/>
+            </a:endParaRPr>
+          </a:p>
+          <a:p>
+            <a:pPr marL="0" lvl="0" indent="457200">
+              <a:buNone/>
+            </a:pPr>
+            <a:endParaRPr lang="en-US" altLang="zh-CN" sz="1600" dirty="0">
+              <a:solidFill>
+                <a:schemeClr val="tx1"/>
+              </a:solidFill>
+              <a:latin typeface="微软雅黑" panose="020B0503020204020204" charset="-122"/>
+              <a:ea typeface="微软雅黑" panose="020B0503020204020204" charset="-122"/>
+            </a:endParaRPr>
+          </a:p>
+          <a:p>
+            <a:pPr marL="0" lvl="0" indent="457200">
+              <a:buNone/>
+            </a:pPr>
+            <a:endParaRPr lang="en-US" altLang="zh-CN" sz="1600" dirty="0">
+              <a:solidFill>
+                <a:schemeClr val="tx1"/>
+              </a:solidFill>
+              <a:latin typeface="微软雅黑" panose="020B0503020204020204" charset="-122"/>
+              <a:ea typeface="微软雅黑" panose="020B0503020204020204" charset="-122"/>
+            </a:endParaRPr>
+          </a:p>
+          <a:p>
+            <a:pPr marL="0" lvl="0" indent="457200">
+              <a:buNone/>
+            </a:pPr>
+            <a:endParaRPr lang="en-US" altLang="zh-CN" sz="1600" dirty="0">
+              <a:solidFill>
+                <a:schemeClr val="tx1"/>
+              </a:solidFill>
+              <a:latin typeface="微软雅黑" panose="020B0503020204020204" charset="-122"/>
+              <a:ea typeface="微软雅黑" panose="020B0503020204020204" charset="-122"/>
+            </a:endParaRPr>
+          </a:p>
+          <a:p>
+            <a:pPr marL="0" lvl="0" indent="457200">
+              <a:buNone/>
+            </a:pPr>
+            <a:endParaRPr lang="en-US" altLang="zh-CN" sz="1600" dirty="0">
+              <a:solidFill>
+                <a:schemeClr val="tx1"/>
+              </a:solidFill>
+              <a:latin typeface="微软雅黑" panose="020B0503020204020204" charset="-122"/>
+              <a:ea typeface="微软雅黑" panose="020B0503020204020204" charset="-122"/>
+            </a:endParaRPr>
+          </a:p>
+          <a:p>
+            <a:pPr marL="0" lvl="0" indent="457200">
+              <a:buNone/>
+            </a:pPr>
+            <a:endParaRPr lang="en-US" altLang="zh-CN" sz="1600" dirty="0">
+              <a:solidFill>
+                <a:schemeClr val="tx1"/>
+              </a:solidFill>
+              <a:latin typeface="微软雅黑" panose="020B0503020204020204" charset="-122"/>
+              <a:ea typeface="微软雅黑" panose="020B0503020204020204" charset="-122"/>
+            </a:endParaRPr>
+          </a:p>
+          <a:p>
+            <a:pPr marL="0" lvl="0" indent="457200">
+              <a:buNone/>
+            </a:pPr>
+            <a:endParaRPr lang="en-US" altLang="zh-CN" sz="1600" dirty="0">
+              <a:solidFill>
+                <a:schemeClr val="tx1"/>
+              </a:solidFill>
+              <a:latin typeface="微软雅黑" panose="020B0503020204020204" charset="-122"/>
+              <a:ea typeface="微软雅黑" panose="020B0503020204020204" charset="-122"/>
+            </a:endParaRPr>
+          </a:p>
+          <a:p>
+            <a:pPr marL="0" lvl="0" indent="457200">
+              <a:buNone/>
+            </a:pPr>
+            <a:endParaRPr lang="en-US" altLang="zh-CN" sz="1600" dirty="0">
+              <a:solidFill>
+                <a:schemeClr val="tx1"/>
+              </a:solidFill>
+              <a:latin typeface="微软雅黑" panose="020B0503020204020204" charset="-122"/>
+              <a:ea typeface="微软雅黑" panose="020B0503020204020204" charset="-122"/>
+            </a:endParaRPr>
+          </a:p>
+          <a:p>
+            <a:pPr marL="0" lvl="0" indent="457200">
+              <a:buNone/>
+            </a:pPr>
+            <a:endParaRPr lang="en-US" altLang="zh-CN" sz="1600" dirty="0">
+              <a:solidFill>
+                <a:schemeClr val="tx1"/>
+              </a:solidFill>
+              <a:latin typeface="微软雅黑" panose="020B0503020204020204" charset="-122"/>
+              <a:ea typeface="微软雅黑" panose="020B0503020204020204" charset="-122"/>
+            </a:endParaRPr>
+          </a:p>
+          <a:p>
+            <a:pPr marL="0" lvl="0" indent="457200">
+              <a:buNone/>
+            </a:pPr>
+            <a:endParaRPr lang="en-US" altLang="zh-CN" sz="1600" dirty="0">
+              <a:solidFill>
+                <a:schemeClr val="tx1"/>
+              </a:solidFill>
+              <a:latin typeface="微软雅黑" panose="020B0503020204020204" charset="-122"/>
+              <a:ea typeface="微软雅黑" panose="020B0503020204020204" charset="-122"/>
+            </a:endParaRPr>
+          </a:p>
+          <a:p>
+            <a:pPr marL="0" lvl="0" indent="457200">
+              <a:buNone/>
+            </a:pPr>
+            <a:r>
+              <a:rPr lang="zh-CN" altLang="en-US" sz="1600" dirty="0">
+                <a:solidFill>
+                  <a:schemeClr val="tx1"/>
+                </a:solidFill>
+                <a:latin typeface="微软雅黑" panose="020B0503020204020204" charset="-122"/>
+                <a:ea typeface="微软雅黑" panose="020B0503020204020204" charset="-122"/>
+              </a:rPr>
+              <a:t>并且工作只有</a:t>
+            </a:r>
+            <a:r>
+              <a:rPr lang="en-US" altLang="zh-CN" sz="1600" dirty="0">
+                <a:solidFill>
+                  <a:schemeClr val="tx1"/>
+                </a:solidFill>
+                <a:latin typeface="微软雅黑" panose="020B0503020204020204" charset="-122"/>
+                <a:ea typeface="微软雅黑" panose="020B0503020204020204" charset="-122"/>
+              </a:rPr>
+              <a:t>classification</a:t>
+            </a:r>
+            <a:r>
+              <a:rPr lang="zh-CN" altLang="en-US" sz="1600" dirty="0">
+                <a:solidFill>
+                  <a:schemeClr val="tx1"/>
+                </a:solidFill>
+                <a:latin typeface="微软雅黑" panose="020B0503020204020204" charset="-122"/>
+                <a:ea typeface="微软雅黑" panose="020B0503020204020204" charset="-122"/>
+              </a:rPr>
+              <a:t>，具体内容一会接着介绍一下。</a:t>
             </a:r>
             <a:endParaRPr lang="zh-CN" altLang="en-US" sz="1600" dirty="0">
               <a:solidFill>
@@ -4849,8 +5128,118 @@
               <a:ea typeface="微软雅黑" panose="020B0503020204020204" charset="-122"/>
             </a:endParaRPr>
           </a:p>
-        </p:txBody>
-      </p:sp>
+          <a:p>
+            <a:pPr marL="0" lvl="0" indent="457200">
+              <a:buNone/>
+            </a:pPr>
+            <a:r>
+              <a:rPr lang="zh-CN" altLang="en-US" sz="1600" dirty="0">
+                <a:solidFill>
+                  <a:schemeClr val="tx1"/>
+                </a:solidFill>
+                <a:latin typeface="微软雅黑" panose="020B0503020204020204" charset="-122"/>
+                <a:ea typeface="微软雅黑" panose="020B0503020204020204" charset="-122"/>
+              </a:rPr>
+              <a:t>然后</a:t>
+            </a:r>
+            <a:r>
+              <a:rPr lang="en-US" altLang="zh-CN" sz="1600" dirty="0">
+                <a:solidFill>
+                  <a:schemeClr val="tx1"/>
+                </a:solidFill>
+                <a:latin typeface="微软雅黑" panose="020B0503020204020204" charset="-122"/>
+                <a:ea typeface="微软雅黑" panose="020B0503020204020204" charset="-122"/>
+              </a:rPr>
+              <a:t>23</a:t>
+            </a:r>
+            <a:r>
+              <a:rPr lang="zh-CN" altLang="en-US" sz="1600" dirty="0">
+                <a:solidFill>
+                  <a:schemeClr val="tx1"/>
+                </a:solidFill>
+                <a:latin typeface="微软雅黑" panose="020B0503020204020204" charset="-122"/>
+                <a:ea typeface="微软雅黑" panose="020B0503020204020204" charset="-122"/>
+              </a:rPr>
+              <a:t>年之前很多</a:t>
+            </a:r>
+            <a:r>
+              <a:rPr lang="en-US" altLang="zh-CN" sz="1600" dirty="0">
+                <a:solidFill>
+                  <a:schemeClr val="tx1"/>
+                </a:solidFill>
+                <a:latin typeface="微软雅黑" panose="020B0503020204020204" charset="-122"/>
+                <a:ea typeface="微软雅黑" panose="020B0503020204020204" charset="-122"/>
+              </a:rPr>
+              <a:t>work</a:t>
+            </a:r>
+            <a:r>
+              <a:rPr lang="zh-CN" altLang="en-US" sz="1600" dirty="0">
+                <a:solidFill>
+                  <a:schemeClr val="tx1"/>
+                </a:solidFill>
+                <a:latin typeface="微软雅黑" panose="020B0503020204020204" charset="-122"/>
+                <a:ea typeface="微软雅黑" panose="020B0503020204020204" charset="-122"/>
+              </a:rPr>
+              <a:t>其实针对的不是普通超声，而是微超声</a:t>
+            </a:r>
+            <a:endParaRPr lang="zh-CN" altLang="en-US" sz="1600" dirty="0">
+              <a:solidFill>
+                <a:schemeClr val="tx1"/>
+              </a:solidFill>
+              <a:latin typeface="微软雅黑" panose="020B0503020204020204" charset="-122"/>
+              <a:ea typeface="微软雅黑" panose="020B0503020204020204" charset="-122"/>
+            </a:endParaRPr>
+          </a:p>
+        </p:txBody>
+      </p:sp>
+      <p:pic>
+        <p:nvPicPr>
+          <p:cNvPr id="2" name="图片 1"/>
+          <p:cNvPicPr>
+            <a:picLocks noChangeAspect="1"/>
+          </p:cNvPicPr>
+          <p:nvPr/>
+        </p:nvPicPr>
+        <p:blipFill>
+          <a:blip r:embed="rId3"/>
+          <a:stretch>
+            <a:fillRect/>
+          </a:stretch>
+        </p:blipFill>
+        <p:spPr>
+          <a:xfrm>
+            <a:off x="6369685" y="1971675"/>
+            <a:ext cx="5144770" cy="2182495"/>
+          </a:xfrm>
+          <a:prstGeom prst="rect">
+            <a:avLst/>
+          </a:prstGeom>
+        </p:spPr>
+      </p:pic>
+      <p:pic>
+        <p:nvPicPr>
+          <p:cNvPr id="9" name="图片 8"/>
+          <p:cNvPicPr>
+            <a:picLocks noChangeAspect="1"/>
+          </p:cNvPicPr>
+          <p:nvPr/>
+        </p:nvPicPr>
+        <p:blipFill>
+          <a:blip r:embed="rId4"/>
+          <a:stretch>
+            <a:fillRect/>
+          </a:stretch>
+        </p:blipFill>
+        <p:spPr>
+          <a:xfrm>
+            <a:off x="6521450" y="4554220"/>
+            <a:ext cx="5650865" cy="1770380"/>
+          </a:xfrm>
+          <a:prstGeom prst="rect">
+            <a:avLst/>
+          </a:prstGeom>
+        </p:spPr>
+      </p:pic>
     </p:spTree>
   </p:cSld>
   <p:clrMapOvr>
@@ -4860,6 +5249,610 @@
 </file>
 
 <file path=ppt/slides/slide5.xml><?xml version="1.0" encoding="utf-8"?>
+<p:sld xmlns:a="http://schemas.openxmlformats.org/drawingml/2006/main" xmlns:r="http://schemas.openxmlformats.org/officeDocument/2006/relationships" xmlns:p="http://schemas.openxmlformats.org/presentationml/2006/main">
+  <p:cSld>
+    <p:spTree>
+      <p:nvGrpSpPr>
+        <p:cNvPr id="1" name=""/>
+        <p:cNvGrpSpPr/>
+        <p:nvPr/>
+      </p:nvGrpSpPr>
+      <p:grpSpPr>
+        <a:xfrm>
+          <a:off x="0" y="0"/>
+          <a:ext cx="0" cy="0"/>
+          <a:chOff x="0" y="0"/>
+          <a:chExt cx="0" cy="0"/>
+        </a:xfrm>
+      </p:grpSpPr>
+      <p:sp>
+        <p:nvSpPr>
+          <p:cNvPr id="13" name="文本框 12"/>
+          <p:cNvSpPr txBox="1"/>
+          <p:nvPr/>
+        </p:nvSpPr>
+        <p:spPr>
+          <a:xfrm>
+            <a:off x="106466" y="601786"/>
+            <a:ext cx="1033780" cy="398780"/>
+          </a:xfrm>
+          <a:prstGeom prst="rect">
+            <a:avLst/>
+          </a:prstGeom>
+          <a:noFill/>
+        </p:spPr>
+        <p:txBody>
+          <a:bodyPr wrap="none" rtlCol="0">
+            <a:spAutoFit/>
+          </a:bodyPr>
+          <a:lstStyle/>
+          <a:p>
+            <a:pPr marL="342900" indent="-342900">
+              <a:buFont typeface="Wingdings" panose="05000000000000000000" charset="0"/>
+              <a:buChar char="n"/>
+            </a:pPr>
+            <a:r>
+              <a:rPr lang="zh-CN" altLang="en-US" sz="2000" b="1" dirty="0">
+                <a:latin typeface="微软雅黑" panose="020B0503020204020204" charset="-122"/>
+                <a:ea typeface="微软雅黑" panose="020B0503020204020204" charset="-122"/>
+              </a:rPr>
+              <a:t>概述</a:t>
+            </a:r>
+            <a:endParaRPr lang="zh-CN" altLang="en-US" sz="2000" b="1" dirty="0"/>
+          </a:p>
+        </p:txBody>
+      </p:sp>
+      <p:sp>
+        <p:nvSpPr>
+          <p:cNvPr id="7" name="文本框 6"/>
+          <p:cNvSpPr txBox="1"/>
+          <p:nvPr/>
+        </p:nvSpPr>
+        <p:spPr>
+          <a:xfrm>
+            <a:off x="724535" y="1323340"/>
+            <a:ext cx="2247900" cy="410845"/>
+          </a:xfrm>
+          <a:prstGeom prst="rect">
+            <a:avLst/>
+          </a:prstGeom>
+          <a:noFill/>
+        </p:spPr>
+        <p:txBody>
+          <a:bodyPr wrap="square">
+            <a:noAutofit/>
+          </a:bodyPr>
+          <a:lstStyle/>
+          <a:p>
+            <a:pPr algn="l" fontAlgn="auto">
+              <a:lnSpc>
+                <a:spcPts val="2200"/>
+              </a:lnSpc>
+              <a:buClrTx/>
+              <a:buSzTx/>
+              <a:buNone/>
+            </a:pPr>
+            <a:endParaRPr lang="zh-CN" altLang="en-US" sz="1600" dirty="0">
+              <a:latin typeface="微软雅黑" panose="020B0503020204020204" charset="-122"/>
+              <a:ea typeface="微软雅黑" panose="020B0503020204020204" charset="-122"/>
+            </a:endParaRPr>
+          </a:p>
+        </p:txBody>
+      </p:sp>
+      <p:sp>
+        <p:nvSpPr>
+          <p:cNvPr id="3" name="矩形 2"/>
+          <p:cNvSpPr/>
+          <p:nvPr>
+            <p:custDataLst>
+              <p:tags r:id="rId1"/>
+            </p:custDataLst>
+          </p:nvPr>
+        </p:nvSpPr>
+        <p:spPr>
+          <a:xfrm>
+            <a:off x="-6350" y="0"/>
+            <a:ext cx="12198350" cy="540000"/>
+          </a:xfrm>
+          <a:prstGeom prst="rect">
+            <a:avLst/>
+          </a:prstGeom>
+          <a:solidFill>
+            <a:srgbClr val="A099CB"/>
+          </a:solidFill>
+          <a:ln>
+            <a:noFill/>
+          </a:ln>
+        </p:spPr>
+        <p:style>
+          <a:lnRef idx="2">
+            <a:schemeClr val="accent1">
+              <a:shade val="50000"/>
+            </a:schemeClr>
+          </a:lnRef>
+          <a:fillRef idx="1">
+            <a:schemeClr val="accent1"/>
+          </a:fillRef>
+          <a:effectRef idx="0">
+            <a:schemeClr val="accent1"/>
+          </a:effectRef>
+          <a:fontRef idx="minor">
+            <a:schemeClr val="lt1"/>
+          </a:fontRef>
+        </p:style>
+        <p:txBody>
+          <a:bodyPr rtlCol="0" anchor="ctr"/>
+          <a:p>
+            <a:pPr marL="0" marR="0" lvl="0" indent="0" algn="ctr" defTabSz="914400" rtl="0" eaLnBrk="1" fontAlgn="auto" latinLnBrk="0" hangingPunct="1">
+              <a:lnSpc>
+                <a:spcPct val="100000"/>
+              </a:lnSpc>
+              <a:spcBef>
+                <a:spcPts val="0"/>
+              </a:spcBef>
+              <a:spcAft>
+                <a:spcPts val="0"/>
+              </a:spcAft>
+              <a:buClrTx/>
+              <a:buSzTx/>
+              <a:buFontTx/>
+              <a:buNone/>
+              <a:defRPr/>
+            </a:pPr>
+            <a:r>
+              <a:rPr lang="en-US" altLang="zh-CN" sz="1800" dirty="0">
+                <a:effectLst/>
+                <a:latin typeface="微软雅黑" panose="020B0503020204020204" charset="-122"/>
+                <a:ea typeface="微软雅黑" panose="020B0503020204020204" charset="-122"/>
+              </a:rPr>
+              <a:t>1.</a:t>
+            </a:r>
+            <a:r>
+              <a:rPr lang="en-US" altLang="zh-CN" dirty="0">
+                <a:effectLst/>
+                <a:latin typeface="微软雅黑" panose="020B0503020204020204" charset="-122"/>
+                <a:ea typeface="微软雅黑" panose="020B0503020204020204" charset="-122"/>
+                <a:sym typeface="+mn-ea"/>
+              </a:rPr>
+              <a:t>论文</a:t>
+            </a:r>
+            <a:endParaRPr lang="en-US" altLang="zh-CN" dirty="0">
+              <a:effectLst/>
+              <a:latin typeface="微软雅黑" panose="020B0503020204020204" charset="-122"/>
+              <a:ea typeface="微软雅黑" panose="020B0503020204020204" charset="-122"/>
+            </a:endParaRPr>
+          </a:p>
+        </p:txBody>
+      </p:sp>
+      <p:sp>
+        <p:nvSpPr>
+          <p:cNvPr id="5" name="文本框 4"/>
+          <p:cNvSpPr txBox="1"/>
+          <p:nvPr>
+            <p:custDataLst>
+              <p:tags r:id="rId2"/>
+            </p:custDataLst>
+          </p:nvPr>
+        </p:nvSpPr>
+        <p:spPr>
+          <a:xfrm>
+            <a:off x="455295" y="972185"/>
+            <a:ext cx="11736705" cy="922020"/>
+          </a:xfrm>
+          <a:prstGeom prst="rect">
+            <a:avLst/>
+          </a:prstGeom>
+          <a:noFill/>
+        </p:spPr>
+        <p:txBody>
+          <a:bodyPr wrap="square" rtlCol="0">
+            <a:spAutoFit/>
+          </a:bodyPr>
+          <a:p>
+            <a:pPr marL="285750" indent="-285750">
+              <a:lnSpc>
+                <a:spcPct val="150000"/>
+              </a:lnSpc>
+              <a:buFont typeface="Wingdings" panose="05000000000000000000" charset="0"/>
+              <a:buChar char="p"/>
+            </a:pPr>
+            <a:r>
+              <a:rPr lang="en-US" altLang="zh-CN" b="1" dirty="0">
+                <a:latin typeface="微软雅黑" panose="020B0503020204020204" charset="-122"/>
+                <a:ea typeface="微软雅黑" panose="020B0503020204020204" charset="-122"/>
+              </a:rPr>
+              <a:t>Vafaeezadeh M, Behnam H, Gifani P. Ultrasound Image Analysis with Vision Transformers[J]. Diagnostics, 2024, 14(5): 542.</a:t>
+            </a:r>
+            <a:endParaRPr lang="en-US" altLang="zh-CN" b="1" dirty="0">
+              <a:latin typeface="微软雅黑" panose="020B0503020204020204" charset="-122"/>
+              <a:ea typeface="微软雅黑" panose="020B0503020204020204" charset="-122"/>
+            </a:endParaRPr>
+          </a:p>
+        </p:txBody>
+      </p:sp>
+      <p:sp>
+        <p:nvSpPr>
+          <p:cNvPr id="10" name="文本框 9"/>
+          <p:cNvSpPr txBox="1"/>
+          <p:nvPr/>
+        </p:nvSpPr>
+        <p:spPr>
+          <a:xfrm>
+            <a:off x="375285" y="2517775"/>
+            <a:ext cx="5539740" cy="1423670"/>
+          </a:xfrm>
+          <a:prstGeom prst="rect">
+            <a:avLst/>
+          </a:prstGeom>
+          <a:noFill/>
+        </p:spPr>
+        <p:txBody>
+          <a:bodyPr wrap="square" rtlCol="0">
+            <a:noAutofit/>
+          </a:bodyPr>
+          <a:p>
+            <a:pPr marL="0" lvl="0" indent="457200">
+              <a:buNone/>
+            </a:pPr>
+            <a:r>
+              <a:rPr lang="zh-CN" altLang="en-US" sz="1600" dirty="0">
+                <a:solidFill>
+                  <a:schemeClr val="tx1"/>
+                </a:solidFill>
+                <a:latin typeface="微软雅黑" panose="020B0503020204020204" charset="-122"/>
+                <a:ea typeface="微软雅黑" panose="020B0503020204020204" charset="-122"/>
+              </a:rPr>
+              <a:t>这是一篇使用了</a:t>
+            </a:r>
+            <a:r>
+              <a:rPr lang="en-US" altLang="zh-CN" sz="1600" dirty="0">
+                <a:solidFill>
+                  <a:schemeClr val="tx1"/>
+                </a:solidFill>
+                <a:latin typeface="微软雅黑" panose="020B0503020204020204" charset="-122"/>
+                <a:ea typeface="微软雅黑" panose="020B0503020204020204" charset="-122"/>
+              </a:rPr>
+              <a:t>Transformer</a:t>
+            </a:r>
+            <a:r>
+              <a:rPr lang="zh-CN" altLang="en-US" sz="1600" dirty="0">
+                <a:solidFill>
+                  <a:schemeClr val="tx1"/>
+                </a:solidFill>
+                <a:latin typeface="微软雅黑" panose="020B0503020204020204" charset="-122"/>
+                <a:ea typeface="微软雅黑" panose="020B0503020204020204" charset="-122"/>
+              </a:rPr>
+              <a:t>模块处理医学超声图像的</a:t>
+            </a:r>
+            <a:r>
+              <a:rPr lang="en-US" altLang="zh-CN" sz="1600" dirty="0">
+                <a:solidFill>
+                  <a:schemeClr val="tx1"/>
+                </a:solidFill>
+                <a:latin typeface="微软雅黑" panose="020B0503020204020204" charset="-122"/>
+                <a:ea typeface="微软雅黑" panose="020B0503020204020204" charset="-122"/>
+              </a:rPr>
+              <a:t>survey</a:t>
+            </a:r>
+            <a:r>
+              <a:rPr lang="zh-CN" altLang="en-US" sz="1600" dirty="0">
+                <a:solidFill>
+                  <a:schemeClr val="tx1"/>
+                </a:solidFill>
+                <a:latin typeface="微软雅黑" panose="020B0503020204020204" charset="-122"/>
+                <a:ea typeface="微软雅黑" panose="020B0503020204020204" charset="-122"/>
+              </a:rPr>
+              <a:t>。在前列腺癌症的检测方面，目前是如下的工作在</a:t>
+            </a:r>
+            <a:r>
+              <a:rPr lang="en-US" altLang="zh-CN" sz="1600" dirty="0">
+                <a:solidFill>
+                  <a:schemeClr val="tx1"/>
+                </a:solidFill>
+                <a:latin typeface="微软雅黑" panose="020B0503020204020204" charset="-122"/>
+                <a:ea typeface="微软雅黑" panose="020B0503020204020204" charset="-122"/>
+              </a:rPr>
+              <a:t>23</a:t>
+            </a:r>
+            <a:r>
+              <a:rPr lang="zh-CN" altLang="en-US" sz="1600" dirty="0">
+                <a:solidFill>
+                  <a:schemeClr val="tx1"/>
+                </a:solidFill>
+                <a:latin typeface="微软雅黑" panose="020B0503020204020204" charset="-122"/>
+                <a:ea typeface="微软雅黑" panose="020B0503020204020204" charset="-122"/>
+              </a:rPr>
+              <a:t>年达到</a:t>
+            </a:r>
+            <a:r>
+              <a:rPr lang="en-US" altLang="zh-CN" sz="1600" dirty="0">
+                <a:solidFill>
+                  <a:schemeClr val="tx1"/>
+                </a:solidFill>
+                <a:latin typeface="微软雅黑" panose="020B0503020204020204" charset="-122"/>
+                <a:ea typeface="微软雅黑" panose="020B0503020204020204" charset="-122"/>
+              </a:rPr>
+              <a:t>sota</a:t>
+            </a:r>
+            <a:endParaRPr lang="en-US" altLang="zh-CN" sz="1600" dirty="0">
+              <a:solidFill>
+                <a:schemeClr val="tx1"/>
+              </a:solidFill>
+              <a:latin typeface="微软雅黑" panose="020B0503020204020204" charset="-122"/>
+              <a:ea typeface="微软雅黑" panose="020B0503020204020204" charset="-122"/>
+            </a:endParaRPr>
+          </a:p>
+          <a:p>
+            <a:pPr marL="0" lvl="0" indent="457200">
+              <a:buNone/>
+            </a:pPr>
+            <a:endParaRPr lang="en-US" altLang="zh-CN" sz="1600" dirty="0">
+              <a:solidFill>
+                <a:schemeClr val="tx1"/>
+              </a:solidFill>
+              <a:latin typeface="微软雅黑" panose="020B0503020204020204" charset="-122"/>
+              <a:ea typeface="微软雅黑" panose="020B0503020204020204" charset="-122"/>
+            </a:endParaRPr>
+          </a:p>
+          <a:p>
+            <a:pPr marL="0" lvl="0" indent="457200">
+              <a:buNone/>
+            </a:pPr>
+            <a:endParaRPr lang="en-US" altLang="zh-CN" sz="1600" dirty="0">
+              <a:solidFill>
+                <a:schemeClr val="tx1"/>
+              </a:solidFill>
+              <a:latin typeface="微软雅黑" panose="020B0503020204020204" charset="-122"/>
+              <a:ea typeface="微软雅黑" panose="020B0503020204020204" charset="-122"/>
+            </a:endParaRPr>
+          </a:p>
+          <a:p>
+            <a:pPr marL="0" lvl="0" indent="457200">
+              <a:buNone/>
+            </a:pPr>
+            <a:endParaRPr lang="en-US" altLang="zh-CN" sz="1600" dirty="0">
+              <a:solidFill>
+                <a:schemeClr val="tx1"/>
+              </a:solidFill>
+              <a:latin typeface="微软雅黑" panose="020B0503020204020204" charset="-122"/>
+              <a:ea typeface="微软雅黑" panose="020B0503020204020204" charset="-122"/>
+            </a:endParaRPr>
+          </a:p>
+          <a:p>
+            <a:pPr marL="0" lvl="0" indent="457200">
+              <a:buNone/>
+            </a:pPr>
+            <a:endParaRPr lang="en-US" altLang="zh-CN" sz="1600" dirty="0">
+              <a:solidFill>
+                <a:schemeClr val="tx1"/>
+              </a:solidFill>
+              <a:latin typeface="微软雅黑" panose="020B0503020204020204" charset="-122"/>
+              <a:ea typeface="微软雅黑" panose="020B0503020204020204" charset="-122"/>
+            </a:endParaRPr>
+          </a:p>
+          <a:p>
+            <a:pPr marL="0" lvl="0" indent="457200">
+              <a:buNone/>
+            </a:pPr>
+            <a:endParaRPr lang="en-US" altLang="zh-CN" sz="1600" dirty="0">
+              <a:solidFill>
+                <a:schemeClr val="tx1"/>
+              </a:solidFill>
+              <a:latin typeface="微软雅黑" panose="020B0503020204020204" charset="-122"/>
+              <a:ea typeface="微软雅黑" panose="020B0503020204020204" charset="-122"/>
+            </a:endParaRPr>
+          </a:p>
+          <a:p>
+            <a:pPr marL="0" lvl="0" indent="457200">
+              <a:buNone/>
+            </a:pPr>
+            <a:endParaRPr lang="en-US" altLang="zh-CN" sz="1600" dirty="0">
+              <a:solidFill>
+                <a:schemeClr val="tx1"/>
+              </a:solidFill>
+              <a:latin typeface="微软雅黑" panose="020B0503020204020204" charset="-122"/>
+              <a:ea typeface="微软雅黑" panose="020B0503020204020204" charset="-122"/>
+            </a:endParaRPr>
+          </a:p>
+          <a:p>
+            <a:pPr marL="0" lvl="0" indent="457200">
+              <a:buNone/>
+            </a:pPr>
+            <a:endParaRPr lang="en-US" altLang="zh-CN" sz="1600" dirty="0">
+              <a:solidFill>
+                <a:schemeClr val="tx1"/>
+              </a:solidFill>
+              <a:latin typeface="微软雅黑" panose="020B0503020204020204" charset="-122"/>
+              <a:ea typeface="微软雅黑" panose="020B0503020204020204" charset="-122"/>
+            </a:endParaRPr>
+          </a:p>
+          <a:p>
+            <a:pPr marL="0" lvl="0" indent="457200">
+              <a:buNone/>
+            </a:pPr>
+            <a:endParaRPr lang="en-US" altLang="zh-CN" sz="1600" dirty="0">
+              <a:solidFill>
+                <a:schemeClr val="tx1"/>
+              </a:solidFill>
+              <a:latin typeface="微软雅黑" panose="020B0503020204020204" charset="-122"/>
+              <a:ea typeface="微软雅黑" panose="020B0503020204020204" charset="-122"/>
+            </a:endParaRPr>
+          </a:p>
+          <a:p>
+            <a:pPr marL="0" lvl="0" indent="457200">
+              <a:buNone/>
+            </a:pPr>
+            <a:endParaRPr lang="en-US" altLang="zh-CN" sz="1600" dirty="0">
+              <a:solidFill>
+                <a:schemeClr val="tx1"/>
+              </a:solidFill>
+              <a:latin typeface="微软雅黑" panose="020B0503020204020204" charset="-122"/>
+              <a:ea typeface="微软雅黑" panose="020B0503020204020204" charset="-122"/>
+            </a:endParaRPr>
+          </a:p>
+          <a:p>
+            <a:pPr marL="0" lvl="0" indent="457200">
+              <a:buNone/>
+            </a:pPr>
+            <a:r>
+              <a:rPr lang="zh-CN" altLang="en-US" sz="1600" dirty="0">
+                <a:solidFill>
+                  <a:schemeClr val="tx1"/>
+                </a:solidFill>
+                <a:latin typeface="微软雅黑" panose="020B0503020204020204" charset="-122"/>
+                <a:ea typeface="微软雅黑" panose="020B0503020204020204" charset="-122"/>
+              </a:rPr>
+              <a:t>并且工作只有</a:t>
+            </a:r>
+            <a:r>
+              <a:rPr lang="en-US" altLang="zh-CN" sz="1600" dirty="0">
+                <a:solidFill>
+                  <a:schemeClr val="tx1"/>
+                </a:solidFill>
+                <a:latin typeface="微软雅黑" panose="020B0503020204020204" charset="-122"/>
+                <a:ea typeface="微软雅黑" panose="020B0503020204020204" charset="-122"/>
+              </a:rPr>
+              <a:t>classification</a:t>
+            </a:r>
+            <a:r>
+              <a:rPr lang="zh-CN" altLang="en-US" sz="1600" dirty="0">
+                <a:solidFill>
+                  <a:schemeClr val="tx1"/>
+                </a:solidFill>
+                <a:latin typeface="微软雅黑" panose="020B0503020204020204" charset="-122"/>
+                <a:ea typeface="微软雅黑" panose="020B0503020204020204" charset="-122"/>
+              </a:rPr>
+              <a:t>，具体内容一会接着介绍一下。</a:t>
+            </a:r>
+            <a:endParaRPr lang="zh-CN" altLang="en-US" sz="1600" dirty="0">
+              <a:solidFill>
+                <a:schemeClr val="tx1"/>
+              </a:solidFill>
+              <a:latin typeface="微软雅黑" panose="020B0503020204020204" charset="-122"/>
+              <a:ea typeface="微软雅黑" panose="020B0503020204020204" charset="-122"/>
+            </a:endParaRPr>
+          </a:p>
+          <a:p>
+            <a:pPr marL="0" lvl="0" indent="457200">
+              <a:buNone/>
+            </a:pPr>
+            <a:r>
+              <a:rPr lang="zh-CN" altLang="en-US" sz="1600" dirty="0">
+                <a:solidFill>
+                  <a:schemeClr val="tx1"/>
+                </a:solidFill>
+                <a:latin typeface="微软雅黑" panose="020B0503020204020204" charset="-122"/>
+                <a:ea typeface="微软雅黑" panose="020B0503020204020204" charset="-122"/>
+              </a:rPr>
+              <a:t>然后</a:t>
+            </a:r>
+            <a:r>
+              <a:rPr lang="en-US" altLang="zh-CN" sz="1600" dirty="0">
+                <a:solidFill>
+                  <a:schemeClr val="tx1"/>
+                </a:solidFill>
+                <a:latin typeface="微软雅黑" panose="020B0503020204020204" charset="-122"/>
+                <a:ea typeface="微软雅黑" panose="020B0503020204020204" charset="-122"/>
+              </a:rPr>
+              <a:t>23</a:t>
+            </a:r>
+            <a:r>
+              <a:rPr lang="zh-CN" altLang="en-US" sz="1600" dirty="0">
+                <a:solidFill>
+                  <a:schemeClr val="tx1"/>
+                </a:solidFill>
+                <a:latin typeface="微软雅黑" panose="020B0503020204020204" charset="-122"/>
+                <a:ea typeface="微软雅黑" panose="020B0503020204020204" charset="-122"/>
+              </a:rPr>
+              <a:t>年之前很多</a:t>
+            </a:r>
+            <a:r>
+              <a:rPr lang="en-US" altLang="zh-CN" sz="1600" dirty="0">
+                <a:solidFill>
+                  <a:schemeClr val="tx1"/>
+                </a:solidFill>
+                <a:latin typeface="微软雅黑" panose="020B0503020204020204" charset="-122"/>
+                <a:ea typeface="微软雅黑" panose="020B0503020204020204" charset="-122"/>
+              </a:rPr>
+              <a:t>work</a:t>
+            </a:r>
+            <a:r>
+              <a:rPr lang="zh-CN" altLang="en-US" sz="1600" dirty="0">
+                <a:solidFill>
+                  <a:schemeClr val="tx1"/>
+                </a:solidFill>
+                <a:latin typeface="微软雅黑" panose="020B0503020204020204" charset="-122"/>
+                <a:ea typeface="微软雅黑" panose="020B0503020204020204" charset="-122"/>
+              </a:rPr>
+              <a:t>其实针对的不是普通超声，而是微超声</a:t>
+            </a:r>
+            <a:endParaRPr lang="zh-CN" altLang="en-US" sz="1600" dirty="0">
+              <a:solidFill>
+                <a:schemeClr val="tx1"/>
+              </a:solidFill>
+              <a:latin typeface="微软雅黑" panose="020B0503020204020204" charset="-122"/>
+              <a:ea typeface="微软雅黑" panose="020B0503020204020204" charset="-122"/>
+            </a:endParaRPr>
+          </a:p>
+        </p:txBody>
+      </p:sp>
+      <p:pic>
+        <p:nvPicPr>
+          <p:cNvPr id="2" name="图片 1"/>
+          <p:cNvPicPr>
+            <a:picLocks noChangeAspect="1"/>
+          </p:cNvPicPr>
+          <p:nvPr/>
+        </p:nvPicPr>
+        <p:blipFill>
+          <a:blip r:embed="rId3"/>
+          <a:stretch>
+            <a:fillRect/>
+          </a:stretch>
+        </p:blipFill>
+        <p:spPr>
+          <a:xfrm>
+            <a:off x="6369685" y="1971675"/>
+            <a:ext cx="5144770" cy="2182495"/>
+          </a:xfrm>
+          <a:prstGeom prst="rect">
+            <a:avLst/>
+          </a:prstGeom>
+        </p:spPr>
+      </p:pic>
+      <p:pic>
+        <p:nvPicPr>
+          <p:cNvPr id="9" name="图片 8"/>
+          <p:cNvPicPr>
+            <a:picLocks noChangeAspect="1"/>
+          </p:cNvPicPr>
+          <p:nvPr/>
+        </p:nvPicPr>
+        <p:blipFill>
+          <a:blip r:embed="rId4"/>
+          <a:stretch>
+            <a:fillRect/>
+          </a:stretch>
+        </p:blipFill>
+        <p:spPr>
+          <a:xfrm>
+            <a:off x="6521450" y="4554220"/>
+            <a:ext cx="5650865" cy="1770380"/>
+          </a:xfrm>
+          <a:prstGeom prst="rect">
+            <a:avLst/>
+          </a:prstGeom>
+        </p:spPr>
+      </p:pic>
+    </p:spTree>
+  </p:cSld>
+  <p:clrMapOvr>
+    <a:masterClrMapping/>
+  </p:clrMapOvr>
+</p:sld>
+</file>
+
+<file path=ppt/slides/slide6.xml><?xml version="1.0" encoding="utf-8"?>
 <p:sld xmlns:a="http://schemas.openxmlformats.org/drawingml/2006/main" xmlns:r="http://schemas.openxmlformats.org/officeDocument/2006/relationships" xmlns:p="http://schemas.openxmlformats.org/presentationml/2006/main">
   <p:cSld>
     <p:spTree>
@@ -5040,388 +6033,6 @@
 </p:sld>
 </file>
 
-<file path=ppt/slides/slide6.xml><?xml version="1.0" encoding="utf-8"?>
-<p:sld xmlns:a="http://schemas.openxmlformats.org/drawingml/2006/main" xmlns:r="http://schemas.openxmlformats.org/officeDocument/2006/relationships" xmlns:p="http://schemas.openxmlformats.org/presentationml/2006/main">
-  <p:cSld>
-    <p:spTree>
-      <p:nvGrpSpPr>
-        <p:cNvPr id="1" name=""/>
-        <p:cNvGrpSpPr/>
-        <p:nvPr/>
-      </p:nvGrpSpPr>
-      <p:grpSpPr>
-        <a:xfrm>
-          <a:off x="0" y="0"/>
-          <a:ext cx="0" cy="0"/>
-          <a:chOff x="0" y="0"/>
-          <a:chExt cx="0" cy="0"/>
-        </a:xfrm>
-      </p:grpSpPr>
-      <p:sp>
-        <p:nvSpPr>
-          <p:cNvPr id="7" name="文本框 6"/>
-          <p:cNvSpPr txBox="1"/>
-          <p:nvPr/>
-        </p:nvSpPr>
-        <p:spPr>
-          <a:xfrm>
-            <a:off x="724535" y="1323340"/>
-            <a:ext cx="2247900" cy="410845"/>
-          </a:xfrm>
-          <a:prstGeom prst="rect">
-            <a:avLst/>
-          </a:prstGeom>
-          <a:noFill/>
-        </p:spPr>
-        <p:txBody>
-          <a:bodyPr wrap="square">
-            <a:noAutofit/>
-          </a:bodyPr>
-          <a:lstStyle/>
-          <a:p>
-            <a:pPr algn="l" fontAlgn="auto">
-              <a:lnSpc>
-                <a:spcPts val="2200"/>
-              </a:lnSpc>
-              <a:buClrTx/>
-              <a:buSzTx/>
-              <a:buNone/>
-            </a:pPr>
-            <a:endParaRPr lang="zh-CN" altLang="en-US" sz="1600" dirty="0">
-              <a:latin typeface="微软雅黑" panose="020B0503020204020204" charset="-122"/>
-              <a:ea typeface="微软雅黑" panose="020B0503020204020204" charset="-122"/>
-            </a:endParaRPr>
-          </a:p>
-        </p:txBody>
-      </p:sp>
-      <p:sp>
-        <p:nvSpPr>
-          <p:cNvPr id="3" name="矩形 2"/>
-          <p:cNvSpPr/>
-          <p:nvPr>
-            <p:custDataLst>
-              <p:tags r:id="rId1"/>
-            </p:custDataLst>
-          </p:nvPr>
-        </p:nvSpPr>
-        <p:spPr>
-          <a:xfrm>
-            <a:off x="-6350" y="0"/>
-            <a:ext cx="12198350" cy="540000"/>
-          </a:xfrm>
-          <a:prstGeom prst="rect">
-            <a:avLst/>
-          </a:prstGeom>
-          <a:solidFill>
-            <a:srgbClr val="A099CB"/>
-          </a:solidFill>
-          <a:ln>
-            <a:noFill/>
-          </a:ln>
-        </p:spPr>
-        <p:style>
-          <a:lnRef idx="2">
-            <a:schemeClr val="accent1">
-              <a:shade val="50000"/>
-            </a:schemeClr>
-          </a:lnRef>
-          <a:fillRef idx="1">
-            <a:schemeClr val="accent1"/>
-          </a:fillRef>
-          <a:effectRef idx="0">
-            <a:schemeClr val="accent1"/>
-          </a:effectRef>
-          <a:fontRef idx="minor">
-            <a:schemeClr val="lt1"/>
-          </a:fontRef>
-        </p:style>
-        <p:txBody>
-          <a:bodyPr rtlCol="0" anchor="ctr"/>
-          <a:p>
-            <a:pPr marL="0" marR="0" lvl="0" indent="0" algn="ctr" defTabSz="914400" rtl="0" eaLnBrk="1" fontAlgn="auto" latinLnBrk="0" hangingPunct="1">
-              <a:lnSpc>
-                <a:spcPct val="100000"/>
-              </a:lnSpc>
-              <a:spcBef>
-                <a:spcPts val="0"/>
-              </a:spcBef>
-              <a:spcAft>
-                <a:spcPts val="0"/>
-              </a:spcAft>
-              <a:buClrTx/>
-              <a:buSzTx/>
-              <a:buFontTx/>
-              <a:buNone/>
-              <a:defRPr/>
-            </a:pPr>
-            <a:r>
-              <a:rPr lang="en-US" altLang="zh-CN" sz="1800" dirty="0">
-                <a:effectLst/>
-                <a:latin typeface="微软雅黑" panose="020B0503020204020204" charset="-122"/>
-                <a:ea typeface="微软雅黑" panose="020B0503020204020204" charset="-122"/>
-              </a:rPr>
-              <a:t>2.</a:t>
-            </a:r>
-            <a:r>
-              <a:rPr lang="zh-CN" altLang="en-US" sz="1800" dirty="0">
-                <a:effectLst/>
-                <a:latin typeface="微软雅黑" panose="020B0503020204020204" charset="-122"/>
-                <a:ea typeface="微软雅黑" panose="020B0503020204020204" charset="-122"/>
-              </a:rPr>
-              <a:t>自己总结</a:t>
-            </a:r>
-            <a:endParaRPr lang="zh-CN" altLang="en-US" sz="1800" dirty="0">
-              <a:effectLst/>
-              <a:latin typeface="微软雅黑" panose="020B0503020204020204" charset="-122"/>
-              <a:ea typeface="微软雅黑" panose="020B0503020204020204" charset="-122"/>
-            </a:endParaRPr>
-          </a:p>
-        </p:txBody>
-      </p:sp>
-      <p:sp>
-        <p:nvSpPr>
-          <p:cNvPr id="8" name="文本框 7"/>
-          <p:cNvSpPr txBox="1"/>
-          <p:nvPr>
-            <p:custDataLst>
-              <p:tags r:id="rId2"/>
-            </p:custDataLst>
-          </p:nvPr>
-        </p:nvSpPr>
-        <p:spPr>
-          <a:xfrm>
-            <a:off x="106680" y="594360"/>
-            <a:ext cx="11736705" cy="506730"/>
-          </a:xfrm>
-          <a:prstGeom prst="rect">
-            <a:avLst/>
-          </a:prstGeom>
-          <a:noFill/>
-        </p:spPr>
-        <p:txBody>
-          <a:bodyPr wrap="square" rtlCol="0">
-            <a:spAutoFit/>
-          </a:bodyPr>
-          <a:p>
-            <a:pPr marL="285750" indent="-285750">
-              <a:lnSpc>
-                <a:spcPct val="150000"/>
-              </a:lnSpc>
-              <a:buFont typeface="Wingdings" panose="05000000000000000000" charset="0"/>
-              <a:buChar char="p"/>
-            </a:pPr>
-            <a:r>
-              <a:rPr lang="en-US" altLang="zh-CN" b="1" dirty="0">
-                <a:latin typeface="微软雅黑" panose="020B0503020204020204" charset="-122"/>
-                <a:ea typeface="微软雅黑" panose="020B0503020204020204" charset="-122"/>
-              </a:rPr>
-              <a:t>github</a:t>
-            </a:r>
-            <a:r>
-              <a:rPr lang="zh-CN" altLang="en-US" b="1" dirty="0">
-                <a:latin typeface="微软雅黑" panose="020B0503020204020204" charset="-122"/>
-                <a:ea typeface="微软雅黑" panose="020B0503020204020204" charset="-122"/>
-              </a:rPr>
-              <a:t>上相关项目：通过关键词</a:t>
-            </a:r>
-            <a:r>
-              <a:rPr lang="en-US" altLang="zh-CN" b="1" dirty="0">
-                <a:latin typeface="微软雅黑" panose="020B0503020204020204" charset="-122"/>
-                <a:ea typeface="微软雅黑" panose="020B0503020204020204" charset="-122"/>
-              </a:rPr>
-              <a:t>“prostate cancer “ ”ultrasound”</a:t>
-            </a:r>
-            <a:endParaRPr lang="en-US" altLang="zh-CN" b="1" dirty="0">
-              <a:latin typeface="微软雅黑" panose="020B0503020204020204" charset="-122"/>
-              <a:ea typeface="微软雅黑" panose="020B0503020204020204" charset="-122"/>
-            </a:endParaRPr>
-          </a:p>
-        </p:txBody>
-      </p:sp>
-      <p:sp>
-        <p:nvSpPr>
-          <p:cNvPr id="10" name="文本框 9"/>
-          <p:cNvSpPr txBox="1"/>
-          <p:nvPr/>
-        </p:nvSpPr>
-        <p:spPr>
-          <a:xfrm>
-            <a:off x="286385" y="1155700"/>
-            <a:ext cx="7369175" cy="1423670"/>
-          </a:xfrm>
-          <a:prstGeom prst="rect">
-            <a:avLst/>
-          </a:prstGeom>
-          <a:noFill/>
-        </p:spPr>
-        <p:txBody>
-          <a:bodyPr wrap="square" rtlCol="0">
-            <a:noAutofit/>
-          </a:bodyPr>
-          <a:p>
-            <a:pPr marL="0" lvl="0" indent="457200">
-              <a:buNone/>
-            </a:pPr>
-            <a:r>
-              <a:rPr lang="zh-CN" altLang="en-US" sz="1600" dirty="0">
-                <a:solidFill>
-                  <a:schemeClr val="tx1"/>
-                </a:solidFill>
-                <a:latin typeface="微软雅黑" panose="020B0503020204020204" charset="-122"/>
-                <a:ea typeface="微软雅黑" panose="020B0503020204020204" charset="-122"/>
-              </a:rPr>
-              <a:t>搜索出来的基本是微超声的项目，我搜了微超声和我们的任务不一致，所以</a:t>
-            </a:r>
-            <a:r>
-              <a:rPr lang="en-US" altLang="zh-CN" sz="1600" dirty="0">
-                <a:solidFill>
-                  <a:schemeClr val="tx1"/>
-                </a:solidFill>
-                <a:latin typeface="微软雅黑" panose="020B0503020204020204" charset="-122"/>
-                <a:ea typeface="微软雅黑" panose="020B0503020204020204" charset="-122"/>
-              </a:rPr>
-              <a:t>github</a:t>
-            </a:r>
-            <a:r>
-              <a:rPr lang="zh-CN" altLang="en-US" sz="1600" dirty="0">
-                <a:solidFill>
-                  <a:schemeClr val="tx1"/>
-                </a:solidFill>
-                <a:latin typeface="微软雅黑" panose="020B0503020204020204" charset="-122"/>
-                <a:ea typeface="微软雅黑" panose="020B0503020204020204" charset="-122"/>
-              </a:rPr>
-              <a:t>上的项目没有和我们的任务很相关的，那么也可以说现有的开源的任务和我们的相关的很少。</a:t>
-            </a:r>
-            <a:endParaRPr lang="zh-CN" altLang="en-US" sz="1600" dirty="0">
-              <a:solidFill>
-                <a:schemeClr val="tx1"/>
-              </a:solidFill>
-              <a:latin typeface="微软雅黑" panose="020B0503020204020204" charset="-122"/>
-              <a:ea typeface="微软雅黑" panose="020B0503020204020204" charset="-122"/>
-            </a:endParaRPr>
-          </a:p>
-          <a:p>
-            <a:pPr marL="0" lvl="0" indent="457200">
-              <a:buNone/>
-            </a:pPr>
-            <a:endParaRPr lang="zh-CN" altLang="en-US" sz="1600" dirty="0">
-              <a:solidFill>
-                <a:schemeClr val="tx1"/>
-              </a:solidFill>
-              <a:latin typeface="微软雅黑" panose="020B0503020204020204" charset="-122"/>
-              <a:ea typeface="微软雅黑" panose="020B0503020204020204" charset="-122"/>
-            </a:endParaRPr>
-          </a:p>
-          <a:p>
-            <a:pPr marL="0" lvl="0" indent="457200">
-              <a:buNone/>
-            </a:pPr>
-            <a:r>
-              <a:rPr lang="zh-CN" altLang="en-US" sz="1600" dirty="0">
-                <a:solidFill>
-                  <a:schemeClr val="tx1"/>
-                </a:solidFill>
-                <a:latin typeface="微软雅黑" panose="020B0503020204020204" charset="-122"/>
-                <a:ea typeface="微软雅黑" panose="020B0503020204020204" charset="-122"/>
-              </a:rPr>
-              <a:t>至于</a:t>
-            </a:r>
-            <a:r>
-              <a:rPr lang="en-US" altLang="zh-CN" sz="1600" dirty="0">
-                <a:solidFill>
-                  <a:schemeClr val="tx1"/>
-                </a:solidFill>
-                <a:latin typeface="微软雅黑" panose="020B0503020204020204" charset="-122"/>
-                <a:ea typeface="微软雅黑" panose="020B0503020204020204" charset="-122"/>
-              </a:rPr>
-              <a:t>github</a:t>
-            </a:r>
-            <a:r>
-              <a:rPr lang="zh-CN" altLang="en-US" sz="1600" dirty="0">
-                <a:solidFill>
-                  <a:schemeClr val="tx1"/>
-                </a:solidFill>
-                <a:latin typeface="微软雅黑" panose="020B0503020204020204" charset="-122"/>
-                <a:ea typeface="微软雅黑" panose="020B0503020204020204" charset="-122"/>
-              </a:rPr>
-              <a:t>上公开的前列腺癌症超声数据集，搜索为</a:t>
-            </a:r>
-            <a:r>
-              <a:rPr lang="en-US" altLang="zh-CN" sz="1600" dirty="0">
-                <a:solidFill>
-                  <a:schemeClr val="tx1"/>
-                </a:solidFill>
-                <a:latin typeface="微软雅黑" panose="020B0503020204020204" charset="-122"/>
-                <a:ea typeface="微软雅黑" panose="020B0503020204020204" charset="-122"/>
-              </a:rPr>
-              <a:t>0</a:t>
-            </a:r>
-            <a:endParaRPr lang="en-US" altLang="zh-CN" sz="1600" dirty="0">
-              <a:solidFill>
-                <a:schemeClr val="tx1"/>
-              </a:solidFill>
-              <a:latin typeface="微软雅黑" panose="020B0503020204020204" charset="-122"/>
-              <a:ea typeface="微软雅黑" panose="020B0503020204020204" charset="-122"/>
-            </a:endParaRPr>
-          </a:p>
-        </p:txBody>
-      </p:sp>
-      <p:pic>
-        <p:nvPicPr>
-          <p:cNvPr id="9" name="图片 8"/>
-          <p:cNvPicPr>
-            <a:picLocks noChangeAspect="1"/>
-          </p:cNvPicPr>
-          <p:nvPr/>
-        </p:nvPicPr>
-        <p:blipFill>
-          <a:blip r:embed="rId3"/>
-          <a:stretch>
-            <a:fillRect/>
-          </a:stretch>
-        </p:blipFill>
-        <p:spPr>
-          <a:xfrm>
-            <a:off x="7701280" y="1011555"/>
-            <a:ext cx="4425950" cy="1386840"/>
-          </a:xfrm>
-          <a:prstGeom prst="rect">
-            <a:avLst/>
-          </a:prstGeom>
-        </p:spPr>
-      </p:pic>
-      <p:pic>
-        <p:nvPicPr>
-          <p:cNvPr id="11" name="图片 10"/>
-          <p:cNvPicPr>
-            <a:picLocks noChangeAspect="1"/>
-          </p:cNvPicPr>
-          <p:nvPr/>
-        </p:nvPicPr>
-        <p:blipFill>
-          <a:blip r:embed="rId4"/>
-          <a:stretch>
-            <a:fillRect/>
-          </a:stretch>
-        </p:blipFill>
-        <p:spPr>
-          <a:xfrm>
-            <a:off x="6829425" y="2934970"/>
-            <a:ext cx="5241290" cy="762000"/>
-          </a:xfrm>
-          <a:prstGeom prst="rect">
-            <a:avLst/>
-          </a:prstGeom>
-        </p:spPr>
-      </p:pic>
-    </p:spTree>
-  </p:cSld>
-  <p:clrMapOvr>
-    <a:masterClrMapping/>
-  </p:clrMapOvr>
-</p:sld>
-</file>
-
 <file path=ppt/slides/slide7.xml><?xml version="1.0" encoding="utf-8"?>
 <p:sld xmlns:a="http://schemas.openxmlformats.org/drawingml/2006/main" xmlns:r="http://schemas.openxmlformats.org/officeDocument/2006/relationships" xmlns:p="http://schemas.openxmlformats.org/presentationml/2006/main">
   <p:cSld>
@@ -5597,6 +6208,388 @@
                 <a:latin typeface="微软雅黑" panose="020B0503020204020204" charset="-122"/>
                 <a:ea typeface="微软雅黑" panose="020B0503020204020204" charset="-122"/>
               </a:rPr>
+              <a:t>github</a:t>
+            </a:r>
+            <a:r>
+              <a:rPr lang="zh-CN" altLang="en-US" b="1" dirty="0">
+                <a:latin typeface="微软雅黑" panose="020B0503020204020204" charset="-122"/>
+                <a:ea typeface="微软雅黑" panose="020B0503020204020204" charset="-122"/>
+              </a:rPr>
+              <a:t>上相关项目：通过关键词</a:t>
+            </a:r>
+            <a:r>
+              <a:rPr lang="en-US" altLang="zh-CN" b="1" dirty="0">
+                <a:latin typeface="微软雅黑" panose="020B0503020204020204" charset="-122"/>
+                <a:ea typeface="微软雅黑" panose="020B0503020204020204" charset="-122"/>
+              </a:rPr>
+              <a:t>“prostate cancer “ ”ultrasound”</a:t>
+            </a:r>
+            <a:endParaRPr lang="en-US" altLang="zh-CN" b="1" dirty="0">
+              <a:latin typeface="微软雅黑" panose="020B0503020204020204" charset="-122"/>
+              <a:ea typeface="微软雅黑" panose="020B0503020204020204" charset="-122"/>
+            </a:endParaRPr>
+          </a:p>
+        </p:txBody>
+      </p:sp>
+      <p:sp>
+        <p:nvSpPr>
+          <p:cNvPr id="10" name="文本框 9"/>
+          <p:cNvSpPr txBox="1"/>
+          <p:nvPr/>
+        </p:nvSpPr>
+        <p:spPr>
+          <a:xfrm>
+            <a:off x="286385" y="1155700"/>
+            <a:ext cx="7369175" cy="1423670"/>
+          </a:xfrm>
+          <a:prstGeom prst="rect">
+            <a:avLst/>
+          </a:prstGeom>
+          <a:noFill/>
+        </p:spPr>
+        <p:txBody>
+          <a:bodyPr wrap="square" rtlCol="0">
+            <a:noAutofit/>
+          </a:bodyPr>
+          <a:p>
+            <a:pPr marL="0" lvl="0" indent="457200">
+              <a:buNone/>
+            </a:pPr>
+            <a:r>
+              <a:rPr lang="zh-CN" altLang="en-US" sz="1600" dirty="0">
+                <a:solidFill>
+                  <a:schemeClr val="tx1"/>
+                </a:solidFill>
+                <a:latin typeface="微软雅黑" panose="020B0503020204020204" charset="-122"/>
+                <a:ea typeface="微软雅黑" panose="020B0503020204020204" charset="-122"/>
+              </a:rPr>
+              <a:t>搜索出来的基本是微超声的项目，我搜了微超声和我们的任务不一致，所以</a:t>
+            </a:r>
+            <a:r>
+              <a:rPr lang="en-US" altLang="zh-CN" sz="1600" dirty="0">
+                <a:solidFill>
+                  <a:schemeClr val="tx1"/>
+                </a:solidFill>
+                <a:latin typeface="微软雅黑" panose="020B0503020204020204" charset="-122"/>
+                <a:ea typeface="微软雅黑" panose="020B0503020204020204" charset="-122"/>
+              </a:rPr>
+              <a:t>github</a:t>
+            </a:r>
+            <a:r>
+              <a:rPr lang="zh-CN" altLang="en-US" sz="1600" dirty="0">
+                <a:solidFill>
+                  <a:schemeClr val="tx1"/>
+                </a:solidFill>
+                <a:latin typeface="微软雅黑" panose="020B0503020204020204" charset="-122"/>
+                <a:ea typeface="微软雅黑" panose="020B0503020204020204" charset="-122"/>
+              </a:rPr>
+              <a:t>上的项目没有和我们的任务很相关的，那么也可以说现有的开源的任务和我们的相关的很少。</a:t>
+            </a:r>
+            <a:endParaRPr lang="zh-CN" altLang="en-US" sz="1600" dirty="0">
+              <a:solidFill>
+                <a:schemeClr val="tx1"/>
+              </a:solidFill>
+              <a:latin typeface="微软雅黑" panose="020B0503020204020204" charset="-122"/>
+              <a:ea typeface="微软雅黑" panose="020B0503020204020204" charset="-122"/>
+            </a:endParaRPr>
+          </a:p>
+          <a:p>
+            <a:pPr marL="0" lvl="0" indent="457200">
+              <a:buNone/>
+            </a:pPr>
+            <a:endParaRPr lang="zh-CN" altLang="en-US" sz="1600" dirty="0">
+              <a:solidFill>
+                <a:schemeClr val="tx1"/>
+              </a:solidFill>
+              <a:latin typeface="微软雅黑" panose="020B0503020204020204" charset="-122"/>
+              <a:ea typeface="微软雅黑" panose="020B0503020204020204" charset="-122"/>
+            </a:endParaRPr>
+          </a:p>
+          <a:p>
+            <a:pPr marL="0" lvl="0" indent="457200">
+              <a:buNone/>
+            </a:pPr>
+            <a:r>
+              <a:rPr lang="zh-CN" altLang="en-US" sz="1600" dirty="0">
+                <a:solidFill>
+                  <a:schemeClr val="tx1"/>
+                </a:solidFill>
+                <a:latin typeface="微软雅黑" panose="020B0503020204020204" charset="-122"/>
+                <a:ea typeface="微软雅黑" panose="020B0503020204020204" charset="-122"/>
+              </a:rPr>
+              <a:t>至于</a:t>
+            </a:r>
+            <a:r>
+              <a:rPr lang="en-US" altLang="zh-CN" sz="1600" dirty="0">
+                <a:solidFill>
+                  <a:schemeClr val="tx1"/>
+                </a:solidFill>
+                <a:latin typeface="微软雅黑" panose="020B0503020204020204" charset="-122"/>
+                <a:ea typeface="微软雅黑" panose="020B0503020204020204" charset="-122"/>
+              </a:rPr>
+              <a:t>github</a:t>
+            </a:r>
+            <a:r>
+              <a:rPr lang="zh-CN" altLang="en-US" sz="1600" dirty="0">
+                <a:solidFill>
+                  <a:schemeClr val="tx1"/>
+                </a:solidFill>
+                <a:latin typeface="微软雅黑" panose="020B0503020204020204" charset="-122"/>
+                <a:ea typeface="微软雅黑" panose="020B0503020204020204" charset="-122"/>
+              </a:rPr>
+              <a:t>上公开的前列腺癌症超声数据集，搜索为</a:t>
+            </a:r>
+            <a:r>
+              <a:rPr lang="en-US" altLang="zh-CN" sz="1600" dirty="0">
+                <a:solidFill>
+                  <a:schemeClr val="tx1"/>
+                </a:solidFill>
+                <a:latin typeface="微软雅黑" panose="020B0503020204020204" charset="-122"/>
+                <a:ea typeface="微软雅黑" panose="020B0503020204020204" charset="-122"/>
+              </a:rPr>
+              <a:t>0</a:t>
+            </a:r>
+            <a:endParaRPr lang="en-US" altLang="zh-CN" sz="1600" dirty="0">
+              <a:solidFill>
+                <a:schemeClr val="tx1"/>
+              </a:solidFill>
+              <a:latin typeface="微软雅黑" panose="020B0503020204020204" charset="-122"/>
+              <a:ea typeface="微软雅黑" panose="020B0503020204020204" charset="-122"/>
+            </a:endParaRPr>
+          </a:p>
+        </p:txBody>
+      </p:sp>
+      <p:pic>
+        <p:nvPicPr>
+          <p:cNvPr id="9" name="图片 8"/>
+          <p:cNvPicPr>
+            <a:picLocks noChangeAspect="1"/>
+          </p:cNvPicPr>
+          <p:nvPr/>
+        </p:nvPicPr>
+        <p:blipFill>
+          <a:blip r:embed="rId3"/>
+          <a:stretch>
+            <a:fillRect/>
+          </a:stretch>
+        </p:blipFill>
+        <p:spPr>
+          <a:xfrm>
+            <a:off x="7701280" y="1011555"/>
+            <a:ext cx="4425950" cy="1386840"/>
+          </a:xfrm>
+          <a:prstGeom prst="rect">
+            <a:avLst/>
+          </a:prstGeom>
+        </p:spPr>
+      </p:pic>
+      <p:pic>
+        <p:nvPicPr>
+          <p:cNvPr id="11" name="图片 10"/>
+          <p:cNvPicPr>
+            <a:picLocks noChangeAspect="1"/>
+          </p:cNvPicPr>
+          <p:nvPr/>
+        </p:nvPicPr>
+        <p:blipFill>
+          <a:blip r:embed="rId4"/>
+          <a:stretch>
+            <a:fillRect/>
+          </a:stretch>
+        </p:blipFill>
+        <p:spPr>
+          <a:xfrm>
+            <a:off x="6829425" y="2934970"/>
+            <a:ext cx="5241290" cy="762000"/>
+          </a:xfrm>
+          <a:prstGeom prst="rect">
+            <a:avLst/>
+          </a:prstGeom>
+        </p:spPr>
+      </p:pic>
+    </p:spTree>
+  </p:cSld>
+  <p:clrMapOvr>
+    <a:masterClrMapping/>
+  </p:clrMapOvr>
+</p:sld>
+</file>
+
+<file path=ppt/slides/slide8.xml><?xml version="1.0" encoding="utf-8"?>
+<p:sld xmlns:a="http://schemas.openxmlformats.org/drawingml/2006/main" xmlns:r="http://schemas.openxmlformats.org/officeDocument/2006/relationships" xmlns:p="http://schemas.openxmlformats.org/presentationml/2006/main">
+  <p:cSld>
+    <p:spTree>
+      <p:nvGrpSpPr>
+        <p:cNvPr id="1" name=""/>
+        <p:cNvGrpSpPr/>
+        <p:nvPr/>
+      </p:nvGrpSpPr>
+      <p:grpSpPr>
+        <a:xfrm>
+          <a:off x="0" y="0"/>
+          <a:ext cx="0" cy="0"/>
+          <a:chOff x="0" y="0"/>
+          <a:chExt cx="0" cy="0"/>
+        </a:xfrm>
+      </p:grpSpPr>
+      <p:sp>
+        <p:nvSpPr>
+          <p:cNvPr id="7" name="文本框 6"/>
+          <p:cNvSpPr txBox="1"/>
+          <p:nvPr/>
+        </p:nvSpPr>
+        <p:spPr>
+          <a:xfrm>
+            <a:off x="724535" y="1323340"/>
+            <a:ext cx="2247900" cy="410845"/>
+          </a:xfrm>
+          <a:prstGeom prst="rect">
+            <a:avLst/>
+          </a:prstGeom>
+          <a:noFill/>
+        </p:spPr>
+        <p:txBody>
+          <a:bodyPr wrap="square">
+            <a:noAutofit/>
+          </a:bodyPr>
+          <a:lstStyle/>
+          <a:p>
+            <a:pPr algn="l" fontAlgn="auto">
+              <a:lnSpc>
+                <a:spcPts val="2200"/>
+              </a:lnSpc>
+              <a:buClrTx/>
+              <a:buSzTx/>
+              <a:buNone/>
+            </a:pPr>
+            <a:endParaRPr lang="zh-CN" altLang="en-US" sz="1600" dirty="0">
+              <a:latin typeface="微软雅黑" panose="020B0503020204020204" charset="-122"/>
+              <a:ea typeface="微软雅黑" panose="020B0503020204020204" charset="-122"/>
+            </a:endParaRPr>
+          </a:p>
+        </p:txBody>
+      </p:sp>
+      <p:sp>
+        <p:nvSpPr>
+          <p:cNvPr id="3" name="矩形 2"/>
+          <p:cNvSpPr/>
+          <p:nvPr>
+            <p:custDataLst>
+              <p:tags r:id="rId1"/>
+            </p:custDataLst>
+          </p:nvPr>
+        </p:nvSpPr>
+        <p:spPr>
+          <a:xfrm>
+            <a:off x="-6350" y="0"/>
+            <a:ext cx="12198350" cy="540000"/>
+          </a:xfrm>
+          <a:prstGeom prst="rect">
+            <a:avLst/>
+          </a:prstGeom>
+          <a:solidFill>
+            <a:srgbClr val="A099CB"/>
+          </a:solidFill>
+          <a:ln>
+            <a:noFill/>
+          </a:ln>
+        </p:spPr>
+        <p:style>
+          <a:lnRef idx="2">
+            <a:schemeClr val="accent1">
+              <a:shade val="50000"/>
+            </a:schemeClr>
+          </a:lnRef>
+          <a:fillRef idx="1">
+            <a:schemeClr val="accent1"/>
+          </a:fillRef>
+          <a:effectRef idx="0">
+            <a:schemeClr val="accent1"/>
+          </a:effectRef>
+          <a:fontRef idx="minor">
+            <a:schemeClr val="lt1"/>
+          </a:fontRef>
+        </p:style>
+        <p:txBody>
+          <a:bodyPr rtlCol="0" anchor="ctr"/>
+          <a:p>
+            <a:pPr marL="0" marR="0" lvl="0" indent="0" algn="ctr" defTabSz="914400" rtl="0" eaLnBrk="1" fontAlgn="auto" latinLnBrk="0" hangingPunct="1">
+              <a:lnSpc>
+                <a:spcPct val="100000"/>
+              </a:lnSpc>
+              <a:spcBef>
+                <a:spcPts val="0"/>
+              </a:spcBef>
+              <a:spcAft>
+                <a:spcPts val="0"/>
+              </a:spcAft>
+              <a:buClrTx/>
+              <a:buSzTx/>
+              <a:buFontTx/>
+              <a:buNone/>
+              <a:defRPr/>
+            </a:pPr>
+            <a:r>
+              <a:rPr lang="en-US" altLang="zh-CN" sz="1800" dirty="0">
+                <a:effectLst/>
+                <a:latin typeface="微软雅黑" panose="020B0503020204020204" charset="-122"/>
+                <a:ea typeface="微软雅黑" panose="020B0503020204020204" charset="-122"/>
+              </a:rPr>
+              <a:t>2.</a:t>
+            </a:r>
+            <a:r>
+              <a:rPr lang="zh-CN" altLang="en-US" sz="1800" dirty="0">
+                <a:effectLst/>
+                <a:latin typeface="微软雅黑" panose="020B0503020204020204" charset="-122"/>
+                <a:ea typeface="微软雅黑" panose="020B0503020204020204" charset="-122"/>
+              </a:rPr>
+              <a:t>自己总结</a:t>
+            </a:r>
+            <a:endParaRPr lang="zh-CN" altLang="en-US" sz="1800" dirty="0">
+              <a:effectLst/>
+              <a:latin typeface="微软雅黑" panose="020B0503020204020204" charset="-122"/>
+              <a:ea typeface="微软雅黑" panose="020B0503020204020204" charset="-122"/>
+            </a:endParaRPr>
+          </a:p>
+        </p:txBody>
+      </p:sp>
+      <p:sp>
+        <p:nvSpPr>
+          <p:cNvPr id="8" name="文本框 7"/>
+          <p:cNvSpPr txBox="1"/>
+          <p:nvPr>
+            <p:custDataLst>
+              <p:tags r:id="rId2"/>
+            </p:custDataLst>
+          </p:nvPr>
+        </p:nvSpPr>
+        <p:spPr>
+          <a:xfrm>
+            <a:off x="106680" y="594360"/>
+            <a:ext cx="11736705" cy="506730"/>
+          </a:xfrm>
+          <a:prstGeom prst="rect">
+            <a:avLst/>
+          </a:prstGeom>
+          <a:noFill/>
+        </p:spPr>
+        <p:txBody>
+          <a:bodyPr wrap="square" rtlCol="0">
+            <a:spAutoFit/>
+          </a:bodyPr>
+          <a:p>
+            <a:pPr marL="285750" indent="-285750">
+              <a:lnSpc>
+                <a:spcPct val="150000"/>
+              </a:lnSpc>
+              <a:buFont typeface="Wingdings" panose="05000000000000000000" charset="0"/>
+              <a:buChar char="p"/>
+            </a:pPr>
+            <a:r>
+              <a:rPr lang="en-US" altLang="zh-CN" b="1" dirty="0">
+                <a:latin typeface="微软雅黑" panose="020B0503020204020204" charset="-122"/>
+                <a:ea typeface="微软雅黑" panose="020B0503020204020204" charset="-122"/>
+              </a:rPr>
               <a:t>google scholar</a:t>
             </a:r>
             <a:r>
@@ -5782,7 +6775,7 @@
 </p:sld>
 </file>
 
-<file path=ppt/slides/slide8.xml><?xml version="1.0" encoding="utf-8"?>
+<file path=ppt/slides/slide9.xml><?xml version="1.0" encoding="utf-8"?>
 <p:sld xmlns:a="http://schemas.openxmlformats.org/drawingml/2006/main" xmlns:r="http://schemas.openxmlformats.org/officeDocument/2006/relationships" xmlns:p="http://schemas.openxmlformats.org/presentationml/2006/main">
   <p:cSld>
     <p:spTree>
@@ -5994,6 +6987,18 @@
 </file>
 
 <file path=ppt/tags/tag12.xml><?xml version="1.0" encoding="utf-8"?>
+<p:tagLst xmlns:p="http://schemas.openxmlformats.org/presentationml/2006/main">
+  <p:tag name="KSO_WM_BEAUTIFY_FLAG" val=""/>
+</p:tagLst>
+</file>
+
+<file path=ppt/tags/tag13.xml><?xml version="1.0" encoding="utf-8"?>
+<p:tagLst xmlns:p="http://schemas.openxmlformats.org/presentationml/2006/main">
+  <p:tag name="KSO_WM_BEAUTIFY_FLAG" val=""/>
+</p:tagLst>
+</file>
+
+<file path=ppt/tags/tag14.xml><?xml version="1.0" encoding="utf-8"?>
 <p:tagLst xmlns:p="http://schemas.openxmlformats.org/presentationml/2006/main">
   <p:tag name="KSO_WPP_MARK_KEY" val="c7925d13-95db-4618-ac98-c22196edd7f9"/>
   <p:tag name="COMMONDATA" val="eyJoZGlkIjoiZTg3MzIzMDhlODgyZTlkYzQ0OWY3ZDI2YzlhMjBjMGIifQ=="/>

--- a/0.跟做项目/前列腺炎诊断--医疗影像大模型/进度汇报/2024-11-24 - 调研.pptx
+++ b/0.跟做项目/前列腺炎诊断--医疗影像大模型/进度汇报/2024-11-24 - 调研.pptx
@@ -11,17 +11,26 @@
     <p:sldId id="257" r:id="rId3"/>
     <p:sldId id="1047" r:id="rId4"/>
     <p:sldId id="1007" r:id="rId5"/>
-    <p:sldId id="1540" r:id="rId6"/>
-    <p:sldId id="1545" r:id="rId8"/>
-    <p:sldId id="1493" r:id="rId9"/>
-    <p:sldId id="1538" r:id="rId10"/>
-    <p:sldId id="1541" r:id="rId11"/>
-    <p:sldId id="1356" r:id="rId12"/>
+    <p:sldId id="1545" r:id="rId6"/>
+    <p:sldId id="1549" r:id="rId8"/>
+    <p:sldId id="1546" r:id="rId9"/>
+    <p:sldId id="1555" r:id="rId10"/>
+    <p:sldId id="1556" r:id="rId11"/>
+    <p:sldId id="1548" r:id="rId12"/>
+    <p:sldId id="1551" r:id="rId13"/>
+    <p:sldId id="1553" r:id="rId14"/>
+    <p:sldId id="1554" r:id="rId15"/>
+    <p:sldId id="1552" r:id="rId16"/>
+    <p:sldId id="1493" r:id="rId17"/>
+    <p:sldId id="1538" r:id="rId18"/>
+    <p:sldId id="1541" r:id="rId19"/>
+    <p:sldId id="1547" r:id="rId20"/>
+    <p:sldId id="1356" r:id="rId21"/>
   </p:sldIdLst>
   <p:sldSz cx="12192000" cy="6858000"/>
   <p:notesSz cx="6858000" cy="9144000"/>
   <p:custDataLst>
-    <p:tags r:id="rId17"/>
+    <p:tags r:id="rId26"/>
   </p:custDataLst>
   <p:defaultTextStyle>
     <a:defPPr>
@@ -552,6 +561,318 @@
 </p:notes>
 </file>
 
+<file path=ppt/notesSlides/notesSlide10.xml><?xml version="1.0" encoding="utf-8"?>
+<p:notes xmlns:a="http://schemas.openxmlformats.org/drawingml/2006/main" xmlns:r="http://schemas.openxmlformats.org/officeDocument/2006/relationships" xmlns:p="http://schemas.openxmlformats.org/presentationml/2006/main">
+  <p:cSld>
+    <p:spTree>
+      <p:nvGrpSpPr>
+        <p:cNvPr id="1" name=""/>
+        <p:cNvGrpSpPr/>
+        <p:nvPr/>
+      </p:nvGrpSpPr>
+      <p:grpSpPr>
+        <a:xfrm>
+          <a:off x="0" y="0"/>
+          <a:ext cx="0" cy="0"/>
+          <a:chOff x="0" y="0"/>
+          <a:chExt cx="0" cy="0"/>
+        </a:xfrm>
+      </p:grpSpPr>
+      <p:sp>
+        <p:nvSpPr>
+          <p:cNvPr id="2" name="幻灯片图像占位符 1"/>
+          <p:cNvSpPr>
+            <a:spLocks noGrp="1" noRot="1" noChangeAspect="1"/>
+          </p:cNvSpPr>
+          <p:nvPr>
+            <p:ph type="sldImg"/>
+          </p:nvPr>
+        </p:nvSpPr>
+        <p:spPr/>
+      </p:sp>
+      <p:sp>
+        <p:nvSpPr>
+          <p:cNvPr id="3" name="备注占位符 2"/>
+          <p:cNvSpPr>
+            <a:spLocks noGrp="1"/>
+          </p:cNvSpPr>
+          <p:nvPr>
+            <p:ph type="body" idx="1"/>
+          </p:nvPr>
+        </p:nvSpPr>
+        <p:spPr/>
+        <p:txBody>
+          <a:bodyPr/>
+          <a:lstStyle/>
+          <a:p>
+            <a:endParaRPr lang="zh-CN" altLang="en-US" dirty="0"/>
+          </a:p>
+        </p:txBody>
+      </p:sp>
+      <p:sp>
+        <p:nvSpPr>
+          <p:cNvPr id="4" name="灯片编号占位符 3"/>
+          <p:cNvSpPr>
+            <a:spLocks noGrp="1"/>
+          </p:cNvSpPr>
+          <p:nvPr>
+            <p:ph type="sldNum" sz="quarter" idx="5"/>
+          </p:nvPr>
+        </p:nvSpPr>
+        <p:spPr/>
+        <p:txBody>
+          <a:bodyPr/>
+          <a:lstStyle/>
+          <a:p>
+            <a:fld id="{311DA921-5814-416C-A214-0F50BD081254}" type="slidenum">
+              <a:rPr lang="zh-CN" altLang="en-US" smtClean="0"/>
+            </a:fld>
+            <a:endParaRPr lang="zh-CN" altLang="en-US"/>
+          </a:p>
+        </p:txBody>
+      </p:sp>
+    </p:spTree>
+  </p:cSld>
+  <p:clrMapOvr>
+    <a:masterClrMapping/>
+  </p:clrMapOvr>
+</p:notes>
+</file>
+
+<file path=ppt/notesSlides/notesSlide11.xml><?xml version="1.0" encoding="utf-8"?>
+<p:notes xmlns:a="http://schemas.openxmlformats.org/drawingml/2006/main" xmlns:r="http://schemas.openxmlformats.org/officeDocument/2006/relationships" xmlns:p="http://schemas.openxmlformats.org/presentationml/2006/main">
+  <p:cSld>
+    <p:spTree>
+      <p:nvGrpSpPr>
+        <p:cNvPr id="1" name=""/>
+        <p:cNvGrpSpPr/>
+        <p:nvPr/>
+      </p:nvGrpSpPr>
+      <p:grpSpPr>
+        <a:xfrm>
+          <a:off x="0" y="0"/>
+          <a:ext cx="0" cy="0"/>
+          <a:chOff x="0" y="0"/>
+          <a:chExt cx="0" cy="0"/>
+        </a:xfrm>
+      </p:grpSpPr>
+      <p:sp>
+        <p:nvSpPr>
+          <p:cNvPr id="2" name="幻灯片图像占位符 1"/>
+          <p:cNvSpPr>
+            <a:spLocks noGrp="1" noRot="1" noChangeAspect="1"/>
+          </p:cNvSpPr>
+          <p:nvPr>
+            <p:ph type="sldImg"/>
+          </p:nvPr>
+        </p:nvSpPr>
+        <p:spPr/>
+      </p:sp>
+      <p:sp>
+        <p:nvSpPr>
+          <p:cNvPr id="3" name="备注占位符 2"/>
+          <p:cNvSpPr>
+            <a:spLocks noGrp="1"/>
+          </p:cNvSpPr>
+          <p:nvPr>
+            <p:ph type="body" idx="1"/>
+          </p:nvPr>
+        </p:nvSpPr>
+        <p:spPr/>
+        <p:txBody>
+          <a:bodyPr/>
+          <a:lstStyle/>
+          <a:p>
+            <a:endParaRPr lang="zh-CN" altLang="en-US" dirty="0"/>
+          </a:p>
+        </p:txBody>
+      </p:sp>
+      <p:sp>
+        <p:nvSpPr>
+          <p:cNvPr id="4" name="灯片编号占位符 3"/>
+          <p:cNvSpPr>
+            <a:spLocks noGrp="1"/>
+          </p:cNvSpPr>
+          <p:nvPr>
+            <p:ph type="sldNum" sz="quarter" idx="5"/>
+          </p:nvPr>
+        </p:nvSpPr>
+        <p:spPr/>
+        <p:txBody>
+          <a:bodyPr/>
+          <a:lstStyle/>
+          <a:p>
+            <a:fld id="{311DA921-5814-416C-A214-0F50BD081254}" type="slidenum">
+              <a:rPr lang="zh-CN" altLang="en-US" smtClean="0"/>
+            </a:fld>
+            <a:endParaRPr lang="zh-CN" altLang="en-US"/>
+          </a:p>
+        </p:txBody>
+      </p:sp>
+    </p:spTree>
+  </p:cSld>
+  <p:clrMapOvr>
+    <a:masterClrMapping/>
+  </p:clrMapOvr>
+</p:notes>
+</file>
+
+<file path=ppt/notesSlides/notesSlide12.xml><?xml version="1.0" encoding="utf-8"?>
+<p:notes xmlns:a="http://schemas.openxmlformats.org/drawingml/2006/main" xmlns:r="http://schemas.openxmlformats.org/officeDocument/2006/relationships" xmlns:p="http://schemas.openxmlformats.org/presentationml/2006/main">
+  <p:cSld>
+    <p:spTree>
+      <p:nvGrpSpPr>
+        <p:cNvPr id="1" name=""/>
+        <p:cNvGrpSpPr/>
+        <p:nvPr/>
+      </p:nvGrpSpPr>
+      <p:grpSpPr>
+        <a:xfrm>
+          <a:off x="0" y="0"/>
+          <a:ext cx="0" cy="0"/>
+          <a:chOff x="0" y="0"/>
+          <a:chExt cx="0" cy="0"/>
+        </a:xfrm>
+      </p:grpSpPr>
+      <p:sp>
+        <p:nvSpPr>
+          <p:cNvPr id="2" name="幻灯片图像占位符 1"/>
+          <p:cNvSpPr>
+            <a:spLocks noGrp="1" noRot="1" noChangeAspect="1"/>
+          </p:cNvSpPr>
+          <p:nvPr>
+            <p:ph type="sldImg"/>
+          </p:nvPr>
+        </p:nvSpPr>
+        <p:spPr/>
+      </p:sp>
+      <p:sp>
+        <p:nvSpPr>
+          <p:cNvPr id="3" name="备注占位符 2"/>
+          <p:cNvSpPr>
+            <a:spLocks noGrp="1"/>
+          </p:cNvSpPr>
+          <p:nvPr>
+            <p:ph type="body" idx="1"/>
+          </p:nvPr>
+        </p:nvSpPr>
+        <p:spPr/>
+        <p:txBody>
+          <a:bodyPr/>
+          <a:lstStyle/>
+          <a:p>
+            <a:endParaRPr lang="zh-CN" altLang="en-US" dirty="0"/>
+          </a:p>
+        </p:txBody>
+      </p:sp>
+      <p:sp>
+        <p:nvSpPr>
+          <p:cNvPr id="4" name="灯片编号占位符 3"/>
+          <p:cNvSpPr>
+            <a:spLocks noGrp="1"/>
+          </p:cNvSpPr>
+          <p:nvPr>
+            <p:ph type="sldNum" sz="quarter" idx="5"/>
+          </p:nvPr>
+        </p:nvSpPr>
+        <p:spPr/>
+        <p:txBody>
+          <a:bodyPr/>
+          <a:lstStyle/>
+          <a:p>
+            <a:fld id="{311DA921-5814-416C-A214-0F50BD081254}" type="slidenum">
+              <a:rPr lang="zh-CN" altLang="en-US" smtClean="0"/>
+            </a:fld>
+            <a:endParaRPr lang="zh-CN" altLang="en-US"/>
+          </a:p>
+        </p:txBody>
+      </p:sp>
+    </p:spTree>
+  </p:cSld>
+  <p:clrMapOvr>
+    <a:masterClrMapping/>
+  </p:clrMapOvr>
+</p:notes>
+</file>
+
+<file path=ppt/notesSlides/notesSlide13.xml><?xml version="1.0" encoding="utf-8"?>
+<p:notes xmlns:a="http://schemas.openxmlformats.org/drawingml/2006/main" xmlns:r="http://schemas.openxmlformats.org/officeDocument/2006/relationships" xmlns:p="http://schemas.openxmlformats.org/presentationml/2006/main">
+  <p:cSld>
+    <p:spTree>
+      <p:nvGrpSpPr>
+        <p:cNvPr id="1" name=""/>
+        <p:cNvGrpSpPr/>
+        <p:nvPr/>
+      </p:nvGrpSpPr>
+      <p:grpSpPr>
+        <a:xfrm>
+          <a:off x="0" y="0"/>
+          <a:ext cx="0" cy="0"/>
+          <a:chOff x="0" y="0"/>
+          <a:chExt cx="0" cy="0"/>
+        </a:xfrm>
+      </p:grpSpPr>
+      <p:sp>
+        <p:nvSpPr>
+          <p:cNvPr id="2" name="幻灯片图像占位符 1"/>
+          <p:cNvSpPr>
+            <a:spLocks noGrp="1" noRot="1" noChangeAspect="1"/>
+          </p:cNvSpPr>
+          <p:nvPr>
+            <p:ph type="sldImg"/>
+          </p:nvPr>
+        </p:nvSpPr>
+        <p:spPr/>
+      </p:sp>
+      <p:sp>
+        <p:nvSpPr>
+          <p:cNvPr id="3" name="备注占位符 2"/>
+          <p:cNvSpPr>
+            <a:spLocks noGrp="1"/>
+          </p:cNvSpPr>
+          <p:nvPr>
+            <p:ph type="body" idx="1"/>
+          </p:nvPr>
+        </p:nvSpPr>
+        <p:spPr/>
+        <p:txBody>
+          <a:bodyPr/>
+          <a:lstStyle/>
+          <a:p>
+            <a:endParaRPr lang="zh-CN" altLang="en-US" dirty="0"/>
+          </a:p>
+        </p:txBody>
+      </p:sp>
+      <p:sp>
+        <p:nvSpPr>
+          <p:cNvPr id="4" name="灯片编号占位符 3"/>
+          <p:cNvSpPr>
+            <a:spLocks noGrp="1"/>
+          </p:cNvSpPr>
+          <p:nvPr>
+            <p:ph type="sldNum" sz="quarter" idx="5"/>
+          </p:nvPr>
+        </p:nvSpPr>
+        <p:spPr/>
+        <p:txBody>
+          <a:bodyPr/>
+          <a:lstStyle/>
+          <a:p>
+            <a:fld id="{311DA921-5814-416C-A214-0F50BD081254}" type="slidenum">
+              <a:rPr lang="zh-CN" altLang="en-US" smtClean="0"/>
+            </a:fld>
+            <a:endParaRPr lang="zh-CN" altLang="en-US"/>
+          </a:p>
+        </p:txBody>
+      </p:sp>
+    </p:spTree>
+  </p:cSld>
+  <p:clrMapOvr>
+    <a:masterClrMapping/>
+  </p:clrMapOvr>
+</p:notes>
+</file>
+
 <file path=ppt/notesSlides/notesSlide2.xml><?xml version="1.0" encoding="utf-8"?>
 <p:notes xmlns:a="http://schemas.openxmlformats.org/drawingml/2006/main" xmlns:r="http://schemas.openxmlformats.org/officeDocument/2006/relationships" xmlns:p="http://schemas.openxmlformats.org/presentationml/2006/main">
   <p:cSld>
@@ -709,6 +1030,396 @@
 </file>
 
 <file path=ppt/notesSlides/notesSlide4.xml><?xml version="1.0" encoding="utf-8"?>
+<p:notes xmlns:a="http://schemas.openxmlformats.org/drawingml/2006/main" xmlns:r="http://schemas.openxmlformats.org/officeDocument/2006/relationships" xmlns:p="http://schemas.openxmlformats.org/presentationml/2006/main">
+  <p:cSld>
+    <p:spTree>
+      <p:nvGrpSpPr>
+        <p:cNvPr id="1" name=""/>
+        <p:cNvGrpSpPr/>
+        <p:nvPr/>
+      </p:nvGrpSpPr>
+      <p:grpSpPr>
+        <a:xfrm>
+          <a:off x="0" y="0"/>
+          <a:ext cx="0" cy="0"/>
+          <a:chOff x="0" y="0"/>
+          <a:chExt cx="0" cy="0"/>
+        </a:xfrm>
+      </p:grpSpPr>
+      <p:sp>
+        <p:nvSpPr>
+          <p:cNvPr id="2" name="幻灯片图像占位符 1"/>
+          <p:cNvSpPr>
+            <a:spLocks noGrp="1" noRot="1" noChangeAspect="1"/>
+          </p:cNvSpPr>
+          <p:nvPr>
+            <p:ph type="sldImg"/>
+          </p:nvPr>
+        </p:nvSpPr>
+        <p:spPr/>
+      </p:sp>
+      <p:sp>
+        <p:nvSpPr>
+          <p:cNvPr id="3" name="备注占位符 2"/>
+          <p:cNvSpPr>
+            <a:spLocks noGrp="1"/>
+          </p:cNvSpPr>
+          <p:nvPr>
+            <p:ph type="body" idx="1"/>
+          </p:nvPr>
+        </p:nvSpPr>
+        <p:spPr/>
+        <p:txBody>
+          <a:bodyPr/>
+          <a:lstStyle/>
+          <a:p>
+            <a:endParaRPr lang="zh-CN" altLang="en-US" dirty="0"/>
+          </a:p>
+        </p:txBody>
+      </p:sp>
+      <p:sp>
+        <p:nvSpPr>
+          <p:cNvPr id="4" name="灯片编号占位符 3"/>
+          <p:cNvSpPr>
+            <a:spLocks noGrp="1"/>
+          </p:cNvSpPr>
+          <p:nvPr>
+            <p:ph type="sldNum" sz="quarter" idx="5"/>
+          </p:nvPr>
+        </p:nvSpPr>
+        <p:spPr/>
+        <p:txBody>
+          <a:bodyPr/>
+          <a:lstStyle/>
+          <a:p>
+            <a:fld id="{311DA921-5814-416C-A214-0F50BD081254}" type="slidenum">
+              <a:rPr lang="zh-CN" altLang="en-US" smtClean="0"/>
+            </a:fld>
+            <a:endParaRPr lang="zh-CN" altLang="en-US"/>
+          </a:p>
+        </p:txBody>
+      </p:sp>
+    </p:spTree>
+  </p:cSld>
+  <p:clrMapOvr>
+    <a:masterClrMapping/>
+  </p:clrMapOvr>
+</p:notes>
+</file>
+
+<file path=ppt/notesSlides/notesSlide5.xml><?xml version="1.0" encoding="utf-8"?>
+<p:notes xmlns:a="http://schemas.openxmlformats.org/drawingml/2006/main" xmlns:r="http://schemas.openxmlformats.org/officeDocument/2006/relationships" xmlns:p="http://schemas.openxmlformats.org/presentationml/2006/main">
+  <p:cSld>
+    <p:spTree>
+      <p:nvGrpSpPr>
+        <p:cNvPr id="1" name=""/>
+        <p:cNvGrpSpPr/>
+        <p:nvPr/>
+      </p:nvGrpSpPr>
+      <p:grpSpPr>
+        <a:xfrm>
+          <a:off x="0" y="0"/>
+          <a:ext cx="0" cy="0"/>
+          <a:chOff x="0" y="0"/>
+          <a:chExt cx="0" cy="0"/>
+        </a:xfrm>
+      </p:grpSpPr>
+      <p:sp>
+        <p:nvSpPr>
+          <p:cNvPr id="2" name="幻灯片图像占位符 1"/>
+          <p:cNvSpPr>
+            <a:spLocks noGrp="1" noRot="1" noChangeAspect="1"/>
+          </p:cNvSpPr>
+          <p:nvPr>
+            <p:ph type="sldImg"/>
+          </p:nvPr>
+        </p:nvSpPr>
+        <p:spPr/>
+      </p:sp>
+      <p:sp>
+        <p:nvSpPr>
+          <p:cNvPr id="3" name="备注占位符 2"/>
+          <p:cNvSpPr>
+            <a:spLocks noGrp="1"/>
+          </p:cNvSpPr>
+          <p:nvPr>
+            <p:ph type="body" idx="1"/>
+          </p:nvPr>
+        </p:nvSpPr>
+        <p:spPr/>
+        <p:txBody>
+          <a:bodyPr/>
+          <a:lstStyle/>
+          <a:p>
+            <a:endParaRPr lang="zh-CN" altLang="en-US" dirty="0"/>
+          </a:p>
+        </p:txBody>
+      </p:sp>
+      <p:sp>
+        <p:nvSpPr>
+          <p:cNvPr id="4" name="灯片编号占位符 3"/>
+          <p:cNvSpPr>
+            <a:spLocks noGrp="1"/>
+          </p:cNvSpPr>
+          <p:nvPr>
+            <p:ph type="sldNum" sz="quarter" idx="5"/>
+          </p:nvPr>
+        </p:nvSpPr>
+        <p:spPr/>
+        <p:txBody>
+          <a:bodyPr/>
+          <a:lstStyle/>
+          <a:p>
+            <a:fld id="{311DA921-5814-416C-A214-0F50BD081254}" type="slidenum">
+              <a:rPr lang="zh-CN" altLang="en-US" smtClean="0"/>
+            </a:fld>
+            <a:endParaRPr lang="zh-CN" altLang="en-US"/>
+          </a:p>
+        </p:txBody>
+      </p:sp>
+    </p:spTree>
+  </p:cSld>
+  <p:clrMapOvr>
+    <a:masterClrMapping/>
+  </p:clrMapOvr>
+</p:notes>
+</file>
+
+<file path=ppt/notesSlides/notesSlide6.xml><?xml version="1.0" encoding="utf-8"?>
+<p:notes xmlns:a="http://schemas.openxmlformats.org/drawingml/2006/main" xmlns:r="http://schemas.openxmlformats.org/officeDocument/2006/relationships" xmlns:p="http://schemas.openxmlformats.org/presentationml/2006/main">
+  <p:cSld>
+    <p:spTree>
+      <p:nvGrpSpPr>
+        <p:cNvPr id="1" name=""/>
+        <p:cNvGrpSpPr/>
+        <p:nvPr/>
+      </p:nvGrpSpPr>
+      <p:grpSpPr>
+        <a:xfrm>
+          <a:off x="0" y="0"/>
+          <a:ext cx="0" cy="0"/>
+          <a:chOff x="0" y="0"/>
+          <a:chExt cx="0" cy="0"/>
+        </a:xfrm>
+      </p:grpSpPr>
+      <p:sp>
+        <p:nvSpPr>
+          <p:cNvPr id="2" name="幻灯片图像占位符 1"/>
+          <p:cNvSpPr>
+            <a:spLocks noGrp="1" noRot="1" noChangeAspect="1"/>
+          </p:cNvSpPr>
+          <p:nvPr>
+            <p:ph type="sldImg"/>
+          </p:nvPr>
+        </p:nvSpPr>
+        <p:spPr/>
+      </p:sp>
+      <p:sp>
+        <p:nvSpPr>
+          <p:cNvPr id="3" name="备注占位符 2"/>
+          <p:cNvSpPr>
+            <a:spLocks noGrp="1"/>
+          </p:cNvSpPr>
+          <p:nvPr>
+            <p:ph type="body" idx="1"/>
+          </p:nvPr>
+        </p:nvSpPr>
+        <p:spPr/>
+        <p:txBody>
+          <a:bodyPr/>
+          <a:lstStyle/>
+          <a:p>
+            <a:endParaRPr lang="zh-CN" altLang="en-US" dirty="0"/>
+          </a:p>
+        </p:txBody>
+      </p:sp>
+      <p:sp>
+        <p:nvSpPr>
+          <p:cNvPr id="4" name="灯片编号占位符 3"/>
+          <p:cNvSpPr>
+            <a:spLocks noGrp="1"/>
+          </p:cNvSpPr>
+          <p:nvPr>
+            <p:ph type="sldNum" sz="quarter" idx="5"/>
+          </p:nvPr>
+        </p:nvSpPr>
+        <p:spPr/>
+        <p:txBody>
+          <a:bodyPr/>
+          <a:lstStyle/>
+          <a:p>
+            <a:fld id="{311DA921-5814-416C-A214-0F50BD081254}" type="slidenum">
+              <a:rPr lang="zh-CN" altLang="en-US" smtClean="0"/>
+            </a:fld>
+            <a:endParaRPr lang="zh-CN" altLang="en-US"/>
+          </a:p>
+        </p:txBody>
+      </p:sp>
+    </p:spTree>
+  </p:cSld>
+  <p:clrMapOvr>
+    <a:masterClrMapping/>
+  </p:clrMapOvr>
+</p:notes>
+</file>
+
+<file path=ppt/notesSlides/notesSlide7.xml><?xml version="1.0" encoding="utf-8"?>
+<p:notes xmlns:a="http://schemas.openxmlformats.org/drawingml/2006/main" xmlns:r="http://schemas.openxmlformats.org/officeDocument/2006/relationships" xmlns:p="http://schemas.openxmlformats.org/presentationml/2006/main">
+  <p:cSld>
+    <p:spTree>
+      <p:nvGrpSpPr>
+        <p:cNvPr id="1" name=""/>
+        <p:cNvGrpSpPr/>
+        <p:nvPr/>
+      </p:nvGrpSpPr>
+      <p:grpSpPr>
+        <a:xfrm>
+          <a:off x="0" y="0"/>
+          <a:ext cx="0" cy="0"/>
+          <a:chOff x="0" y="0"/>
+          <a:chExt cx="0" cy="0"/>
+        </a:xfrm>
+      </p:grpSpPr>
+      <p:sp>
+        <p:nvSpPr>
+          <p:cNvPr id="2" name="幻灯片图像占位符 1"/>
+          <p:cNvSpPr>
+            <a:spLocks noGrp="1" noRot="1" noChangeAspect="1"/>
+          </p:cNvSpPr>
+          <p:nvPr>
+            <p:ph type="sldImg"/>
+          </p:nvPr>
+        </p:nvSpPr>
+        <p:spPr/>
+      </p:sp>
+      <p:sp>
+        <p:nvSpPr>
+          <p:cNvPr id="3" name="备注占位符 2"/>
+          <p:cNvSpPr>
+            <a:spLocks noGrp="1"/>
+          </p:cNvSpPr>
+          <p:nvPr>
+            <p:ph type="body" idx="1"/>
+          </p:nvPr>
+        </p:nvSpPr>
+        <p:spPr/>
+        <p:txBody>
+          <a:bodyPr/>
+          <a:lstStyle/>
+          <a:p>
+            <a:endParaRPr lang="zh-CN" altLang="en-US" dirty="0"/>
+          </a:p>
+        </p:txBody>
+      </p:sp>
+      <p:sp>
+        <p:nvSpPr>
+          <p:cNvPr id="4" name="灯片编号占位符 3"/>
+          <p:cNvSpPr>
+            <a:spLocks noGrp="1"/>
+          </p:cNvSpPr>
+          <p:nvPr>
+            <p:ph type="sldNum" sz="quarter" idx="5"/>
+          </p:nvPr>
+        </p:nvSpPr>
+        <p:spPr/>
+        <p:txBody>
+          <a:bodyPr/>
+          <a:lstStyle/>
+          <a:p>
+            <a:fld id="{311DA921-5814-416C-A214-0F50BD081254}" type="slidenum">
+              <a:rPr lang="zh-CN" altLang="en-US" smtClean="0"/>
+            </a:fld>
+            <a:endParaRPr lang="zh-CN" altLang="en-US"/>
+          </a:p>
+        </p:txBody>
+      </p:sp>
+    </p:spTree>
+  </p:cSld>
+  <p:clrMapOvr>
+    <a:masterClrMapping/>
+  </p:clrMapOvr>
+</p:notes>
+</file>
+
+<file path=ppt/notesSlides/notesSlide8.xml><?xml version="1.0" encoding="utf-8"?>
+<p:notes xmlns:a="http://schemas.openxmlformats.org/drawingml/2006/main" xmlns:r="http://schemas.openxmlformats.org/officeDocument/2006/relationships" xmlns:p="http://schemas.openxmlformats.org/presentationml/2006/main">
+  <p:cSld>
+    <p:spTree>
+      <p:nvGrpSpPr>
+        <p:cNvPr id="1" name=""/>
+        <p:cNvGrpSpPr/>
+        <p:nvPr/>
+      </p:nvGrpSpPr>
+      <p:grpSpPr>
+        <a:xfrm>
+          <a:off x="0" y="0"/>
+          <a:ext cx="0" cy="0"/>
+          <a:chOff x="0" y="0"/>
+          <a:chExt cx="0" cy="0"/>
+        </a:xfrm>
+      </p:grpSpPr>
+      <p:sp>
+        <p:nvSpPr>
+          <p:cNvPr id="2" name="幻灯片图像占位符 1"/>
+          <p:cNvSpPr>
+            <a:spLocks noGrp="1" noRot="1" noChangeAspect="1"/>
+          </p:cNvSpPr>
+          <p:nvPr>
+            <p:ph type="sldImg"/>
+          </p:nvPr>
+        </p:nvSpPr>
+        <p:spPr/>
+      </p:sp>
+      <p:sp>
+        <p:nvSpPr>
+          <p:cNvPr id="3" name="备注占位符 2"/>
+          <p:cNvSpPr>
+            <a:spLocks noGrp="1"/>
+          </p:cNvSpPr>
+          <p:nvPr>
+            <p:ph type="body" idx="1"/>
+          </p:nvPr>
+        </p:nvSpPr>
+        <p:spPr/>
+        <p:txBody>
+          <a:bodyPr/>
+          <a:lstStyle/>
+          <a:p>
+            <a:endParaRPr lang="zh-CN" altLang="en-US" dirty="0"/>
+          </a:p>
+        </p:txBody>
+      </p:sp>
+      <p:sp>
+        <p:nvSpPr>
+          <p:cNvPr id="4" name="灯片编号占位符 3"/>
+          <p:cNvSpPr>
+            <a:spLocks noGrp="1"/>
+          </p:cNvSpPr>
+          <p:nvPr>
+            <p:ph type="sldNum" sz="quarter" idx="5"/>
+          </p:nvPr>
+        </p:nvSpPr>
+        <p:spPr/>
+        <p:txBody>
+          <a:bodyPr/>
+          <a:lstStyle/>
+          <a:p>
+            <a:fld id="{311DA921-5814-416C-A214-0F50BD081254}" type="slidenum">
+              <a:rPr lang="zh-CN" altLang="en-US" smtClean="0"/>
+            </a:fld>
+            <a:endParaRPr lang="zh-CN" altLang="en-US"/>
+          </a:p>
+        </p:txBody>
+      </p:sp>
+    </p:spTree>
+  </p:cSld>
+  <p:clrMapOvr>
+    <a:masterClrMapping/>
+  </p:clrMapOvr>
+</p:notes>
+</file>
+
+<file path=ppt/notesSlides/notesSlide9.xml><?xml version="1.0" encoding="utf-8"?>
 <p:notes xmlns:a="http://schemas.openxmlformats.org/drawingml/2006/main" xmlns:r="http://schemas.openxmlformats.org/officeDocument/2006/relationships" xmlns:p="http://schemas.openxmlformats.org/presentationml/2006/main">
   <p:cSld>
     <p:spTree>
@@ -3900,6 +4611,3395 @@
 </p:sld>
 </file>
 
+<file path=ppt/slides/slide10.xml><?xml version="1.0" encoding="utf-8"?>
+<p:sld xmlns:a="http://schemas.openxmlformats.org/drawingml/2006/main" xmlns:r="http://schemas.openxmlformats.org/officeDocument/2006/relationships" xmlns:p="http://schemas.openxmlformats.org/presentationml/2006/main">
+  <p:cSld>
+    <p:spTree>
+      <p:nvGrpSpPr>
+        <p:cNvPr id="1" name=""/>
+        <p:cNvGrpSpPr/>
+        <p:nvPr/>
+      </p:nvGrpSpPr>
+      <p:grpSpPr>
+        <a:xfrm>
+          <a:off x="0" y="0"/>
+          <a:ext cx="0" cy="0"/>
+          <a:chOff x="0" y="0"/>
+          <a:chExt cx="0" cy="0"/>
+        </a:xfrm>
+      </p:grpSpPr>
+      <p:sp>
+        <p:nvSpPr>
+          <p:cNvPr id="13" name="文本框 12"/>
+          <p:cNvSpPr txBox="1"/>
+          <p:nvPr/>
+        </p:nvSpPr>
+        <p:spPr>
+          <a:xfrm>
+            <a:off x="106466" y="601786"/>
+            <a:ext cx="1033780" cy="398780"/>
+          </a:xfrm>
+          <a:prstGeom prst="rect">
+            <a:avLst/>
+          </a:prstGeom>
+          <a:noFill/>
+        </p:spPr>
+        <p:txBody>
+          <a:bodyPr wrap="none" rtlCol="0">
+            <a:spAutoFit/>
+          </a:bodyPr>
+          <a:lstStyle/>
+          <a:p>
+            <a:pPr marL="342900" indent="-342900">
+              <a:buFont typeface="Wingdings" panose="05000000000000000000" charset="0"/>
+              <a:buChar char="n"/>
+            </a:pPr>
+            <a:r>
+              <a:rPr lang="zh-CN" altLang="en-US" sz="2000" b="1" dirty="0">
+                <a:latin typeface="微软雅黑" panose="020B0503020204020204" charset="-122"/>
+                <a:ea typeface="微软雅黑" panose="020B0503020204020204" charset="-122"/>
+              </a:rPr>
+              <a:t>概述</a:t>
+            </a:r>
+            <a:endParaRPr lang="zh-CN" altLang="en-US" sz="2000" b="1" dirty="0"/>
+          </a:p>
+        </p:txBody>
+      </p:sp>
+      <p:sp>
+        <p:nvSpPr>
+          <p:cNvPr id="7" name="文本框 6"/>
+          <p:cNvSpPr txBox="1"/>
+          <p:nvPr/>
+        </p:nvSpPr>
+        <p:spPr>
+          <a:xfrm>
+            <a:off x="724535" y="1323340"/>
+            <a:ext cx="2247900" cy="410845"/>
+          </a:xfrm>
+          <a:prstGeom prst="rect">
+            <a:avLst/>
+          </a:prstGeom>
+          <a:noFill/>
+        </p:spPr>
+        <p:txBody>
+          <a:bodyPr wrap="square">
+            <a:noAutofit/>
+          </a:bodyPr>
+          <a:lstStyle/>
+          <a:p>
+            <a:pPr algn="l" fontAlgn="auto">
+              <a:lnSpc>
+                <a:spcPts val="2200"/>
+              </a:lnSpc>
+              <a:buClrTx/>
+              <a:buSzTx/>
+              <a:buNone/>
+            </a:pPr>
+            <a:endParaRPr lang="zh-CN" altLang="en-US" sz="1600" dirty="0">
+              <a:latin typeface="微软雅黑" panose="020B0503020204020204" charset="-122"/>
+              <a:ea typeface="微软雅黑" panose="020B0503020204020204" charset="-122"/>
+            </a:endParaRPr>
+          </a:p>
+        </p:txBody>
+      </p:sp>
+      <p:sp>
+        <p:nvSpPr>
+          <p:cNvPr id="3" name="矩形 2"/>
+          <p:cNvSpPr/>
+          <p:nvPr>
+            <p:custDataLst>
+              <p:tags r:id="rId1"/>
+            </p:custDataLst>
+          </p:nvPr>
+        </p:nvSpPr>
+        <p:spPr>
+          <a:xfrm>
+            <a:off x="-6350" y="0"/>
+            <a:ext cx="12198350" cy="540000"/>
+          </a:xfrm>
+          <a:prstGeom prst="rect">
+            <a:avLst/>
+          </a:prstGeom>
+          <a:solidFill>
+            <a:srgbClr val="A099CB"/>
+          </a:solidFill>
+          <a:ln>
+            <a:noFill/>
+          </a:ln>
+        </p:spPr>
+        <p:style>
+          <a:lnRef idx="2">
+            <a:schemeClr val="accent1">
+              <a:shade val="50000"/>
+            </a:schemeClr>
+          </a:lnRef>
+          <a:fillRef idx="1">
+            <a:schemeClr val="accent1"/>
+          </a:fillRef>
+          <a:effectRef idx="0">
+            <a:schemeClr val="accent1"/>
+          </a:effectRef>
+          <a:fontRef idx="minor">
+            <a:schemeClr val="lt1"/>
+          </a:fontRef>
+        </p:style>
+        <p:txBody>
+          <a:bodyPr rtlCol="0" anchor="ctr"/>
+          <a:p>
+            <a:pPr marL="0" marR="0" lvl="0" indent="0" algn="ctr" defTabSz="914400" rtl="0" eaLnBrk="1" fontAlgn="auto" latinLnBrk="0" hangingPunct="1">
+              <a:lnSpc>
+                <a:spcPct val="100000"/>
+              </a:lnSpc>
+              <a:spcBef>
+                <a:spcPts val="0"/>
+              </a:spcBef>
+              <a:spcAft>
+                <a:spcPts val="0"/>
+              </a:spcAft>
+              <a:buClrTx/>
+              <a:buSzTx/>
+              <a:buFontTx/>
+              <a:buNone/>
+              <a:defRPr/>
+            </a:pPr>
+            <a:r>
+              <a:rPr lang="en-US" altLang="zh-CN" sz="1800" dirty="0">
+                <a:effectLst/>
+                <a:latin typeface="微软雅黑" panose="020B0503020204020204" charset="-122"/>
+                <a:ea typeface="微软雅黑" panose="020B0503020204020204" charset="-122"/>
+              </a:rPr>
+              <a:t>1.</a:t>
+            </a:r>
+            <a:r>
+              <a:rPr lang="en-US" altLang="zh-CN" dirty="0">
+                <a:effectLst/>
+                <a:latin typeface="微软雅黑" panose="020B0503020204020204" charset="-122"/>
+                <a:ea typeface="微软雅黑" panose="020B0503020204020204" charset="-122"/>
+                <a:sym typeface="+mn-ea"/>
+              </a:rPr>
+              <a:t>论文</a:t>
+            </a:r>
+            <a:endParaRPr lang="en-US" altLang="zh-CN" dirty="0">
+              <a:effectLst/>
+              <a:latin typeface="微软雅黑" panose="020B0503020204020204" charset="-122"/>
+              <a:ea typeface="微软雅黑" panose="020B0503020204020204" charset="-122"/>
+            </a:endParaRPr>
+          </a:p>
+        </p:txBody>
+      </p:sp>
+      <p:sp>
+        <p:nvSpPr>
+          <p:cNvPr id="5" name="文本框 4"/>
+          <p:cNvSpPr txBox="1"/>
+          <p:nvPr>
+            <p:custDataLst>
+              <p:tags r:id="rId2"/>
+            </p:custDataLst>
+          </p:nvPr>
+        </p:nvSpPr>
+        <p:spPr>
+          <a:xfrm>
+            <a:off x="455295" y="972185"/>
+            <a:ext cx="11736705" cy="1337945"/>
+          </a:xfrm>
+          <a:prstGeom prst="rect">
+            <a:avLst/>
+          </a:prstGeom>
+          <a:noFill/>
+        </p:spPr>
+        <p:txBody>
+          <a:bodyPr wrap="square" rtlCol="0">
+            <a:spAutoFit/>
+          </a:bodyPr>
+          <a:p>
+            <a:pPr marL="285750" indent="-285750">
+              <a:lnSpc>
+                <a:spcPct val="150000"/>
+              </a:lnSpc>
+              <a:buFont typeface="Wingdings" panose="05000000000000000000" charset="0"/>
+              <a:buChar char="p"/>
+            </a:pPr>
+            <a:r>
+              <a:rPr lang="en-US" altLang="zh-CN" b="1" dirty="0">
+                <a:latin typeface="微软雅黑" panose="020B0503020204020204" charset="-122"/>
+                <a:ea typeface="微软雅黑" panose="020B0503020204020204" charset="-122"/>
+              </a:rPr>
+              <a:t>Wilson P F R, Gilany M, Jamzad A, et al. Self-supervised learning with limited labeled data for prostate cancer detection in high frequency ultrasound[J]. IEEE Transactions on Ultrasonics, Ferroelectrics, and Frequency Control, 2023.. </a:t>
+            </a:r>
+            <a:endParaRPr lang="en-US" altLang="zh-CN" b="1" dirty="0">
+              <a:latin typeface="微软雅黑" panose="020B0503020204020204" charset="-122"/>
+              <a:ea typeface="微软雅黑" panose="020B0503020204020204" charset="-122"/>
+            </a:endParaRPr>
+          </a:p>
+        </p:txBody>
+      </p:sp>
+      <p:pic>
+        <p:nvPicPr>
+          <p:cNvPr id="4" name="图片 3"/>
+          <p:cNvPicPr>
+            <a:picLocks noChangeAspect="1"/>
+          </p:cNvPicPr>
+          <p:nvPr/>
+        </p:nvPicPr>
+        <p:blipFill>
+          <a:blip r:embed="rId3"/>
+          <a:stretch>
+            <a:fillRect/>
+          </a:stretch>
+        </p:blipFill>
+        <p:spPr>
+          <a:xfrm>
+            <a:off x="6289675" y="1854200"/>
+            <a:ext cx="4701540" cy="4886960"/>
+          </a:xfrm>
+          <a:prstGeom prst="rect">
+            <a:avLst/>
+          </a:prstGeom>
+        </p:spPr>
+      </p:pic>
+      <p:sp>
+        <p:nvSpPr>
+          <p:cNvPr id="10" name="文本框 9"/>
+          <p:cNvSpPr txBox="1"/>
+          <p:nvPr/>
+        </p:nvSpPr>
+        <p:spPr>
+          <a:xfrm>
+            <a:off x="106045" y="2310130"/>
+            <a:ext cx="5922645" cy="2205355"/>
+          </a:xfrm>
+          <a:prstGeom prst="rect">
+            <a:avLst/>
+          </a:prstGeom>
+          <a:noFill/>
+        </p:spPr>
+        <p:txBody>
+          <a:bodyPr wrap="square" rtlCol="0">
+            <a:noAutofit/>
+          </a:bodyPr>
+          <a:p>
+            <a:pPr marL="0" lvl="0" indent="457200">
+              <a:buNone/>
+            </a:pPr>
+            <a:r>
+              <a:rPr lang="zh-CN" altLang="en-US" sz="1600" dirty="0">
+                <a:solidFill>
+                  <a:schemeClr val="tx1"/>
+                </a:solidFill>
+                <a:latin typeface="微软雅黑" panose="020B0503020204020204" charset="-122"/>
+                <a:ea typeface="微软雅黑" panose="020B0503020204020204" charset="-122"/>
+              </a:rPr>
+              <a:t>第一个实现自监督的前列腺癌超声检测：使用</a:t>
+            </a:r>
+            <a:r>
+              <a:rPr lang="en-US" altLang="zh-CN" sz="1600" dirty="0">
+                <a:solidFill>
+                  <a:schemeClr val="tx1"/>
+                </a:solidFill>
+                <a:latin typeface="微软雅黑" panose="020B0503020204020204" charset="-122"/>
+                <a:ea typeface="微软雅黑" panose="020B0503020204020204" charset="-122"/>
+              </a:rPr>
+              <a:t>VICReg</a:t>
+            </a:r>
+            <a:r>
+              <a:rPr lang="zh-CN" altLang="en-US" sz="1600" dirty="0">
+                <a:solidFill>
+                  <a:schemeClr val="tx1"/>
+                </a:solidFill>
+                <a:latin typeface="微软雅黑" panose="020B0503020204020204" charset="-122"/>
+                <a:ea typeface="微软雅黑" panose="020B0503020204020204" charset="-122"/>
+              </a:rPr>
+              <a:t>的非对比方法实现。本质上先进行无监督学习再进行弱监督的微调。</a:t>
+            </a:r>
+            <a:endParaRPr lang="zh-CN" altLang="en-US" sz="1600" dirty="0">
+              <a:solidFill>
+                <a:schemeClr val="tx1"/>
+              </a:solidFill>
+              <a:latin typeface="微软雅黑" panose="020B0503020204020204" charset="-122"/>
+              <a:ea typeface="微软雅黑" panose="020B0503020204020204" charset="-122"/>
+            </a:endParaRPr>
+          </a:p>
+          <a:p>
+            <a:pPr marL="0" lvl="0" indent="457200">
+              <a:buNone/>
+            </a:pPr>
+            <a:endParaRPr lang="zh-CN" altLang="en-US" sz="1600" dirty="0">
+              <a:solidFill>
+                <a:schemeClr val="tx1"/>
+              </a:solidFill>
+              <a:latin typeface="微软雅黑" panose="020B0503020204020204" charset="-122"/>
+              <a:ea typeface="微软雅黑" panose="020B0503020204020204" charset="-122"/>
+            </a:endParaRPr>
+          </a:p>
+          <a:p>
+            <a:pPr marL="0" lvl="0" indent="457200">
+              <a:buNone/>
+            </a:pPr>
+            <a:endParaRPr lang="zh-CN" altLang="en-US" sz="1600" dirty="0">
+              <a:solidFill>
+                <a:schemeClr val="tx1"/>
+              </a:solidFill>
+              <a:latin typeface="微软雅黑" panose="020B0503020204020204" charset="-122"/>
+              <a:ea typeface="微软雅黑" panose="020B0503020204020204" charset="-122"/>
+            </a:endParaRPr>
+          </a:p>
+          <a:p>
+            <a:pPr marL="0" lvl="0" indent="457200">
+              <a:buNone/>
+            </a:pPr>
+            <a:endParaRPr lang="zh-CN" altLang="en-US" sz="1600" dirty="0">
+              <a:solidFill>
+                <a:schemeClr val="tx1"/>
+              </a:solidFill>
+              <a:latin typeface="微软雅黑" panose="020B0503020204020204" charset="-122"/>
+              <a:ea typeface="微软雅黑" panose="020B0503020204020204" charset="-122"/>
+            </a:endParaRPr>
+          </a:p>
+          <a:p>
+            <a:pPr marL="0" lvl="0" indent="457200">
+              <a:buNone/>
+            </a:pPr>
+            <a:endParaRPr lang="zh-CN" altLang="en-US" sz="1600" dirty="0">
+              <a:solidFill>
+                <a:schemeClr val="tx1"/>
+              </a:solidFill>
+              <a:latin typeface="微软雅黑" panose="020B0503020204020204" charset="-122"/>
+              <a:ea typeface="微软雅黑" panose="020B0503020204020204" charset="-122"/>
+            </a:endParaRPr>
+          </a:p>
+          <a:p>
+            <a:pPr marL="0" lvl="0" indent="457200">
+              <a:buNone/>
+            </a:pPr>
+            <a:endParaRPr lang="zh-CN" altLang="en-US" sz="1600" dirty="0">
+              <a:solidFill>
+                <a:schemeClr val="tx1"/>
+              </a:solidFill>
+              <a:latin typeface="微软雅黑" panose="020B0503020204020204" charset="-122"/>
+              <a:ea typeface="微软雅黑" panose="020B0503020204020204" charset="-122"/>
+            </a:endParaRPr>
+          </a:p>
+          <a:p>
+            <a:pPr marL="0" lvl="0" indent="457200">
+              <a:buNone/>
+            </a:pPr>
+            <a:endParaRPr lang="zh-CN" altLang="en-US" sz="1600" dirty="0">
+              <a:solidFill>
+                <a:schemeClr val="tx1"/>
+              </a:solidFill>
+              <a:latin typeface="微软雅黑" panose="020B0503020204020204" charset="-122"/>
+              <a:ea typeface="微软雅黑" panose="020B0503020204020204" charset="-122"/>
+            </a:endParaRPr>
+          </a:p>
+          <a:p>
+            <a:pPr marL="0" lvl="0" indent="457200">
+              <a:buNone/>
+            </a:pPr>
+            <a:endParaRPr lang="zh-CN" altLang="en-US" sz="1600" dirty="0">
+              <a:solidFill>
+                <a:schemeClr val="tx1"/>
+              </a:solidFill>
+              <a:latin typeface="微软雅黑" panose="020B0503020204020204" charset="-122"/>
+              <a:ea typeface="微软雅黑" panose="020B0503020204020204" charset="-122"/>
+            </a:endParaRPr>
+          </a:p>
+        </p:txBody>
+      </p:sp>
+    </p:spTree>
+  </p:cSld>
+  <p:clrMapOvr>
+    <a:masterClrMapping/>
+  </p:clrMapOvr>
+</p:sld>
+</file>
+
+<file path=ppt/slides/slide11.xml><?xml version="1.0" encoding="utf-8"?>
+<p:sld xmlns:a="http://schemas.openxmlformats.org/drawingml/2006/main" xmlns:r="http://schemas.openxmlformats.org/officeDocument/2006/relationships" xmlns:p="http://schemas.openxmlformats.org/presentationml/2006/main">
+  <p:cSld>
+    <p:spTree>
+      <p:nvGrpSpPr>
+        <p:cNvPr id="1" name=""/>
+        <p:cNvGrpSpPr/>
+        <p:nvPr/>
+      </p:nvGrpSpPr>
+      <p:grpSpPr>
+        <a:xfrm>
+          <a:off x="0" y="0"/>
+          <a:ext cx="0" cy="0"/>
+          <a:chOff x="0" y="0"/>
+          <a:chExt cx="0" cy="0"/>
+        </a:xfrm>
+      </p:grpSpPr>
+      <p:sp>
+        <p:nvSpPr>
+          <p:cNvPr id="13" name="文本框 12"/>
+          <p:cNvSpPr txBox="1"/>
+          <p:nvPr/>
+        </p:nvSpPr>
+        <p:spPr>
+          <a:xfrm>
+            <a:off x="106466" y="601786"/>
+            <a:ext cx="1033780" cy="398780"/>
+          </a:xfrm>
+          <a:prstGeom prst="rect">
+            <a:avLst/>
+          </a:prstGeom>
+          <a:noFill/>
+        </p:spPr>
+        <p:txBody>
+          <a:bodyPr wrap="none" rtlCol="0">
+            <a:spAutoFit/>
+          </a:bodyPr>
+          <a:lstStyle/>
+          <a:p>
+            <a:pPr marL="342900" indent="-342900">
+              <a:buFont typeface="Wingdings" panose="05000000000000000000" charset="0"/>
+              <a:buChar char="n"/>
+            </a:pPr>
+            <a:r>
+              <a:rPr lang="zh-CN" altLang="en-US" sz="2000" b="1" dirty="0">
+                <a:latin typeface="微软雅黑" panose="020B0503020204020204" charset="-122"/>
+                <a:ea typeface="微软雅黑" panose="020B0503020204020204" charset="-122"/>
+              </a:rPr>
+              <a:t>概述</a:t>
+            </a:r>
+            <a:endParaRPr lang="zh-CN" altLang="en-US" sz="2000" b="1" dirty="0"/>
+          </a:p>
+        </p:txBody>
+      </p:sp>
+      <p:sp>
+        <p:nvSpPr>
+          <p:cNvPr id="7" name="文本框 6"/>
+          <p:cNvSpPr txBox="1"/>
+          <p:nvPr/>
+        </p:nvSpPr>
+        <p:spPr>
+          <a:xfrm>
+            <a:off x="724535" y="1323340"/>
+            <a:ext cx="2247900" cy="410845"/>
+          </a:xfrm>
+          <a:prstGeom prst="rect">
+            <a:avLst/>
+          </a:prstGeom>
+          <a:noFill/>
+        </p:spPr>
+        <p:txBody>
+          <a:bodyPr wrap="square">
+            <a:noAutofit/>
+          </a:bodyPr>
+          <a:lstStyle/>
+          <a:p>
+            <a:pPr algn="l" fontAlgn="auto">
+              <a:lnSpc>
+                <a:spcPts val="2200"/>
+              </a:lnSpc>
+              <a:buClrTx/>
+              <a:buSzTx/>
+              <a:buNone/>
+            </a:pPr>
+            <a:endParaRPr lang="zh-CN" altLang="en-US" sz="1600" dirty="0">
+              <a:latin typeface="微软雅黑" panose="020B0503020204020204" charset="-122"/>
+              <a:ea typeface="微软雅黑" panose="020B0503020204020204" charset="-122"/>
+            </a:endParaRPr>
+          </a:p>
+        </p:txBody>
+      </p:sp>
+      <p:sp>
+        <p:nvSpPr>
+          <p:cNvPr id="3" name="矩形 2"/>
+          <p:cNvSpPr/>
+          <p:nvPr>
+            <p:custDataLst>
+              <p:tags r:id="rId1"/>
+            </p:custDataLst>
+          </p:nvPr>
+        </p:nvSpPr>
+        <p:spPr>
+          <a:xfrm>
+            <a:off x="-6350" y="0"/>
+            <a:ext cx="12198350" cy="540000"/>
+          </a:xfrm>
+          <a:prstGeom prst="rect">
+            <a:avLst/>
+          </a:prstGeom>
+          <a:solidFill>
+            <a:srgbClr val="A099CB"/>
+          </a:solidFill>
+          <a:ln>
+            <a:noFill/>
+          </a:ln>
+        </p:spPr>
+        <p:style>
+          <a:lnRef idx="2">
+            <a:schemeClr val="accent1">
+              <a:shade val="50000"/>
+            </a:schemeClr>
+          </a:lnRef>
+          <a:fillRef idx="1">
+            <a:schemeClr val="accent1"/>
+          </a:fillRef>
+          <a:effectRef idx="0">
+            <a:schemeClr val="accent1"/>
+          </a:effectRef>
+          <a:fontRef idx="minor">
+            <a:schemeClr val="lt1"/>
+          </a:fontRef>
+        </p:style>
+        <p:txBody>
+          <a:bodyPr rtlCol="0" anchor="ctr"/>
+          <a:p>
+            <a:pPr marL="0" marR="0" lvl="0" indent="0" algn="ctr" defTabSz="914400" rtl="0" eaLnBrk="1" fontAlgn="auto" latinLnBrk="0" hangingPunct="1">
+              <a:lnSpc>
+                <a:spcPct val="100000"/>
+              </a:lnSpc>
+              <a:spcBef>
+                <a:spcPts val="0"/>
+              </a:spcBef>
+              <a:spcAft>
+                <a:spcPts val="0"/>
+              </a:spcAft>
+              <a:buClrTx/>
+              <a:buSzTx/>
+              <a:buFontTx/>
+              <a:buNone/>
+              <a:defRPr/>
+            </a:pPr>
+            <a:r>
+              <a:rPr lang="en-US" altLang="zh-CN" sz="1800" dirty="0">
+                <a:effectLst/>
+                <a:latin typeface="微软雅黑" panose="020B0503020204020204" charset="-122"/>
+                <a:ea typeface="微软雅黑" panose="020B0503020204020204" charset="-122"/>
+              </a:rPr>
+              <a:t>1.</a:t>
+            </a:r>
+            <a:r>
+              <a:rPr lang="en-US" altLang="zh-CN" dirty="0">
+                <a:effectLst/>
+                <a:latin typeface="微软雅黑" panose="020B0503020204020204" charset="-122"/>
+                <a:ea typeface="微软雅黑" panose="020B0503020204020204" charset="-122"/>
+                <a:sym typeface="+mn-ea"/>
+              </a:rPr>
+              <a:t>论文</a:t>
+            </a:r>
+            <a:endParaRPr lang="en-US" altLang="zh-CN" dirty="0">
+              <a:effectLst/>
+              <a:latin typeface="微软雅黑" panose="020B0503020204020204" charset="-122"/>
+              <a:ea typeface="微软雅黑" panose="020B0503020204020204" charset="-122"/>
+            </a:endParaRPr>
+          </a:p>
+        </p:txBody>
+      </p:sp>
+      <p:sp>
+        <p:nvSpPr>
+          <p:cNvPr id="5" name="文本框 4"/>
+          <p:cNvSpPr txBox="1"/>
+          <p:nvPr>
+            <p:custDataLst>
+              <p:tags r:id="rId2"/>
+            </p:custDataLst>
+          </p:nvPr>
+        </p:nvSpPr>
+        <p:spPr>
+          <a:xfrm>
+            <a:off x="455295" y="972185"/>
+            <a:ext cx="11736705" cy="1337945"/>
+          </a:xfrm>
+          <a:prstGeom prst="rect">
+            <a:avLst/>
+          </a:prstGeom>
+          <a:noFill/>
+        </p:spPr>
+        <p:txBody>
+          <a:bodyPr wrap="square" rtlCol="0">
+            <a:spAutoFit/>
+          </a:bodyPr>
+          <a:p>
+            <a:pPr marL="285750" indent="-285750">
+              <a:lnSpc>
+                <a:spcPct val="150000"/>
+              </a:lnSpc>
+              <a:buFont typeface="Wingdings" panose="05000000000000000000" charset="0"/>
+              <a:buChar char="p"/>
+            </a:pPr>
+            <a:r>
+              <a:rPr lang="en-US" altLang="zh-CN" b="1" dirty="0">
+                <a:latin typeface="微软雅黑" panose="020B0503020204020204" charset="-122"/>
+                <a:ea typeface="微软雅黑" panose="020B0503020204020204" charset="-122"/>
+              </a:rPr>
+              <a:t>Wilson P F R, Gilany M, Jamzad A, et al. Self-supervised learning with limited labeled data for prostate cancer detection in high frequency ultrasound[J]. IEEE Transactions on Ultrasonics, Ferroelectrics, and Frequency Control, 2023.</a:t>
+            </a:r>
+            <a:endParaRPr lang="en-US" altLang="zh-CN" b="1" dirty="0">
+              <a:latin typeface="微软雅黑" panose="020B0503020204020204" charset="-122"/>
+              <a:ea typeface="微软雅黑" panose="020B0503020204020204" charset="-122"/>
+            </a:endParaRPr>
+          </a:p>
+        </p:txBody>
+      </p:sp>
+      <p:sp>
+        <p:nvSpPr>
+          <p:cNvPr id="10" name="文本框 9"/>
+          <p:cNvSpPr txBox="1"/>
+          <p:nvPr/>
+        </p:nvSpPr>
+        <p:spPr>
+          <a:xfrm>
+            <a:off x="6083300" y="2326640"/>
+            <a:ext cx="5922645" cy="2205355"/>
+          </a:xfrm>
+          <a:prstGeom prst="rect">
+            <a:avLst/>
+          </a:prstGeom>
+          <a:noFill/>
+        </p:spPr>
+        <p:txBody>
+          <a:bodyPr wrap="square" rtlCol="0">
+            <a:noAutofit/>
+          </a:bodyPr>
+          <a:p>
+            <a:pPr marL="0" lvl="0" indent="457200">
+              <a:buNone/>
+            </a:pPr>
+            <a:r>
+              <a:rPr lang="zh-CN" altLang="en-US" sz="1600" dirty="0">
+                <a:solidFill>
+                  <a:schemeClr val="tx1"/>
+                </a:solidFill>
+                <a:latin typeface="微软雅黑" panose="020B0503020204020204" charset="-122"/>
+                <a:ea typeface="微软雅黑" panose="020B0503020204020204" charset="-122"/>
+              </a:rPr>
+              <a:t>对于大量未标记的数据，从前列腺区域选择贴片（我有一点疑惑的是，他没有分割哪来的前列腺区域，这样是否也会学习到无关内容？）</a:t>
+            </a:r>
+            <a:endParaRPr lang="zh-CN" altLang="en-US" sz="1600" dirty="0">
+              <a:solidFill>
+                <a:schemeClr val="tx1"/>
+              </a:solidFill>
+              <a:latin typeface="微软雅黑" panose="020B0503020204020204" charset="-122"/>
+              <a:ea typeface="微软雅黑" panose="020B0503020204020204" charset="-122"/>
+            </a:endParaRPr>
+          </a:p>
+          <a:p>
+            <a:pPr marL="0" lvl="0" indent="457200">
+              <a:buNone/>
+            </a:pPr>
+            <a:r>
+              <a:rPr lang="zh-CN" altLang="en-US" sz="1600" dirty="0">
+                <a:solidFill>
+                  <a:schemeClr val="tx1"/>
+                </a:solidFill>
+                <a:latin typeface="微软雅黑" panose="020B0503020204020204" charset="-122"/>
+                <a:ea typeface="微软雅黑" panose="020B0503020204020204" charset="-122"/>
+              </a:rPr>
+              <a:t>对于有标记的数据，把穿刺针头的轨迹的贴片收集结合最后病理判断得到的</a:t>
+            </a:r>
+            <a:r>
+              <a:rPr lang="en-US" altLang="zh-CN" sz="1600" dirty="0">
+                <a:solidFill>
+                  <a:schemeClr val="tx1"/>
+                </a:solidFill>
+                <a:latin typeface="微软雅黑" panose="020B0503020204020204" charset="-122"/>
+                <a:ea typeface="微软雅黑" panose="020B0503020204020204" charset="-122"/>
+              </a:rPr>
+              <a:t>label</a:t>
+            </a:r>
+            <a:r>
+              <a:rPr lang="zh-CN" altLang="en-US" sz="1600" dirty="0">
+                <a:solidFill>
+                  <a:schemeClr val="tx1"/>
+                </a:solidFill>
+                <a:latin typeface="微软雅黑" panose="020B0503020204020204" charset="-122"/>
+                <a:ea typeface="微软雅黑" panose="020B0503020204020204" charset="-122"/>
+              </a:rPr>
+              <a:t>（也就是我们那样长期回访获得的标签）得到有</a:t>
+            </a:r>
+            <a:r>
+              <a:rPr lang="en-US" altLang="zh-CN" sz="1600" dirty="0">
+                <a:solidFill>
+                  <a:schemeClr val="tx1"/>
+                </a:solidFill>
+                <a:latin typeface="微软雅黑" panose="020B0503020204020204" charset="-122"/>
+                <a:ea typeface="微软雅黑" panose="020B0503020204020204" charset="-122"/>
+              </a:rPr>
+              <a:t>label</a:t>
+            </a:r>
+            <a:r>
+              <a:rPr lang="zh-CN" altLang="en-US" sz="1600" dirty="0">
+                <a:solidFill>
+                  <a:schemeClr val="tx1"/>
+                </a:solidFill>
+                <a:latin typeface="微软雅黑" panose="020B0503020204020204" charset="-122"/>
+                <a:ea typeface="微软雅黑" panose="020B0503020204020204" charset="-122"/>
+              </a:rPr>
+              <a:t>的数据用来做弱监督，微调。</a:t>
+            </a:r>
+            <a:endParaRPr lang="zh-CN" altLang="en-US" sz="1600" dirty="0">
+              <a:solidFill>
+                <a:schemeClr val="tx1"/>
+              </a:solidFill>
+              <a:latin typeface="微软雅黑" panose="020B0503020204020204" charset="-122"/>
+              <a:ea typeface="微软雅黑" panose="020B0503020204020204" charset="-122"/>
+            </a:endParaRPr>
+          </a:p>
+          <a:p>
+            <a:pPr marL="0" lvl="0" indent="457200">
+              <a:buNone/>
+            </a:pPr>
+            <a:endParaRPr lang="zh-CN" altLang="en-US" sz="1600" dirty="0">
+              <a:solidFill>
+                <a:schemeClr val="tx1"/>
+              </a:solidFill>
+              <a:latin typeface="微软雅黑" panose="020B0503020204020204" charset="-122"/>
+              <a:ea typeface="微软雅黑" panose="020B0503020204020204" charset="-122"/>
+            </a:endParaRPr>
+          </a:p>
+          <a:p>
+            <a:pPr marL="0" lvl="0" indent="457200">
+              <a:buNone/>
+            </a:pPr>
+            <a:endParaRPr lang="zh-CN" altLang="en-US" sz="1600" dirty="0">
+              <a:solidFill>
+                <a:schemeClr val="tx1"/>
+              </a:solidFill>
+              <a:latin typeface="微软雅黑" panose="020B0503020204020204" charset="-122"/>
+              <a:ea typeface="微软雅黑" panose="020B0503020204020204" charset="-122"/>
+            </a:endParaRPr>
+          </a:p>
+          <a:p>
+            <a:pPr marL="0" lvl="0" indent="457200">
+              <a:buNone/>
+            </a:pPr>
+            <a:endParaRPr lang="zh-CN" altLang="en-US" sz="1600" dirty="0">
+              <a:solidFill>
+                <a:schemeClr val="tx1"/>
+              </a:solidFill>
+              <a:latin typeface="微软雅黑" panose="020B0503020204020204" charset="-122"/>
+              <a:ea typeface="微软雅黑" panose="020B0503020204020204" charset="-122"/>
+            </a:endParaRPr>
+          </a:p>
+        </p:txBody>
+      </p:sp>
+      <p:pic>
+        <p:nvPicPr>
+          <p:cNvPr id="2" name="图片 1"/>
+          <p:cNvPicPr>
+            <a:picLocks noChangeAspect="1"/>
+          </p:cNvPicPr>
+          <p:nvPr/>
+        </p:nvPicPr>
+        <p:blipFill>
+          <a:blip r:embed="rId3"/>
+          <a:stretch>
+            <a:fillRect/>
+          </a:stretch>
+        </p:blipFill>
+        <p:spPr>
+          <a:xfrm>
+            <a:off x="106680" y="2236470"/>
+            <a:ext cx="5081905" cy="4086225"/>
+          </a:xfrm>
+          <a:prstGeom prst="rect">
+            <a:avLst/>
+          </a:prstGeom>
+        </p:spPr>
+      </p:pic>
+    </p:spTree>
+  </p:cSld>
+  <p:clrMapOvr>
+    <a:masterClrMapping/>
+  </p:clrMapOvr>
+</p:sld>
+</file>
+
+<file path=ppt/slides/slide12.xml><?xml version="1.0" encoding="utf-8"?>
+<p:sld xmlns:a="http://schemas.openxmlformats.org/drawingml/2006/main" xmlns:r="http://schemas.openxmlformats.org/officeDocument/2006/relationships" xmlns:p="http://schemas.openxmlformats.org/presentationml/2006/main">
+  <p:cSld>
+    <p:spTree>
+      <p:nvGrpSpPr>
+        <p:cNvPr id="1" name=""/>
+        <p:cNvGrpSpPr/>
+        <p:nvPr/>
+      </p:nvGrpSpPr>
+      <p:grpSpPr>
+        <a:xfrm>
+          <a:off x="0" y="0"/>
+          <a:ext cx="0" cy="0"/>
+          <a:chOff x="0" y="0"/>
+          <a:chExt cx="0" cy="0"/>
+        </a:xfrm>
+      </p:grpSpPr>
+      <p:sp>
+        <p:nvSpPr>
+          <p:cNvPr id="13" name="文本框 12"/>
+          <p:cNvSpPr txBox="1"/>
+          <p:nvPr/>
+        </p:nvSpPr>
+        <p:spPr>
+          <a:xfrm>
+            <a:off x="106466" y="601786"/>
+            <a:ext cx="1033780" cy="398780"/>
+          </a:xfrm>
+          <a:prstGeom prst="rect">
+            <a:avLst/>
+          </a:prstGeom>
+          <a:noFill/>
+        </p:spPr>
+        <p:txBody>
+          <a:bodyPr wrap="none" rtlCol="0">
+            <a:spAutoFit/>
+          </a:bodyPr>
+          <a:lstStyle/>
+          <a:p>
+            <a:pPr marL="342900" indent="-342900">
+              <a:buFont typeface="Wingdings" panose="05000000000000000000" charset="0"/>
+              <a:buChar char="n"/>
+            </a:pPr>
+            <a:r>
+              <a:rPr lang="zh-CN" altLang="en-US" sz="2000" b="1" dirty="0">
+                <a:latin typeface="微软雅黑" panose="020B0503020204020204" charset="-122"/>
+                <a:ea typeface="微软雅黑" panose="020B0503020204020204" charset="-122"/>
+              </a:rPr>
+              <a:t>概述</a:t>
+            </a:r>
+            <a:endParaRPr lang="zh-CN" altLang="en-US" sz="2000" b="1" dirty="0"/>
+          </a:p>
+        </p:txBody>
+      </p:sp>
+      <p:sp>
+        <p:nvSpPr>
+          <p:cNvPr id="7" name="文本框 6"/>
+          <p:cNvSpPr txBox="1"/>
+          <p:nvPr/>
+        </p:nvSpPr>
+        <p:spPr>
+          <a:xfrm>
+            <a:off x="724535" y="1323340"/>
+            <a:ext cx="2247900" cy="410845"/>
+          </a:xfrm>
+          <a:prstGeom prst="rect">
+            <a:avLst/>
+          </a:prstGeom>
+          <a:noFill/>
+        </p:spPr>
+        <p:txBody>
+          <a:bodyPr wrap="square">
+            <a:noAutofit/>
+          </a:bodyPr>
+          <a:lstStyle/>
+          <a:p>
+            <a:pPr algn="l" fontAlgn="auto">
+              <a:lnSpc>
+                <a:spcPts val="2200"/>
+              </a:lnSpc>
+              <a:buClrTx/>
+              <a:buSzTx/>
+              <a:buNone/>
+            </a:pPr>
+            <a:endParaRPr lang="zh-CN" altLang="en-US" sz="1600" dirty="0">
+              <a:latin typeface="微软雅黑" panose="020B0503020204020204" charset="-122"/>
+              <a:ea typeface="微软雅黑" panose="020B0503020204020204" charset="-122"/>
+            </a:endParaRPr>
+          </a:p>
+        </p:txBody>
+      </p:sp>
+      <p:sp>
+        <p:nvSpPr>
+          <p:cNvPr id="3" name="矩形 2"/>
+          <p:cNvSpPr/>
+          <p:nvPr>
+            <p:custDataLst>
+              <p:tags r:id="rId1"/>
+            </p:custDataLst>
+          </p:nvPr>
+        </p:nvSpPr>
+        <p:spPr>
+          <a:xfrm>
+            <a:off x="-6350" y="0"/>
+            <a:ext cx="12198350" cy="540000"/>
+          </a:xfrm>
+          <a:prstGeom prst="rect">
+            <a:avLst/>
+          </a:prstGeom>
+          <a:solidFill>
+            <a:srgbClr val="A099CB"/>
+          </a:solidFill>
+          <a:ln>
+            <a:noFill/>
+          </a:ln>
+        </p:spPr>
+        <p:style>
+          <a:lnRef idx="2">
+            <a:schemeClr val="accent1">
+              <a:shade val="50000"/>
+            </a:schemeClr>
+          </a:lnRef>
+          <a:fillRef idx="1">
+            <a:schemeClr val="accent1"/>
+          </a:fillRef>
+          <a:effectRef idx="0">
+            <a:schemeClr val="accent1"/>
+          </a:effectRef>
+          <a:fontRef idx="minor">
+            <a:schemeClr val="lt1"/>
+          </a:fontRef>
+        </p:style>
+        <p:txBody>
+          <a:bodyPr rtlCol="0" anchor="ctr"/>
+          <a:p>
+            <a:pPr marL="0" marR="0" lvl="0" indent="0" algn="ctr" defTabSz="914400" rtl="0" eaLnBrk="1" fontAlgn="auto" latinLnBrk="0" hangingPunct="1">
+              <a:lnSpc>
+                <a:spcPct val="100000"/>
+              </a:lnSpc>
+              <a:spcBef>
+                <a:spcPts val="0"/>
+              </a:spcBef>
+              <a:spcAft>
+                <a:spcPts val="0"/>
+              </a:spcAft>
+              <a:buClrTx/>
+              <a:buSzTx/>
+              <a:buFontTx/>
+              <a:buNone/>
+              <a:defRPr/>
+            </a:pPr>
+            <a:r>
+              <a:rPr lang="en-US" altLang="zh-CN" sz="1800" dirty="0">
+                <a:effectLst/>
+                <a:latin typeface="微软雅黑" panose="020B0503020204020204" charset="-122"/>
+                <a:ea typeface="微软雅黑" panose="020B0503020204020204" charset="-122"/>
+              </a:rPr>
+              <a:t>1.</a:t>
+            </a:r>
+            <a:r>
+              <a:rPr lang="en-US" altLang="zh-CN" dirty="0">
+                <a:effectLst/>
+                <a:latin typeface="微软雅黑" panose="020B0503020204020204" charset="-122"/>
+                <a:ea typeface="微软雅黑" panose="020B0503020204020204" charset="-122"/>
+                <a:sym typeface="+mn-ea"/>
+              </a:rPr>
+              <a:t>论文</a:t>
+            </a:r>
+            <a:endParaRPr lang="en-US" altLang="zh-CN" dirty="0">
+              <a:effectLst/>
+              <a:latin typeface="微软雅黑" panose="020B0503020204020204" charset="-122"/>
+              <a:ea typeface="微软雅黑" panose="020B0503020204020204" charset="-122"/>
+            </a:endParaRPr>
+          </a:p>
+        </p:txBody>
+      </p:sp>
+      <p:sp>
+        <p:nvSpPr>
+          <p:cNvPr id="5" name="文本框 4"/>
+          <p:cNvSpPr txBox="1"/>
+          <p:nvPr>
+            <p:custDataLst>
+              <p:tags r:id="rId2"/>
+            </p:custDataLst>
+          </p:nvPr>
+        </p:nvSpPr>
+        <p:spPr>
+          <a:xfrm>
+            <a:off x="455295" y="972185"/>
+            <a:ext cx="11736705" cy="1337945"/>
+          </a:xfrm>
+          <a:prstGeom prst="rect">
+            <a:avLst/>
+          </a:prstGeom>
+          <a:noFill/>
+        </p:spPr>
+        <p:txBody>
+          <a:bodyPr wrap="square" rtlCol="0">
+            <a:spAutoFit/>
+          </a:bodyPr>
+          <a:p>
+            <a:pPr marL="285750" indent="-285750">
+              <a:lnSpc>
+                <a:spcPct val="150000"/>
+              </a:lnSpc>
+              <a:buFont typeface="Wingdings" panose="05000000000000000000" charset="0"/>
+              <a:buChar char="p"/>
+            </a:pPr>
+            <a:r>
+              <a:rPr lang="en-US" altLang="zh-CN" b="1" dirty="0">
+                <a:latin typeface="微软雅黑" panose="020B0503020204020204" charset="-122"/>
+                <a:ea typeface="微软雅黑" panose="020B0503020204020204" charset="-122"/>
+              </a:rPr>
+              <a:t>Wilson P F R, Gilany M, Jamzad A, et al. Self-supervised learning with limited labeled data for prostate cancer detection in high frequency ultrasound[J]. IEEE Transactions on Ultrasonics, Ferroelectrics, and Frequency Control, 2023.</a:t>
+            </a:r>
+            <a:endParaRPr lang="en-US" altLang="zh-CN" b="1" dirty="0">
+              <a:latin typeface="微软雅黑" panose="020B0503020204020204" charset="-122"/>
+              <a:ea typeface="微软雅黑" panose="020B0503020204020204" charset="-122"/>
+            </a:endParaRPr>
+          </a:p>
+        </p:txBody>
+      </p:sp>
+      <p:sp>
+        <p:nvSpPr>
+          <p:cNvPr id="10" name="文本框 9"/>
+          <p:cNvSpPr txBox="1"/>
+          <p:nvPr/>
+        </p:nvSpPr>
+        <p:spPr>
+          <a:xfrm>
+            <a:off x="6083300" y="2326640"/>
+            <a:ext cx="5922645" cy="2205355"/>
+          </a:xfrm>
+          <a:prstGeom prst="rect">
+            <a:avLst/>
+          </a:prstGeom>
+          <a:noFill/>
+        </p:spPr>
+        <p:txBody>
+          <a:bodyPr wrap="square" rtlCol="0">
+            <a:noAutofit/>
+          </a:bodyPr>
+          <a:p>
+            <a:pPr marL="0" lvl="0" indent="457200">
+              <a:buNone/>
+            </a:pPr>
+            <a:r>
+              <a:rPr lang="zh-CN" altLang="en-US" sz="1600" dirty="0">
+                <a:solidFill>
+                  <a:schemeClr val="tx1"/>
+                </a:solidFill>
+                <a:latin typeface="微软雅黑" panose="020B0503020204020204" charset="-122"/>
+                <a:ea typeface="微软雅黑" panose="020B0503020204020204" charset="-122"/>
+              </a:rPr>
+              <a:t>先进行自监督训练一个</a:t>
+            </a:r>
+            <a:r>
+              <a:rPr lang="en-US" altLang="zh-CN" sz="1600" dirty="0">
+                <a:solidFill>
+                  <a:schemeClr val="tx1"/>
+                </a:solidFill>
+                <a:latin typeface="微软雅黑" panose="020B0503020204020204" charset="-122"/>
+                <a:ea typeface="微软雅黑" panose="020B0503020204020204" charset="-122"/>
+              </a:rPr>
+              <a:t>encoder</a:t>
+            </a:r>
+            <a:r>
+              <a:rPr lang="zh-CN" altLang="en-US" sz="1600" dirty="0">
+                <a:solidFill>
+                  <a:schemeClr val="tx1"/>
+                </a:solidFill>
+                <a:latin typeface="微软雅黑" panose="020B0503020204020204" charset="-122"/>
+                <a:ea typeface="微软雅黑" panose="020B0503020204020204" charset="-122"/>
+              </a:rPr>
+              <a:t>提取器，减少</a:t>
+            </a:r>
+            <a:r>
+              <a:rPr lang="en-US" altLang="zh-CN" sz="1600" dirty="0">
+                <a:solidFill>
+                  <a:schemeClr val="tx1"/>
+                </a:solidFill>
+                <a:latin typeface="微软雅黑" panose="020B0503020204020204" charset="-122"/>
+                <a:ea typeface="微软雅黑" panose="020B0503020204020204" charset="-122"/>
+              </a:rPr>
+              <a:t>VICReg</a:t>
+            </a:r>
+            <a:r>
+              <a:rPr lang="zh-CN" altLang="en-US" sz="1600" dirty="0">
+                <a:solidFill>
+                  <a:schemeClr val="tx1"/>
+                </a:solidFill>
+                <a:latin typeface="微软雅黑" panose="020B0503020204020204" charset="-122"/>
+                <a:ea typeface="微软雅黑" panose="020B0503020204020204" charset="-122"/>
+              </a:rPr>
+              <a:t>损失。</a:t>
+            </a:r>
+            <a:endParaRPr lang="zh-CN" altLang="en-US" sz="1600" dirty="0">
+              <a:solidFill>
+                <a:schemeClr val="tx1"/>
+              </a:solidFill>
+              <a:latin typeface="微软雅黑" panose="020B0503020204020204" charset="-122"/>
+              <a:ea typeface="微软雅黑" panose="020B0503020204020204" charset="-122"/>
+            </a:endParaRPr>
+          </a:p>
+          <a:p>
+            <a:pPr marL="0" lvl="0" indent="457200">
+              <a:buNone/>
+            </a:pPr>
+            <a:endParaRPr lang="zh-CN" altLang="en-US" sz="1600" dirty="0">
+              <a:solidFill>
+                <a:schemeClr val="tx1"/>
+              </a:solidFill>
+              <a:latin typeface="微软雅黑" panose="020B0503020204020204" charset="-122"/>
+              <a:ea typeface="微软雅黑" panose="020B0503020204020204" charset="-122"/>
+            </a:endParaRPr>
+          </a:p>
+          <a:p>
+            <a:pPr marL="0" lvl="0" indent="457200">
+              <a:buNone/>
+            </a:pPr>
+            <a:r>
+              <a:rPr lang="zh-CN" altLang="en-US" sz="1600" dirty="0">
+                <a:solidFill>
+                  <a:schemeClr val="tx1"/>
+                </a:solidFill>
+                <a:latin typeface="微软雅黑" panose="020B0503020204020204" charset="-122"/>
+                <a:ea typeface="微软雅黑" panose="020B0503020204020204" charset="-122"/>
+              </a:rPr>
+              <a:t>然后执行弱监督的微调。</a:t>
+            </a:r>
+            <a:endParaRPr lang="zh-CN" altLang="en-US" sz="1600" dirty="0">
+              <a:solidFill>
+                <a:schemeClr val="tx1"/>
+              </a:solidFill>
+              <a:latin typeface="微软雅黑" panose="020B0503020204020204" charset="-122"/>
+              <a:ea typeface="微软雅黑" panose="020B0503020204020204" charset="-122"/>
+            </a:endParaRPr>
+          </a:p>
+          <a:p>
+            <a:pPr marL="0" lvl="0" indent="457200">
+              <a:buNone/>
+            </a:pPr>
+            <a:endParaRPr lang="zh-CN" altLang="en-US" sz="1600" dirty="0">
+              <a:solidFill>
+                <a:schemeClr val="tx1"/>
+              </a:solidFill>
+              <a:latin typeface="微软雅黑" panose="020B0503020204020204" charset="-122"/>
+              <a:ea typeface="微软雅黑" panose="020B0503020204020204" charset="-122"/>
+            </a:endParaRPr>
+          </a:p>
+          <a:p>
+            <a:pPr marL="0" lvl="0" indent="457200">
+              <a:buNone/>
+            </a:pPr>
+            <a:endParaRPr lang="zh-CN" altLang="en-US" sz="1600" dirty="0">
+              <a:solidFill>
+                <a:schemeClr val="tx1"/>
+              </a:solidFill>
+              <a:latin typeface="微软雅黑" panose="020B0503020204020204" charset="-122"/>
+              <a:ea typeface="微软雅黑" panose="020B0503020204020204" charset="-122"/>
+            </a:endParaRPr>
+          </a:p>
+        </p:txBody>
+      </p:sp>
+      <p:pic>
+        <p:nvPicPr>
+          <p:cNvPr id="4" name="图片 3"/>
+          <p:cNvPicPr>
+            <a:picLocks noChangeAspect="1"/>
+          </p:cNvPicPr>
+          <p:nvPr/>
+        </p:nvPicPr>
+        <p:blipFill>
+          <a:blip r:embed="rId3"/>
+          <a:stretch>
+            <a:fillRect/>
+          </a:stretch>
+        </p:blipFill>
+        <p:spPr>
+          <a:xfrm>
+            <a:off x="106680" y="2310130"/>
+            <a:ext cx="5574030" cy="4410710"/>
+          </a:xfrm>
+          <a:prstGeom prst="rect">
+            <a:avLst/>
+          </a:prstGeom>
+        </p:spPr>
+      </p:pic>
+    </p:spTree>
+  </p:cSld>
+  <p:clrMapOvr>
+    <a:masterClrMapping/>
+  </p:clrMapOvr>
+</p:sld>
+</file>
+
+<file path=ppt/slides/slide13.xml><?xml version="1.0" encoding="utf-8"?>
+<p:sld xmlns:a="http://schemas.openxmlformats.org/drawingml/2006/main" xmlns:r="http://schemas.openxmlformats.org/officeDocument/2006/relationships" xmlns:p="http://schemas.openxmlformats.org/presentationml/2006/main">
+  <p:cSld>
+    <p:spTree>
+      <p:nvGrpSpPr>
+        <p:cNvPr id="1" name=""/>
+        <p:cNvGrpSpPr/>
+        <p:nvPr/>
+      </p:nvGrpSpPr>
+      <p:grpSpPr>
+        <a:xfrm>
+          <a:off x="0" y="0"/>
+          <a:ext cx="0" cy="0"/>
+          <a:chOff x="0" y="0"/>
+          <a:chExt cx="0" cy="0"/>
+        </a:xfrm>
+      </p:grpSpPr>
+      <p:sp>
+        <p:nvSpPr>
+          <p:cNvPr id="13" name="文本框 12"/>
+          <p:cNvSpPr txBox="1"/>
+          <p:nvPr/>
+        </p:nvSpPr>
+        <p:spPr>
+          <a:xfrm>
+            <a:off x="106466" y="601786"/>
+            <a:ext cx="1033780" cy="398780"/>
+          </a:xfrm>
+          <a:prstGeom prst="rect">
+            <a:avLst/>
+          </a:prstGeom>
+          <a:noFill/>
+        </p:spPr>
+        <p:txBody>
+          <a:bodyPr wrap="none" rtlCol="0">
+            <a:spAutoFit/>
+          </a:bodyPr>
+          <a:lstStyle/>
+          <a:p>
+            <a:pPr marL="342900" indent="-342900">
+              <a:buFont typeface="Wingdings" panose="05000000000000000000" charset="0"/>
+              <a:buChar char="n"/>
+            </a:pPr>
+            <a:r>
+              <a:rPr lang="zh-CN" altLang="en-US" sz="2000" b="1" dirty="0">
+                <a:latin typeface="微软雅黑" panose="020B0503020204020204" charset="-122"/>
+                <a:ea typeface="微软雅黑" panose="020B0503020204020204" charset="-122"/>
+              </a:rPr>
+              <a:t>概述</a:t>
+            </a:r>
+            <a:endParaRPr lang="zh-CN" altLang="en-US" sz="2000" b="1" dirty="0"/>
+          </a:p>
+        </p:txBody>
+      </p:sp>
+      <p:sp>
+        <p:nvSpPr>
+          <p:cNvPr id="7" name="文本框 6"/>
+          <p:cNvSpPr txBox="1"/>
+          <p:nvPr/>
+        </p:nvSpPr>
+        <p:spPr>
+          <a:xfrm>
+            <a:off x="724535" y="1323340"/>
+            <a:ext cx="2247900" cy="410845"/>
+          </a:xfrm>
+          <a:prstGeom prst="rect">
+            <a:avLst/>
+          </a:prstGeom>
+          <a:noFill/>
+        </p:spPr>
+        <p:txBody>
+          <a:bodyPr wrap="square">
+            <a:noAutofit/>
+          </a:bodyPr>
+          <a:lstStyle/>
+          <a:p>
+            <a:pPr algn="l" fontAlgn="auto">
+              <a:lnSpc>
+                <a:spcPts val="2200"/>
+              </a:lnSpc>
+              <a:buClrTx/>
+              <a:buSzTx/>
+              <a:buNone/>
+            </a:pPr>
+            <a:endParaRPr lang="zh-CN" altLang="en-US" sz="1600" dirty="0">
+              <a:latin typeface="微软雅黑" panose="020B0503020204020204" charset="-122"/>
+              <a:ea typeface="微软雅黑" panose="020B0503020204020204" charset="-122"/>
+            </a:endParaRPr>
+          </a:p>
+        </p:txBody>
+      </p:sp>
+      <p:sp>
+        <p:nvSpPr>
+          <p:cNvPr id="3" name="矩形 2"/>
+          <p:cNvSpPr/>
+          <p:nvPr>
+            <p:custDataLst>
+              <p:tags r:id="rId1"/>
+            </p:custDataLst>
+          </p:nvPr>
+        </p:nvSpPr>
+        <p:spPr>
+          <a:xfrm>
+            <a:off x="-6350" y="0"/>
+            <a:ext cx="12198350" cy="540000"/>
+          </a:xfrm>
+          <a:prstGeom prst="rect">
+            <a:avLst/>
+          </a:prstGeom>
+          <a:solidFill>
+            <a:srgbClr val="A099CB"/>
+          </a:solidFill>
+          <a:ln>
+            <a:noFill/>
+          </a:ln>
+        </p:spPr>
+        <p:style>
+          <a:lnRef idx="2">
+            <a:schemeClr val="accent1">
+              <a:shade val="50000"/>
+            </a:schemeClr>
+          </a:lnRef>
+          <a:fillRef idx="1">
+            <a:schemeClr val="accent1"/>
+          </a:fillRef>
+          <a:effectRef idx="0">
+            <a:schemeClr val="accent1"/>
+          </a:effectRef>
+          <a:fontRef idx="minor">
+            <a:schemeClr val="lt1"/>
+          </a:fontRef>
+        </p:style>
+        <p:txBody>
+          <a:bodyPr rtlCol="0" anchor="ctr"/>
+          <a:p>
+            <a:pPr marL="0" marR="0" lvl="0" indent="0" algn="ctr" defTabSz="914400" rtl="0" eaLnBrk="1" fontAlgn="auto" latinLnBrk="0" hangingPunct="1">
+              <a:lnSpc>
+                <a:spcPct val="100000"/>
+              </a:lnSpc>
+              <a:spcBef>
+                <a:spcPts val="0"/>
+              </a:spcBef>
+              <a:spcAft>
+                <a:spcPts val="0"/>
+              </a:spcAft>
+              <a:buClrTx/>
+              <a:buSzTx/>
+              <a:buFontTx/>
+              <a:buNone/>
+              <a:defRPr/>
+            </a:pPr>
+            <a:r>
+              <a:rPr lang="en-US" altLang="zh-CN" sz="1800" dirty="0">
+                <a:effectLst/>
+                <a:latin typeface="微软雅黑" panose="020B0503020204020204" charset="-122"/>
+                <a:ea typeface="微软雅黑" panose="020B0503020204020204" charset="-122"/>
+              </a:rPr>
+              <a:t>1.</a:t>
+            </a:r>
+            <a:r>
+              <a:rPr lang="en-US" altLang="zh-CN" dirty="0">
+                <a:effectLst/>
+                <a:latin typeface="微软雅黑" panose="020B0503020204020204" charset="-122"/>
+                <a:ea typeface="微软雅黑" panose="020B0503020204020204" charset="-122"/>
+                <a:sym typeface="+mn-ea"/>
+              </a:rPr>
+              <a:t>论文</a:t>
+            </a:r>
+            <a:endParaRPr lang="en-US" altLang="zh-CN" dirty="0">
+              <a:effectLst/>
+              <a:latin typeface="微软雅黑" panose="020B0503020204020204" charset="-122"/>
+              <a:ea typeface="微软雅黑" panose="020B0503020204020204" charset="-122"/>
+            </a:endParaRPr>
+          </a:p>
+        </p:txBody>
+      </p:sp>
+      <p:sp>
+        <p:nvSpPr>
+          <p:cNvPr id="5" name="文本框 4"/>
+          <p:cNvSpPr txBox="1"/>
+          <p:nvPr>
+            <p:custDataLst>
+              <p:tags r:id="rId2"/>
+            </p:custDataLst>
+          </p:nvPr>
+        </p:nvSpPr>
+        <p:spPr>
+          <a:xfrm>
+            <a:off x="455295" y="972185"/>
+            <a:ext cx="11736705" cy="1337945"/>
+          </a:xfrm>
+          <a:prstGeom prst="rect">
+            <a:avLst/>
+          </a:prstGeom>
+          <a:noFill/>
+        </p:spPr>
+        <p:txBody>
+          <a:bodyPr wrap="square" rtlCol="0">
+            <a:spAutoFit/>
+          </a:bodyPr>
+          <a:p>
+            <a:pPr marL="285750" indent="-285750">
+              <a:lnSpc>
+                <a:spcPct val="150000"/>
+              </a:lnSpc>
+              <a:buFont typeface="Wingdings" panose="05000000000000000000" charset="0"/>
+              <a:buChar char="p"/>
+            </a:pPr>
+            <a:r>
+              <a:rPr lang="en-US" altLang="zh-CN" b="1" dirty="0">
+                <a:latin typeface="微软雅黑" panose="020B0503020204020204" charset="-122"/>
+                <a:ea typeface="微软雅黑" panose="020B0503020204020204" charset="-122"/>
+              </a:rPr>
+              <a:t>Gilany M, Wilson P, Perera-Ortega A, et al. TRUSformer: Improving prostate cancer detection from micro-ultrasound using attention and self-supervision[J]. International Journal of Computer Assisted Radiology and Surgery, 2023, 18(7): 1193-1200. </a:t>
+            </a:r>
+            <a:endParaRPr lang="en-US" altLang="zh-CN" b="1" dirty="0">
+              <a:latin typeface="微软雅黑" panose="020B0503020204020204" charset="-122"/>
+              <a:ea typeface="微软雅黑" panose="020B0503020204020204" charset="-122"/>
+            </a:endParaRPr>
+          </a:p>
+        </p:txBody>
+      </p:sp>
+      <p:sp>
+        <p:nvSpPr>
+          <p:cNvPr id="10" name="文本框 9"/>
+          <p:cNvSpPr txBox="1"/>
+          <p:nvPr/>
+        </p:nvSpPr>
+        <p:spPr>
+          <a:xfrm>
+            <a:off x="106045" y="2310130"/>
+            <a:ext cx="10175240" cy="2205355"/>
+          </a:xfrm>
+          <a:prstGeom prst="rect">
+            <a:avLst/>
+          </a:prstGeom>
+          <a:noFill/>
+        </p:spPr>
+        <p:txBody>
+          <a:bodyPr wrap="square" rtlCol="0">
+            <a:noAutofit/>
+          </a:bodyPr>
+          <a:p>
+            <a:pPr marL="0" lvl="0" indent="457200">
+              <a:buNone/>
+            </a:pPr>
+            <a:r>
+              <a:rPr lang="zh-CN" altLang="en-US" sz="1600" dirty="0">
+                <a:solidFill>
+                  <a:schemeClr val="tx1"/>
+                </a:solidFill>
+                <a:latin typeface="微软雅黑" panose="020B0503020204020204" charset="-122"/>
+                <a:ea typeface="微软雅黑" panose="020B0503020204020204" charset="-122"/>
+              </a:rPr>
+              <a:t>数据量：原数据集</a:t>
+            </a:r>
+            <a:r>
+              <a:rPr lang="en-US" sz="1600" dirty="0">
+                <a:solidFill>
+                  <a:schemeClr val="tx1"/>
+                </a:solidFill>
+                <a:latin typeface="微软雅黑" panose="020B0503020204020204" charset="-122"/>
+                <a:ea typeface="微软雅黑" panose="020B0503020204020204" charset="-122"/>
+              </a:rPr>
+              <a:t>391</a:t>
+            </a:r>
+            <a:r>
+              <a:rPr lang="zh-CN" altLang="en-US" sz="1600" dirty="0">
+                <a:solidFill>
+                  <a:schemeClr val="tx1"/>
+                </a:solidFill>
+                <a:latin typeface="微软雅黑" panose="020B0503020204020204" charset="-122"/>
+                <a:ea typeface="微软雅黑" panose="020B0503020204020204" charset="-122"/>
+              </a:rPr>
+              <a:t>名患者</a:t>
+            </a:r>
+            <a:r>
+              <a:rPr lang="zh-CN" sz="1600" dirty="0">
+                <a:solidFill>
+                  <a:schemeClr val="tx1"/>
+                </a:solidFill>
+                <a:latin typeface="微软雅黑" panose="020B0503020204020204" charset="-122"/>
+                <a:ea typeface="微软雅黑" panose="020B0503020204020204" charset="-122"/>
+              </a:rPr>
+              <a:t>。</a:t>
+            </a:r>
+            <a:endParaRPr lang="zh-CN" altLang="en-US" sz="1600" dirty="0">
+              <a:solidFill>
+                <a:schemeClr val="tx1"/>
+              </a:solidFill>
+              <a:latin typeface="微软雅黑" panose="020B0503020204020204" charset="-122"/>
+              <a:ea typeface="微软雅黑" panose="020B0503020204020204" charset="-122"/>
+            </a:endParaRPr>
+          </a:p>
+          <a:p>
+            <a:pPr marL="0" lvl="0" indent="457200">
+              <a:buNone/>
+            </a:pPr>
+            <a:endParaRPr lang="zh-CN" altLang="en-US" sz="1600" dirty="0">
+              <a:solidFill>
+                <a:schemeClr val="tx1"/>
+              </a:solidFill>
+              <a:latin typeface="微软雅黑" panose="020B0503020204020204" charset="-122"/>
+              <a:ea typeface="微软雅黑" panose="020B0503020204020204" charset="-122"/>
+            </a:endParaRPr>
+          </a:p>
+          <a:p>
+            <a:pPr marL="0" lvl="0" indent="457200">
+              <a:buNone/>
+            </a:pPr>
+            <a:endParaRPr lang="zh-CN" altLang="en-US" sz="1600" dirty="0">
+              <a:solidFill>
+                <a:schemeClr val="tx1"/>
+              </a:solidFill>
+              <a:latin typeface="微软雅黑" panose="020B0503020204020204" charset="-122"/>
+              <a:ea typeface="微软雅黑" panose="020B0503020204020204" charset="-122"/>
+            </a:endParaRPr>
+          </a:p>
+          <a:p>
+            <a:pPr marL="0" lvl="0" indent="457200">
+              <a:buNone/>
+            </a:pPr>
+            <a:endParaRPr lang="zh-CN" altLang="en-US" sz="1600" dirty="0">
+              <a:solidFill>
+                <a:schemeClr val="tx1"/>
+              </a:solidFill>
+              <a:latin typeface="微软雅黑" panose="020B0503020204020204" charset="-122"/>
+              <a:ea typeface="微软雅黑" panose="020B0503020204020204" charset="-122"/>
+            </a:endParaRPr>
+          </a:p>
+          <a:p>
+            <a:pPr marL="0" lvl="0" indent="457200">
+              <a:buNone/>
+            </a:pPr>
+            <a:endParaRPr lang="zh-CN" altLang="en-US" sz="1600" dirty="0">
+              <a:solidFill>
+                <a:schemeClr val="tx1"/>
+              </a:solidFill>
+              <a:latin typeface="微软雅黑" panose="020B0503020204020204" charset="-122"/>
+              <a:ea typeface="微软雅黑" panose="020B0503020204020204" charset="-122"/>
+            </a:endParaRPr>
+          </a:p>
+          <a:p>
+            <a:pPr marL="0" lvl="0" indent="457200">
+              <a:buNone/>
+            </a:pPr>
+            <a:r>
+              <a:rPr lang="zh-CN" altLang="en-US" sz="1600" dirty="0">
+                <a:solidFill>
+                  <a:schemeClr val="tx1"/>
+                </a:solidFill>
+                <a:latin typeface="微软雅黑" panose="020B0503020204020204" charset="-122"/>
+                <a:ea typeface="微软雅黑" panose="020B0503020204020204" charset="-122"/>
+              </a:rPr>
+              <a:t>实验效果：由于是第一个实现自监督的，所以主要和有监督的模型做比较</a:t>
+            </a:r>
+            <a:endParaRPr lang="zh-CN" altLang="en-US" sz="1600" dirty="0">
+              <a:solidFill>
+                <a:schemeClr val="tx1"/>
+              </a:solidFill>
+              <a:latin typeface="微软雅黑" panose="020B0503020204020204" charset="-122"/>
+              <a:ea typeface="微软雅黑" panose="020B0503020204020204" charset="-122"/>
+            </a:endParaRPr>
+          </a:p>
+          <a:p>
+            <a:pPr marL="0" lvl="0" indent="457200">
+              <a:buNone/>
+            </a:pPr>
+            <a:endParaRPr lang="zh-CN" altLang="en-US" sz="1600" dirty="0">
+              <a:solidFill>
+                <a:schemeClr val="tx1"/>
+              </a:solidFill>
+              <a:latin typeface="微软雅黑" panose="020B0503020204020204" charset="-122"/>
+              <a:ea typeface="微软雅黑" panose="020B0503020204020204" charset="-122"/>
+            </a:endParaRPr>
+          </a:p>
+          <a:p>
+            <a:pPr marL="0" lvl="0" indent="457200">
+              <a:buNone/>
+            </a:pPr>
+            <a:endParaRPr lang="zh-CN" altLang="en-US" sz="1600" dirty="0">
+              <a:solidFill>
+                <a:schemeClr val="tx1"/>
+              </a:solidFill>
+              <a:latin typeface="微软雅黑" panose="020B0503020204020204" charset="-122"/>
+              <a:ea typeface="微软雅黑" panose="020B0503020204020204" charset="-122"/>
+            </a:endParaRPr>
+          </a:p>
+          <a:p>
+            <a:pPr marL="0" lvl="0" indent="457200">
+              <a:buNone/>
+            </a:pPr>
+            <a:endParaRPr lang="zh-CN" altLang="en-US" sz="1600" dirty="0">
+              <a:solidFill>
+                <a:schemeClr val="tx1"/>
+              </a:solidFill>
+              <a:latin typeface="微软雅黑" panose="020B0503020204020204" charset="-122"/>
+              <a:ea typeface="微软雅黑" panose="020B0503020204020204" charset="-122"/>
+            </a:endParaRPr>
+          </a:p>
+          <a:p>
+            <a:pPr marL="0" lvl="0" indent="457200">
+              <a:buNone/>
+            </a:pPr>
+            <a:endParaRPr lang="zh-CN" altLang="en-US" sz="1600" dirty="0">
+              <a:solidFill>
+                <a:schemeClr val="tx1"/>
+              </a:solidFill>
+              <a:latin typeface="微软雅黑" panose="020B0503020204020204" charset="-122"/>
+              <a:ea typeface="微软雅黑" panose="020B0503020204020204" charset="-122"/>
+            </a:endParaRPr>
+          </a:p>
+          <a:p>
+            <a:pPr marL="0" lvl="0" indent="457200">
+              <a:buNone/>
+            </a:pPr>
+            <a:endParaRPr lang="zh-CN" altLang="en-US" sz="1600" dirty="0">
+              <a:solidFill>
+                <a:schemeClr val="tx1"/>
+              </a:solidFill>
+              <a:latin typeface="微软雅黑" panose="020B0503020204020204" charset="-122"/>
+              <a:ea typeface="微软雅黑" panose="020B0503020204020204" charset="-122"/>
+            </a:endParaRPr>
+          </a:p>
+          <a:p>
+            <a:pPr marL="0" lvl="0" indent="457200">
+              <a:buNone/>
+            </a:pPr>
+            <a:endParaRPr lang="zh-CN" altLang="en-US" sz="1600" dirty="0">
+              <a:solidFill>
+                <a:schemeClr val="tx1"/>
+              </a:solidFill>
+              <a:latin typeface="微软雅黑" panose="020B0503020204020204" charset="-122"/>
+              <a:ea typeface="微软雅黑" panose="020B0503020204020204" charset="-122"/>
+            </a:endParaRPr>
+          </a:p>
+          <a:p>
+            <a:pPr marL="0" lvl="0" indent="457200">
+              <a:buNone/>
+            </a:pPr>
+            <a:endParaRPr lang="zh-CN" altLang="en-US" sz="1600" dirty="0">
+              <a:solidFill>
+                <a:schemeClr val="tx1"/>
+              </a:solidFill>
+              <a:latin typeface="微软雅黑" panose="020B0503020204020204" charset="-122"/>
+              <a:ea typeface="微软雅黑" panose="020B0503020204020204" charset="-122"/>
+            </a:endParaRPr>
+          </a:p>
+        </p:txBody>
+      </p:sp>
+      <p:pic>
+        <p:nvPicPr>
+          <p:cNvPr id="2" name="图片 1"/>
+          <p:cNvPicPr>
+            <a:picLocks noChangeAspect="1"/>
+          </p:cNvPicPr>
+          <p:nvPr/>
+        </p:nvPicPr>
+        <p:blipFill>
+          <a:blip r:embed="rId3"/>
+          <a:stretch>
+            <a:fillRect/>
+          </a:stretch>
+        </p:blipFill>
+        <p:spPr>
+          <a:xfrm>
+            <a:off x="1905000" y="3888105"/>
+            <a:ext cx="8375650" cy="2969895"/>
+          </a:xfrm>
+          <a:prstGeom prst="rect">
+            <a:avLst/>
+          </a:prstGeom>
+        </p:spPr>
+      </p:pic>
+    </p:spTree>
+  </p:cSld>
+  <p:clrMapOvr>
+    <a:masterClrMapping/>
+  </p:clrMapOvr>
+</p:sld>
+</file>
+
+<file path=ppt/slides/slide14.xml><?xml version="1.0" encoding="utf-8"?>
+<p:sld xmlns:a="http://schemas.openxmlformats.org/drawingml/2006/main" xmlns:r="http://schemas.openxmlformats.org/officeDocument/2006/relationships" xmlns:p="http://schemas.openxmlformats.org/presentationml/2006/main">
+  <p:cSld>
+    <p:spTree>
+      <p:nvGrpSpPr>
+        <p:cNvPr id="1" name=""/>
+        <p:cNvGrpSpPr/>
+        <p:nvPr/>
+      </p:nvGrpSpPr>
+      <p:grpSpPr>
+        <a:xfrm>
+          <a:off x="0" y="0"/>
+          <a:ext cx="0" cy="0"/>
+          <a:chOff x="0" y="0"/>
+          <a:chExt cx="0" cy="0"/>
+        </a:xfrm>
+      </p:grpSpPr>
+      <p:pic>
+        <p:nvPicPr>
+          <p:cNvPr id="4" name="图片 3" descr="1"/>
+          <p:cNvPicPr>
+            <a:picLocks noChangeAspect="1"/>
+          </p:cNvPicPr>
+          <p:nvPr/>
+        </p:nvPicPr>
+        <p:blipFill>
+          <a:blip r:embed="rId1"/>
+          <a:stretch>
+            <a:fillRect/>
+          </a:stretch>
+        </p:blipFill>
+        <p:spPr>
+          <a:xfrm>
+            <a:off x="4745355" y="-588645"/>
+            <a:ext cx="12060555" cy="8474075"/>
+          </a:xfrm>
+          <a:prstGeom prst="rect">
+            <a:avLst/>
+          </a:prstGeom>
+        </p:spPr>
+      </p:pic>
+      <p:sp>
+        <p:nvSpPr>
+          <p:cNvPr id="5" name="文本框 4"/>
+          <p:cNvSpPr txBox="1"/>
+          <p:nvPr/>
+        </p:nvSpPr>
+        <p:spPr>
+          <a:xfrm>
+            <a:off x="1038225" y="1470025"/>
+            <a:ext cx="2301875" cy="1861185"/>
+          </a:xfrm>
+          <a:prstGeom prst="rect">
+            <a:avLst/>
+          </a:prstGeom>
+          <a:noFill/>
+        </p:spPr>
+        <p:txBody>
+          <a:bodyPr wrap="square" rtlCol="0">
+            <a:spAutoFit/>
+          </a:bodyPr>
+          <a:lstStyle/>
+          <a:p>
+            <a:pPr marL="0" marR="0" lvl="0" indent="0" algn="l" defTabSz="914400" rtl="0" eaLnBrk="1" fontAlgn="auto" latinLnBrk="0" hangingPunct="1">
+              <a:lnSpc>
+                <a:spcPct val="100000"/>
+              </a:lnSpc>
+              <a:spcBef>
+                <a:spcPts val="0"/>
+              </a:spcBef>
+              <a:spcAft>
+                <a:spcPts val="0"/>
+              </a:spcAft>
+              <a:buClrTx/>
+              <a:buSzTx/>
+              <a:buFontTx/>
+              <a:buNone/>
+              <a:defRPr/>
+            </a:pPr>
+            <a:r>
+              <a:rPr kumimoji="0" lang="en-US" altLang="zh-CN" sz="11500" b="0" i="0" u="none" strike="noStrike" kern="1200" cap="none" spc="0" normalizeH="0" baseline="0" noProof="0" dirty="0">
+                <a:ln>
+                  <a:solidFill>
+                    <a:srgbClr val="383987"/>
+                  </a:solidFill>
+                </a:ln>
+                <a:noFill/>
+                <a:effectLst/>
+                <a:uLnTx/>
+                <a:uFillTx/>
+                <a:latin typeface="Agency FB" panose="020B0503020202020204" pitchFamily="34" charset="0"/>
+                <a:ea typeface="宋体" panose="02010600030101010101" pitchFamily="2" charset="-122"/>
+                <a:cs typeface="+mn-cs"/>
+              </a:rPr>
+              <a:t>02</a:t>
+            </a:r>
+            <a:endParaRPr kumimoji="0" lang="en-US" altLang="zh-CN" sz="11500" b="0" i="0" u="none" strike="noStrike" kern="1200" cap="none" spc="0" normalizeH="0" baseline="0" noProof="0" dirty="0">
+              <a:ln>
+                <a:solidFill>
+                  <a:srgbClr val="383987"/>
+                </a:solidFill>
+              </a:ln>
+              <a:noFill/>
+              <a:effectLst/>
+              <a:uLnTx/>
+              <a:uFillTx/>
+              <a:latin typeface="Agency FB" panose="020B0503020202020204" pitchFamily="34" charset="0"/>
+              <a:ea typeface="宋体" panose="02010600030101010101" pitchFamily="2" charset="-122"/>
+              <a:cs typeface="+mn-cs"/>
+            </a:endParaRPr>
+          </a:p>
+        </p:txBody>
+      </p:sp>
+      <p:sp>
+        <p:nvSpPr>
+          <p:cNvPr id="6" name="文本框 5"/>
+          <p:cNvSpPr txBox="1"/>
+          <p:nvPr/>
+        </p:nvSpPr>
+        <p:spPr>
+          <a:xfrm>
+            <a:off x="1265555" y="3049270"/>
+            <a:ext cx="11768455" cy="777240"/>
+          </a:xfrm>
+          <a:prstGeom prst="rect">
+            <a:avLst/>
+          </a:prstGeom>
+          <a:noFill/>
+        </p:spPr>
+        <p:txBody>
+          <a:bodyPr wrap="square" rtlCol="0">
+            <a:noAutofit/>
+          </a:bodyPr>
+          <a:lstStyle/>
+          <a:p>
+            <a:pPr marL="0" marR="0" lvl="0" indent="0" algn="ctr" defTabSz="914400" rtl="0" eaLnBrk="1" fontAlgn="auto" latinLnBrk="0" hangingPunct="1">
+              <a:lnSpc>
+                <a:spcPct val="100000"/>
+              </a:lnSpc>
+              <a:spcBef>
+                <a:spcPts val="0"/>
+              </a:spcBef>
+              <a:spcAft>
+                <a:spcPts val="0"/>
+              </a:spcAft>
+              <a:buClrTx/>
+              <a:buSzTx/>
+              <a:buFontTx/>
+              <a:buNone/>
+              <a:defRPr/>
+            </a:pPr>
+            <a:r>
+              <a:rPr lang="zh-CN" sz="3600" dirty="0">
+                <a:solidFill>
+                  <a:srgbClr val="383987"/>
+                </a:solidFill>
+                <a:latin typeface="微软雅黑" panose="020B0503020204020204" charset="-122"/>
+                <a:ea typeface="微软雅黑" panose="020B0503020204020204" charset="-122"/>
+                <a:sym typeface="+mn-ea"/>
+              </a:rPr>
+              <a:t>自己总结</a:t>
+            </a:r>
+            <a:endParaRPr lang="zh-CN" sz="3600" dirty="0">
+              <a:solidFill>
+                <a:srgbClr val="383987"/>
+              </a:solidFill>
+              <a:latin typeface="微软雅黑" panose="020B0503020204020204" charset="-122"/>
+              <a:ea typeface="微软雅黑" panose="020B0503020204020204" charset="-122"/>
+              <a:sym typeface="+mn-ea"/>
+            </a:endParaRPr>
+          </a:p>
+        </p:txBody>
+      </p:sp>
+    </p:spTree>
+  </p:cSld>
+  <p:clrMapOvr>
+    <a:masterClrMapping/>
+  </p:clrMapOvr>
+</p:sld>
+</file>
+
+<file path=ppt/slides/slide15.xml><?xml version="1.0" encoding="utf-8"?>
+<p:sld xmlns:a="http://schemas.openxmlformats.org/drawingml/2006/main" xmlns:r="http://schemas.openxmlformats.org/officeDocument/2006/relationships" xmlns:p="http://schemas.openxmlformats.org/presentationml/2006/main">
+  <p:cSld>
+    <p:spTree>
+      <p:nvGrpSpPr>
+        <p:cNvPr id="1" name=""/>
+        <p:cNvGrpSpPr/>
+        <p:nvPr/>
+      </p:nvGrpSpPr>
+      <p:grpSpPr>
+        <a:xfrm>
+          <a:off x="0" y="0"/>
+          <a:ext cx="0" cy="0"/>
+          <a:chOff x="0" y="0"/>
+          <a:chExt cx="0" cy="0"/>
+        </a:xfrm>
+      </p:grpSpPr>
+      <p:sp>
+        <p:nvSpPr>
+          <p:cNvPr id="7" name="文本框 6"/>
+          <p:cNvSpPr txBox="1"/>
+          <p:nvPr/>
+        </p:nvSpPr>
+        <p:spPr>
+          <a:xfrm>
+            <a:off x="724535" y="1323340"/>
+            <a:ext cx="2247900" cy="410845"/>
+          </a:xfrm>
+          <a:prstGeom prst="rect">
+            <a:avLst/>
+          </a:prstGeom>
+          <a:noFill/>
+        </p:spPr>
+        <p:txBody>
+          <a:bodyPr wrap="square">
+            <a:noAutofit/>
+          </a:bodyPr>
+          <a:lstStyle/>
+          <a:p>
+            <a:pPr algn="l" fontAlgn="auto">
+              <a:lnSpc>
+                <a:spcPts val="2200"/>
+              </a:lnSpc>
+              <a:buClrTx/>
+              <a:buSzTx/>
+              <a:buNone/>
+            </a:pPr>
+            <a:endParaRPr lang="zh-CN" altLang="en-US" sz="1600" dirty="0">
+              <a:latin typeface="微软雅黑" panose="020B0503020204020204" charset="-122"/>
+              <a:ea typeface="微软雅黑" panose="020B0503020204020204" charset="-122"/>
+            </a:endParaRPr>
+          </a:p>
+        </p:txBody>
+      </p:sp>
+      <p:sp>
+        <p:nvSpPr>
+          <p:cNvPr id="3" name="矩形 2"/>
+          <p:cNvSpPr/>
+          <p:nvPr>
+            <p:custDataLst>
+              <p:tags r:id="rId1"/>
+            </p:custDataLst>
+          </p:nvPr>
+        </p:nvSpPr>
+        <p:spPr>
+          <a:xfrm>
+            <a:off x="-6350" y="0"/>
+            <a:ext cx="12198350" cy="540000"/>
+          </a:xfrm>
+          <a:prstGeom prst="rect">
+            <a:avLst/>
+          </a:prstGeom>
+          <a:solidFill>
+            <a:srgbClr val="A099CB"/>
+          </a:solidFill>
+          <a:ln>
+            <a:noFill/>
+          </a:ln>
+        </p:spPr>
+        <p:style>
+          <a:lnRef idx="2">
+            <a:schemeClr val="accent1">
+              <a:shade val="50000"/>
+            </a:schemeClr>
+          </a:lnRef>
+          <a:fillRef idx="1">
+            <a:schemeClr val="accent1"/>
+          </a:fillRef>
+          <a:effectRef idx="0">
+            <a:schemeClr val="accent1"/>
+          </a:effectRef>
+          <a:fontRef idx="minor">
+            <a:schemeClr val="lt1"/>
+          </a:fontRef>
+        </p:style>
+        <p:txBody>
+          <a:bodyPr rtlCol="0" anchor="ctr"/>
+          <a:p>
+            <a:pPr marL="0" marR="0" lvl="0" indent="0" algn="ctr" defTabSz="914400" rtl="0" eaLnBrk="1" fontAlgn="auto" latinLnBrk="0" hangingPunct="1">
+              <a:lnSpc>
+                <a:spcPct val="100000"/>
+              </a:lnSpc>
+              <a:spcBef>
+                <a:spcPts val="0"/>
+              </a:spcBef>
+              <a:spcAft>
+                <a:spcPts val="0"/>
+              </a:spcAft>
+              <a:buClrTx/>
+              <a:buSzTx/>
+              <a:buFontTx/>
+              <a:buNone/>
+              <a:defRPr/>
+            </a:pPr>
+            <a:r>
+              <a:rPr lang="en-US" altLang="zh-CN" sz="1800" dirty="0">
+                <a:effectLst/>
+                <a:latin typeface="微软雅黑" panose="020B0503020204020204" charset="-122"/>
+                <a:ea typeface="微软雅黑" panose="020B0503020204020204" charset="-122"/>
+              </a:rPr>
+              <a:t>2.</a:t>
+            </a:r>
+            <a:r>
+              <a:rPr lang="zh-CN" altLang="en-US" sz="1800" dirty="0">
+                <a:effectLst/>
+                <a:latin typeface="微软雅黑" panose="020B0503020204020204" charset="-122"/>
+                <a:ea typeface="微软雅黑" panose="020B0503020204020204" charset="-122"/>
+              </a:rPr>
+              <a:t>自己总结</a:t>
+            </a:r>
+            <a:endParaRPr lang="zh-CN" altLang="en-US" sz="1800" dirty="0">
+              <a:effectLst/>
+              <a:latin typeface="微软雅黑" panose="020B0503020204020204" charset="-122"/>
+              <a:ea typeface="微软雅黑" panose="020B0503020204020204" charset="-122"/>
+            </a:endParaRPr>
+          </a:p>
+        </p:txBody>
+      </p:sp>
+      <p:sp>
+        <p:nvSpPr>
+          <p:cNvPr id="8" name="文本框 7"/>
+          <p:cNvSpPr txBox="1"/>
+          <p:nvPr>
+            <p:custDataLst>
+              <p:tags r:id="rId2"/>
+            </p:custDataLst>
+          </p:nvPr>
+        </p:nvSpPr>
+        <p:spPr>
+          <a:xfrm>
+            <a:off x="106680" y="594360"/>
+            <a:ext cx="11736705" cy="506730"/>
+          </a:xfrm>
+          <a:prstGeom prst="rect">
+            <a:avLst/>
+          </a:prstGeom>
+          <a:noFill/>
+        </p:spPr>
+        <p:txBody>
+          <a:bodyPr wrap="square" rtlCol="0">
+            <a:spAutoFit/>
+          </a:bodyPr>
+          <a:p>
+            <a:pPr marL="285750" indent="-285750">
+              <a:lnSpc>
+                <a:spcPct val="150000"/>
+              </a:lnSpc>
+              <a:buFont typeface="Wingdings" panose="05000000000000000000" charset="0"/>
+              <a:buChar char="p"/>
+            </a:pPr>
+            <a:r>
+              <a:rPr lang="en-US" altLang="zh-CN" b="1" dirty="0">
+                <a:latin typeface="微软雅黑" panose="020B0503020204020204" charset="-122"/>
+                <a:ea typeface="微软雅黑" panose="020B0503020204020204" charset="-122"/>
+              </a:rPr>
+              <a:t>github</a:t>
+            </a:r>
+            <a:r>
+              <a:rPr lang="zh-CN" altLang="en-US" b="1" dirty="0">
+                <a:latin typeface="微软雅黑" panose="020B0503020204020204" charset="-122"/>
+                <a:ea typeface="微软雅黑" panose="020B0503020204020204" charset="-122"/>
+              </a:rPr>
+              <a:t>上相关项目：通过关键词</a:t>
+            </a:r>
+            <a:r>
+              <a:rPr lang="en-US" altLang="zh-CN" b="1" dirty="0">
+                <a:latin typeface="微软雅黑" panose="020B0503020204020204" charset="-122"/>
+                <a:ea typeface="微软雅黑" panose="020B0503020204020204" charset="-122"/>
+              </a:rPr>
+              <a:t>“prostate cancer “ ”ultrasound”</a:t>
+            </a:r>
+            <a:endParaRPr lang="en-US" altLang="zh-CN" b="1" dirty="0">
+              <a:latin typeface="微软雅黑" panose="020B0503020204020204" charset="-122"/>
+              <a:ea typeface="微软雅黑" panose="020B0503020204020204" charset="-122"/>
+            </a:endParaRPr>
+          </a:p>
+        </p:txBody>
+      </p:sp>
+      <p:sp>
+        <p:nvSpPr>
+          <p:cNvPr id="10" name="文本框 9"/>
+          <p:cNvSpPr txBox="1"/>
+          <p:nvPr/>
+        </p:nvSpPr>
+        <p:spPr>
+          <a:xfrm>
+            <a:off x="286385" y="1155700"/>
+            <a:ext cx="11466195" cy="1423670"/>
+          </a:xfrm>
+          <a:prstGeom prst="rect">
+            <a:avLst/>
+          </a:prstGeom>
+          <a:noFill/>
+        </p:spPr>
+        <p:txBody>
+          <a:bodyPr wrap="square" rtlCol="0">
+            <a:noAutofit/>
+          </a:bodyPr>
+          <a:p>
+            <a:pPr marL="0" lvl="0" indent="457200">
+              <a:buNone/>
+            </a:pPr>
+            <a:r>
+              <a:rPr lang="zh-CN" altLang="en-US" sz="1600" dirty="0">
+                <a:solidFill>
+                  <a:schemeClr val="tx1"/>
+                </a:solidFill>
+                <a:latin typeface="微软雅黑" panose="020B0503020204020204" charset="-122"/>
+                <a:ea typeface="微软雅黑" panose="020B0503020204020204" charset="-122"/>
+              </a:rPr>
+              <a:t>搜索出来的基本是微超声的项目，我搜了微超声和我们的任务不一致，所以</a:t>
+            </a:r>
+            <a:r>
+              <a:rPr lang="en-US" altLang="zh-CN" sz="1600" dirty="0">
+                <a:solidFill>
+                  <a:schemeClr val="tx1"/>
+                </a:solidFill>
+                <a:latin typeface="微软雅黑" panose="020B0503020204020204" charset="-122"/>
+                <a:ea typeface="微软雅黑" panose="020B0503020204020204" charset="-122"/>
+              </a:rPr>
+              <a:t>github</a:t>
+            </a:r>
+            <a:r>
+              <a:rPr lang="zh-CN" altLang="en-US" sz="1600" dirty="0">
+                <a:solidFill>
+                  <a:schemeClr val="tx1"/>
+                </a:solidFill>
+                <a:latin typeface="微软雅黑" panose="020B0503020204020204" charset="-122"/>
+                <a:ea typeface="微软雅黑" panose="020B0503020204020204" charset="-122"/>
+              </a:rPr>
+              <a:t>上的项目没有和我们的任务很相关的，那么也可以说现有的开源的任务和我们的相关的很少。</a:t>
+            </a:r>
+            <a:endParaRPr lang="zh-CN" altLang="en-US" sz="1600" dirty="0">
+              <a:solidFill>
+                <a:schemeClr val="tx1"/>
+              </a:solidFill>
+              <a:latin typeface="微软雅黑" panose="020B0503020204020204" charset="-122"/>
+              <a:ea typeface="微软雅黑" panose="020B0503020204020204" charset="-122"/>
+            </a:endParaRPr>
+          </a:p>
+          <a:p>
+            <a:pPr marL="0" lvl="0" indent="457200">
+              <a:buNone/>
+            </a:pPr>
+            <a:endParaRPr lang="zh-CN" altLang="en-US" sz="1600" dirty="0">
+              <a:solidFill>
+                <a:schemeClr val="tx1"/>
+              </a:solidFill>
+              <a:latin typeface="微软雅黑" panose="020B0503020204020204" charset="-122"/>
+              <a:ea typeface="微软雅黑" panose="020B0503020204020204" charset="-122"/>
+            </a:endParaRPr>
+          </a:p>
+          <a:p>
+            <a:pPr marL="0" lvl="0" indent="457200">
+              <a:buNone/>
+            </a:pPr>
+            <a:endParaRPr lang="zh-CN" altLang="en-US" sz="1600" dirty="0">
+              <a:solidFill>
+                <a:schemeClr val="tx1"/>
+              </a:solidFill>
+              <a:latin typeface="微软雅黑" panose="020B0503020204020204" charset="-122"/>
+              <a:ea typeface="微软雅黑" panose="020B0503020204020204" charset="-122"/>
+            </a:endParaRPr>
+          </a:p>
+          <a:p>
+            <a:pPr marL="0" lvl="0" indent="457200">
+              <a:buNone/>
+            </a:pPr>
+            <a:endParaRPr lang="zh-CN" altLang="en-US" sz="1600" dirty="0">
+              <a:solidFill>
+                <a:schemeClr val="tx1"/>
+              </a:solidFill>
+              <a:latin typeface="微软雅黑" panose="020B0503020204020204" charset="-122"/>
+              <a:ea typeface="微软雅黑" panose="020B0503020204020204" charset="-122"/>
+            </a:endParaRPr>
+          </a:p>
+          <a:p>
+            <a:pPr marL="0" lvl="0" indent="457200">
+              <a:buNone/>
+            </a:pPr>
+            <a:endParaRPr lang="zh-CN" altLang="en-US" sz="1600" dirty="0">
+              <a:solidFill>
+                <a:schemeClr val="tx1"/>
+              </a:solidFill>
+              <a:latin typeface="微软雅黑" panose="020B0503020204020204" charset="-122"/>
+              <a:ea typeface="微软雅黑" panose="020B0503020204020204" charset="-122"/>
+            </a:endParaRPr>
+          </a:p>
+          <a:p>
+            <a:pPr marL="0" lvl="0" indent="457200">
+              <a:buNone/>
+            </a:pPr>
+            <a:endParaRPr lang="zh-CN" altLang="en-US" sz="1600" dirty="0">
+              <a:solidFill>
+                <a:schemeClr val="tx1"/>
+              </a:solidFill>
+              <a:latin typeface="微软雅黑" panose="020B0503020204020204" charset="-122"/>
+              <a:ea typeface="微软雅黑" panose="020B0503020204020204" charset="-122"/>
+            </a:endParaRPr>
+          </a:p>
+          <a:p>
+            <a:pPr marL="0" lvl="0" indent="457200">
+              <a:buNone/>
+            </a:pPr>
+            <a:endParaRPr lang="zh-CN" altLang="en-US" sz="1600" dirty="0">
+              <a:solidFill>
+                <a:schemeClr val="tx1"/>
+              </a:solidFill>
+              <a:latin typeface="微软雅黑" panose="020B0503020204020204" charset="-122"/>
+              <a:ea typeface="微软雅黑" panose="020B0503020204020204" charset="-122"/>
+            </a:endParaRPr>
+          </a:p>
+          <a:p>
+            <a:pPr marL="0" lvl="0" indent="457200">
+              <a:buNone/>
+            </a:pPr>
+            <a:endParaRPr lang="zh-CN" altLang="en-US" sz="1600" dirty="0">
+              <a:solidFill>
+                <a:schemeClr val="tx1"/>
+              </a:solidFill>
+              <a:latin typeface="微软雅黑" panose="020B0503020204020204" charset="-122"/>
+              <a:ea typeface="微软雅黑" panose="020B0503020204020204" charset="-122"/>
+            </a:endParaRPr>
+          </a:p>
+          <a:p>
+            <a:pPr marL="0" lvl="0" indent="457200">
+              <a:buNone/>
+            </a:pPr>
+            <a:endParaRPr lang="zh-CN" altLang="en-US" sz="1600" dirty="0">
+              <a:solidFill>
+                <a:schemeClr val="tx1"/>
+              </a:solidFill>
+              <a:latin typeface="微软雅黑" panose="020B0503020204020204" charset="-122"/>
+              <a:ea typeface="微软雅黑" panose="020B0503020204020204" charset="-122"/>
+            </a:endParaRPr>
+          </a:p>
+          <a:p>
+            <a:pPr marL="0" lvl="0" indent="457200">
+              <a:buNone/>
+            </a:pPr>
+            <a:endParaRPr lang="zh-CN" altLang="en-US" sz="1600" dirty="0">
+              <a:solidFill>
+                <a:schemeClr val="tx1"/>
+              </a:solidFill>
+              <a:latin typeface="微软雅黑" panose="020B0503020204020204" charset="-122"/>
+              <a:ea typeface="微软雅黑" panose="020B0503020204020204" charset="-122"/>
+            </a:endParaRPr>
+          </a:p>
+          <a:p>
+            <a:pPr marL="0" lvl="0" indent="457200">
+              <a:buNone/>
+            </a:pPr>
+            <a:endParaRPr lang="zh-CN" altLang="en-US" sz="1600" dirty="0">
+              <a:solidFill>
+                <a:schemeClr val="tx1"/>
+              </a:solidFill>
+              <a:latin typeface="微软雅黑" panose="020B0503020204020204" charset="-122"/>
+              <a:ea typeface="微软雅黑" panose="020B0503020204020204" charset="-122"/>
+            </a:endParaRPr>
+          </a:p>
+          <a:p>
+            <a:pPr marL="0" lvl="0" indent="457200">
+              <a:buNone/>
+            </a:pPr>
+            <a:r>
+              <a:rPr lang="zh-CN" altLang="en-US" sz="1600" dirty="0">
+                <a:solidFill>
+                  <a:schemeClr val="tx1"/>
+                </a:solidFill>
+                <a:latin typeface="微软雅黑" panose="020B0503020204020204" charset="-122"/>
+                <a:ea typeface="微软雅黑" panose="020B0503020204020204" charset="-122"/>
+              </a:rPr>
+              <a:t>至于</a:t>
+            </a:r>
+            <a:r>
+              <a:rPr lang="en-US" altLang="zh-CN" sz="1600" dirty="0">
+                <a:solidFill>
+                  <a:schemeClr val="tx1"/>
+                </a:solidFill>
+                <a:latin typeface="微软雅黑" panose="020B0503020204020204" charset="-122"/>
+                <a:ea typeface="微软雅黑" panose="020B0503020204020204" charset="-122"/>
+              </a:rPr>
+              <a:t>github</a:t>
+            </a:r>
+            <a:r>
+              <a:rPr lang="zh-CN" altLang="en-US" sz="1600" dirty="0">
+                <a:solidFill>
+                  <a:schemeClr val="tx1"/>
+                </a:solidFill>
+                <a:latin typeface="微软雅黑" panose="020B0503020204020204" charset="-122"/>
+                <a:ea typeface="微软雅黑" panose="020B0503020204020204" charset="-122"/>
+              </a:rPr>
+              <a:t>上公开的前列腺癌症超声数据集，搜索为</a:t>
+            </a:r>
+            <a:r>
+              <a:rPr lang="en-US" altLang="zh-CN" sz="1600" dirty="0">
+                <a:solidFill>
+                  <a:schemeClr val="tx1"/>
+                </a:solidFill>
+                <a:latin typeface="微软雅黑" panose="020B0503020204020204" charset="-122"/>
+                <a:ea typeface="微软雅黑" panose="020B0503020204020204" charset="-122"/>
+              </a:rPr>
+              <a:t>0</a:t>
+            </a:r>
+            <a:endParaRPr lang="en-US" altLang="zh-CN" sz="1600" dirty="0">
+              <a:solidFill>
+                <a:schemeClr val="tx1"/>
+              </a:solidFill>
+              <a:latin typeface="微软雅黑" panose="020B0503020204020204" charset="-122"/>
+              <a:ea typeface="微软雅黑" panose="020B0503020204020204" charset="-122"/>
+            </a:endParaRPr>
+          </a:p>
+        </p:txBody>
+      </p:sp>
+      <p:pic>
+        <p:nvPicPr>
+          <p:cNvPr id="9" name="图片 8"/>
+          <p:cNvPicPr>
+            <a:picLocks noChangeAspect="1"/>
+          </p:cNvPicPr>
+          <p:nvPr/>
+        </p:nvPicPr>
+        <p:blipFill>
+          <a:blip r:embed="rId3"/>
+          <a:stretch>
+            <a:fillRect/>
+          </a:stretch>
+        </p:blipFill>
+        <p:spPr>
+          <a:xfrm>
+            <a:off x="2972435" y="1909445"/>
+            <a:ext cx="5965825" cy="1869440"/>
+          </a:xfrm>
+          <a:prstGeom prst="rect">
+            <a:avLst/>
+          </a:prstGeom>
+        </p:spPr>
+      </p:pic>
+      <p:pic>
+        <p:nvPicPr>
+          <p:cNvPr id="11" name="图片 10"/>
+          <p:cNvPicPr>
+            <a:picLocks noChangeAspect="1"/>
+          </p:cNvPicPr>
+          <p:nvPr/>
+        </p:nvPicPr>
+        <p:blipFill>
+          <a:blip r:embed="rId4"/>
+          <a:stretch>
+            <a:fillRect/>
+          </a:stretch>
+        </p:blipFill>
+        <p:spPr>
+          <a:xfrm>
+            <a:off x="567055" y="4749800"/>
+            <a:ext cx="11058525" cy="1607820"/>
+          </a:xfrm>
+          <a:prstGeom prst="rect">
+            <a:avLst/>
+          </a:prstGeom>
+        </p:spPr>
+      </p:pic>
+    </p:spTree>
+  </p:cSld>
+  <p:clrMapOvr>
+    <a:masterClrMapping/>
+  </p:clrMapOvr>
+</p:sld>
+</file>
+
+<file path=ppt/slides/slide16.xml><?xml version="1.0" encoding="utf-8"?>
+<p:sld xmlns:a="http://schemas.openxmlformats.org/drawingml/2006/main" xmlns:r="http://schemas.openxmlformats.org/officeDocument/2006/relationships" xmlns:p="http://schemas.openxmlformats.org/presentationml/2006/main">
+  <p:cSld>
+    <p:spTree>
+      <p:nvGrpSpPr>
+        <p:cNvPr id="1" name=""/>
+        <p:cNvGrpSpPr/>
+        <p:nvPr/>
+      </p:nvGrpSpPr>
+      <p:grpSpPr>
+        <a:xfrm>
+          <a:off x="0" y="0"/>
+          <a:ext cx="0" cy="0"/>
+          <a:chOff x="0" y="0"/>
+          <a:chExt cx="0" cy="0"/>
+        </a:xfrm>
+      </p:grpSpPr>
+      <p:sp>
+        <p:nvSpPr>
+          <p:cNvPr id="7" name="文本框 6"/>
+          <p:cNvSpPr txBox="1"/>
+          <p:nvPr/>
+        </p:nvSpPr>
+        <p:spPr>
+          <a:xfrm>
+            <a:off x="724535" y="1323340"/>
+            <a:ext cx="2247900" cy="410845"/>
+          </a:xfrm>
+          <a:prstGeom prst="rect">
+            <a:avLst/>
+          </a:prstGeom>
+          <a:noFill/>
+        </p:spPr>
+        <p:txBody>
+          <a:bodyPr wrap="square">
+            <a:noAutofit/>
+          </a:bodyPr>
+          <a:lstStyle/>
+          <a:p>
+            <a:pPr algn="l" fontAlgn="auto">
+              <a:lnSpc>
+                <a:spcPts val="2200"/>
+              </a:lnSpc>
+              <a:buClrTx/>
+              <a:buSzTx/>
+              <a:buNone/>
+            </a:pPr>
+            <a:endParaRPr lang="zh-CN" altLang="en-US" sz="1600" dirty="0">
+              <a:latin typeface="微软雅黑" panose="020B0503020204020204" charset="-122"/>
+              <a:ea typeface="微软雅黑" panose="020B0503020204020204" charset="-122"/>
+            </a:endParaRPr>
+          </a:p>
+        </p:txBody>
+      </p:sp>
+      <p:sp>
+        <p:nvSpPr>
+          <p:cNvPr id="3" name="矩形 2"/>
+          <p:cNvSpPr/>
+          <p:nvPr>
+            <p:custDataLst>
+              <p:tags r:id="rId1"/>
+            </p:custDataLst>
+          </p:nvPr>
+        </p:nvSpPr>
+        <p:spPr>
+          <a:xfrm>
+            <a:off x="-6350" y="0"/>
+            <a:ext cx="12198350" cy="540000"/>
+          </a:xfrm>
+          <a:prstGeom prst="rect">
+            <a:avLst/>
+          </a:prstGeom>
+          <a:solidFill>
+            <a:srgbClr val="A099CB"/>
+          </a:solidFill>
+          <a:ln>
+            <a:noFill/>
+          </a:ln>
+        </p:spPr>
+        <p:style>
+          <a:lnRef idx="2">
+            <a:schemeClr val="accent1">
+              <a:shade val="50000"/>
+            </a:schemeClr>
+          </a:lnRef>
+          <a:fillRef idx="1">
+            <a:schemeClr val="accent1"/>
+          </a:fillRef>
+          <a:effectRef idx="0">
+            <a:schemeClr val="accent1"/>
+          </a:effectRef>
+          <a:fontRef idx="minor">
+            <a:schemeClr val="lt1"/>
+          </a:fontRef>
+        </p:style>
+        <p:txBody>
+          <a:bodyPr rtlCol="0" anchor="ctr"/>
+          <a:p>
+            <a:pPr marL="0" marR="0" lvl="0" indent="0" algn="ctr" defTabSz="914400" rtl="0" eaLnBrk="1" fontAlgn="auto" latinLnBrk="0" hangingPunct="1">
+              <a:lnSpc>
+                <a:spcPct val="100000"/>
+              </a:lnSpc>
+              <a:spcBef>
+                <a:spcPts val="0"/>
+              </a:spcBef>
+              <a:spcAft>
+                <a:spcPts val="0"/>
+              </a:spcAft>
+              <a:buClrTx/>
+              <a:buSzTx/>
+              <a:buFontTx/>
+              <a:buNone/>
+              <a:defRPr/>
+            </a:pPr>
+            <a:r>
+              <a:rPr lang="en-US" altLang="zh-CN" sz="1800" dirty="0">
+                <a:effectLst/>
+                <a:latin typeface="微软雅黑" panose="020B0503020204020204" charset="-122"/>
+                <a:ea typeface="微软雅黑" panose="020B0503020204020204" charset="-122"/>
+              </a:rPr>
+              <a:t>2.</a:t>
+            </a:r>
+            <a:r>
+              <a:rPr lang="zh-CN" altLang="en-US" sz="1800" dirty="0">
+                <a:effectLst/>
+                <a:latin typeface="微软雅黑" panose="020B0503020204020204" charset="-122"/>
+                <a:ea typeface="微软雅黑" panose="020B0503020204020204" charset="-122"/>
+              </a:rPr>
+              <a:t>自己总结</a:t>
+            </a:r>
+            <a:endParaRPr lang="zh-CN" altLang="en-US" sz="1800" dirty="0">
+              <a:effectLst/>
+              <a:latin typeface="微软雅黑" panose="020B0503020204020204" charset="-122"/>
+              <a:ea typeface="微软雅黑" panose="020B0503020204020204" charset="-122"/>
+            </a:endParaRPr>
+          </a:p>
+        </p:txBody>
+      </p:sp>
+      <p:sp>
+        <p:nvSpPr>
+          <p:cNvPr id="8" name="文本框 7"/>
+          <p:cNvSpPr txBox="1"/>
+          <p:nvPr>
+            <p:custDataLst>
+              <p:tags r:id="rId2"/>
+            </p:custDataLst>
+          </p:nvPr>
+        </p:nvSpPr>
+        <p:spPr>
+          <a:xfrm>
+            <a:off x="106680" y="594360"/>
+            <a:ext cx="11736705" cy="506730"/>
+          </a:xfrm>
+          <a:prstGeom prst="rect">
+            <a:avLst/>
+          </a:prstGeom>
+          <a:noFill/>
+        </p:spPr>
+        <p:txBody>
+          <a:bodyPr wrap="square" rtlCol="0">
+            <a:spAutoFit/>
+          </a:bodyPr>
+          <a:p>
+            <a:pPr marL="285750" indent="-285750">
+              <a:lnSpc>
+                <a:spcPct val="150000"/>
+              </a:lnSpc>
+              <a:buFont typeface="Wingdings" panose="05000000000000000000" charset="0"/>
+              <a:buChar char="p"/>
+            </a:pPr>
+            <a:r>
+              <a:rPr lang="en-US" altLang="zh-CN" b="1" dirty="0">
+                <a:latin typeface="微软雅黑" panose="020B0503020204020204" charset="-122"/>
+                <a:ea typeface="微软雅黑" panose="020B0503020204020204" charset="-122"/>
+              </a:rPr>
+              <a:t>google scholar</a:t>
+            </a:r>
+            <a:r>
+              <a:rPr lang="zh-CN" altLang="en-US" b="1" dirty="0">
+                <a:latin typeface="微软雅黑" panose="020B0503020204020204" charset="-122"/>
+                <a:ea typeface="微软雅黑" panose="020B0503020204020204" charset="-122"/>
+              </a:rPr>
+              <a:t>上相关工作：通过关键词</a:t>
+            </a:r>
+            <a:r>
+              <a:rPr lang="en-US" altLang="zh-CN" b="1" dirty="0">
+                <a:latin typeface="微软雅黑" panose="020B0503020204020204" charset="-122"/>
+                <a:ea typeface="微软雅黑" panose="020B0503020204020204" charset="-122"/>
+              </a:rPr>
+              <a:t>“prostate cancer “ ”ultrasound”</a:t>
+            </a:r>
+            <a:endParaRPr lang="en-US" altLang="zh-CN" b="1" dirty="0">
+              <a:latin typeface="微软雅黑" panose="020B0503020204020204" charset="-122"/>
+              <a:ea typeface="微软雅黑" panose="020B0503020204020204" charset="-122"/>
+            </a:endParaRPr>
+          </a:p>
+        </p:txBody>
+      </p:sp>
+      <p:sp>
+        <p:nvSpPr>
+          <p:cNvPr id="10" name="文本框 9"/>
+          <p:cNvSpPr txBox="1"/>
+          <p:nvPr/>
+        </p:nvSpPr>
+        <p:spPr>
+          <a:xfrm>
+            <a:off x="286385" y="1155700"/>
+            <a:ext cx="7369175" cy="1423670"/>
+          </a:xfrm>
+          <a:prstGeom prst="rect">
+            <a:avLst/>
+          </a:prstGeom>
+          <a:noFill/>
+        </p:spPr>
+        <p:txBody>
+          <a:bodyPr wrap="square" rtlCol="0">
+            <a:noAutofit/>
+          </a:bodyPr>
+          <a:p>
+            <a:pPr marL="0" lvl="0" indent="457200">
+              <a:buNone/>
+            </a:pPr>
+            <a:r>
+              <a:rPr lang="zh-CN" altLang="en-US" sz="1600" dirty="0">
+                <a:solidFill>
+                  <a:schemeClr val="tx1"/>
+                </a:solidFill>
+                <a:latin typeface="微软雅黑" panose="020B0503020204020204" charset="-122"/>
+                <a:ea typeface="微软雅黑" panose="020B0503020204020204" charset="-122"/>
+              </a:rPr>
+              <a:t>数据集公开的超声影像比较少，大部分相关工作都是私有数据集，比较多出现的公开的是</a:t>
+            </a:r>
+            <a:r>
+              <a:rPr lang="zh-CN" altLang="en-US" sz="1600" b="1" dirty="0">
+                <a:solidFill>
+                  <a:schemeClr val="tx1"/>
+                </a:solidFill>
+                <a:latin typeface="微软雅黑" panose="020B0503020204020204" charset="-122"/>
+                <a:ea typeface="微软雅黑" panose="020B0503020204020204" charset="-122"/>
+              </a:rPr>
+              <a:t>公开可用的磁共振成像（</a:t>
+            </a:r>
+            <a:r>
+              <a:rPr lang="en-US" altLang="zh-CN" sz="1600" b="1" dirty="0">
+                <a:solidFill>
+                  <a:schemeClr val="tx1"/>
+                </a:solidFill>
+                <a:latin typeface="微软雅黑" panose="020B0503020204020204" charset="-122"/>
+                <a:ea typeface="微软雅黑" panose="020B0503020204020204" charset="-122"/>
+              </a:rPr>
+              <a:t>MRI</a:t>
+            </a:r>
+            <a:r>
+              <a:rPr lang="zh-CN" altLang="en-US" sz="1600" b="1" dirty="0">
+                <a:solidFill>
+                  <a:schemeClr val="tx1"/>
+                </a:solidFill>
+                <a:latin typeface="微软雅黑" panose="020B0503020204020204" charset="-122"/>
+                <a:ea typeface="微软雅黑" panose="020B0503020204020204" charset="-122"/>
+              </a:rPr>
+              <a:t>）数据集</a:t>
+            </a:r>
+            <a:r>
+              <a:rPr lang="zh-CN" altLang="en-US" sz="1600" dirty="0">
+                <a:latin typeface="微软雅黑" panose="020B0503020204020204" charset="-122"/>
+                <a:ea typeface="微软雅黑" panose="020B0503020204020204" charset="-122"/>
+                <a:sym typeface="+mn-ea"/>
+              </a:rPr>
+              <a:t>，不过在一个竞赛网站</a:t>
+            </a:r>
+            <a:endParaRPr lang="zh-CN" altLang="en-US" sz="1600" dirty="0">
+              <a:latin typeface="微软雅黑" panose="020B0503020204020204" charset="-122"/>
+              <a:ea typeface="微软雅黑" panose="020B0503020204020204" charset="-122"/>
+              <a:sym typeface="+mn-ea"/>
+            </a:endParaRPr>
+          </a:p>
+          <a:p>
+            <a:pPr marL="0" lvl="0" indent="457200">
+              <a:buNone/>
+            </a:pPr>
+            <a:r>
+              <a:rPr lang="en-US" altLang="zh-CN" sz="1600" dirty="0">
+                <a:latin typeface="微软雅黑" panose="020B0503020204020204" charset="-122"/>
+                <a:ea typeface="微软雅黑" panose="020B0503020204020204" charset="-122"/>
+                <a:sym typeface="+mn-ea"/>
+              </a:rPr>
+              <a:t>https://zenodo.org/records/8004388</a:t>
+            </a:r>
+            <a:endParaRPr lang="en-US" altLang="zh-CN" sz="1600" dirty="0">
+              <a:latin typeface="微软雅黑" panose="020B0503020204020204" charset="-122"/>
+              <a:ea typeface="微软雅黑" panose="020B0503020204020204" charset="-122"/>
+              <a:sym typeface="+mn-ea"/>
+            </a:endParaRPr>
+          </a:p>
+          <a:p>
+            <a:pPr marL="0" lvl="0" indent="457200">
+              <a:buNone/>
+            </a:pPr>
+            <a:r>
+              <a:rPr lang="zh-CN" altLang="en-US" sz="1600" dirty="0">
+                <a:latin typeface="微软雅黑" panose="020B0503020204020204" charset="-122"/>
+                <a:ea typeface="微软雅黑" panose="020B0503020204020204" charset="-122"/>
+                <a:sym typeface="+mn-ea"/>
+              </a:rPr>
+              <a:t>找到了相关的数据，包括病灶的</a:t>
+            </a:r>
+            <a:r>
+              <a:rPr lang="en-US" altLang="zh-CN" sz="1600" dirty="0">
+                <a:latin typeface="微软雅黑" panose="020B0503020204020204" charset="-122"/>
+                <a:ea typeface="微软雅黑" panose="020B0503020204020204" charset="-122"/>
+                <a:sym typeface="+mn-ea"/>
+              </a:rPr>
+              <a:t>ground-truth</a:t>
+            </a:r>
+            <a:r>
+              <a:rPr lang="zh-CN" altLang="en-US" sz="1600" dirty="0">
+                <a:latin typeface="微软雅黑" panose="020B0503020204020204" charset="-122"/>
+                <a:ea typeface="微软雅黑" panose="020B0503020204020204" charset="-122"/>
+                <a:sym typeface="+mn-ea"/>
+              </a:rPr>
+              <a:t>。</a:t>
+            </a:r>
+            <a:endParaRPr lang="zh-CN" altLang="en-US" sz="1600" b="1" dirty="0">
+              <a:solidFill>
+                <a:schemeClr val="tx1"/>
+              </a:solidFill>
+              <a:latin typeface="微软雅黑" panose="020B0503020204020204" charset="-122"/>
+              <a:ea typeface="微软雅黑" panose="020B0503020204020204" charset="-122"/>
+              <a:sym typeface="+mn-ea"/>
+            </a:endParaRPr>
+          </a:p>
+        </p:txBody>
+      </p:sp>
+      <p:pic>
+        <p:nvPicPr>
+          <p:cNvPr id="2" name="图片 1"/>
+          <p:cNvPicPr>
+            <a:picLocks noChangeAspect="1"/>
+          </p:cNvPicPr>
+          <p:nvPr/>
+        </p:nvPicPr>
+        <p:blipFill>
+          <a:blip r:embed="rId3"/>
+          <a:stretch>
+            <a:fillRect/>
+          </a:stretch>
+        </p:blipFill>
+        <p:spPr>
+          <a:xfrm>
+            <a:off x="7827010" y="1155700"/>
+            <a:ext cx="4016375" cy="767715"/>
+          </a:xfrm>
+          <a:prstGeom prst="rect">
+            <a:avLst/>
+          </a:prstGeom>
+        </p:spPr>
+      </p:pic>
+      <p:pic>
+        <p:nvPicPr>
+          <p:cNvPr id="4" name="图片 3"/>
+          <p:cNvPicPr>
+            <a:picLocks noChangeAspect="1"/>
+          </p:cNvPicPr>
+          <p:nvPr/>
+        </p:nvPicPr>
+        <p:blipFill>
+          <a:blip r:embed="rId4"/>
+          <a:stretch>
+            <a:fillRect/>
+          </a:stretch>
+        </p:blipFill>
+        <p:spPr>
+          <a:xfrm>
+            <a:off x="7827010" y="2744470"/>
+            <a:ext cx="4091940" cy="1369695"/>
+          </a:xfrm>
+          <a:prstGeom prst="rect">
+            <a:avLst/>
+          </a:prstGeom>
+        </p:spPr>
+      </p:pic>
+      <p:pic>
+        <p:nvPicPr>
+          <p:cNvPr id="5" name="图片 4"/>
+          <p:cNvPicPr>
+            <a:picLocks noChangeAspect="1"/>
+          </p:cNvPicPr>
+          <p:nvPr/>
+        </p:nvPicPr>
+        <p:blipFill>
+          <a:blip r:embed="rId5"/>
+          <a:stretch>
+            <a:fillRect/>
+          </a:stretch>
+        </p:blipFill>
+        <p:spPr>
+          <a:xfrm>
+            <a:off x="7827010" y="4785995"/>
+            <a:ext cx="4267835" cy="538480"/>
+          </a:xfrm>
+          <a:prstGeom prst="rect">
+            <a:avLst/>
+          </a:prstGeom>
+        </p:spPr>
+      </p:pic>
+      <p:pic>
+        <p:nvPicPr>
+          <p:cNvPr id="6" name="图片 5"/>
+          <p:cNvPicPr>
+            <a:picLocks noChangeAspect="1"/>
+          </p:cNvPicPr>
+          <p:nvPr/>
+        </p:nvPicPr>
+        <p:blipFill>
+          <a:blip r:embed="rId6"/>
+          <a:stretch>
+            <a:fillRect/>
+          </a:stretch>
+        </p:blipFill>
+        <p:spPr>
+          <a:xfrm>
+            <a:off x="425450" y="2408555"/>
+            <a:ext cx="6139815" cy="3470275"/>
+          </a:xfrm>
+          <a:prstGeom prst="rect">
+            <a:avLst/>
+          </a:prstGeom>
+        </p:spPr>
+      </p:pic>
+    </p:spTree>
+  </p:cSld>
+  <p:clrMapOvr>
+    <a:masterClrMapping/>
+  </p:clrMapOvr>
+</p:sld>
+</file>
+
+<file path=ppt/slides/slide17.xml><?xml version="1.0" encoding="utf-8"?>
+<p:sld xmlns:a="http://schemas.openxmlformats.org/drawingml/2006/main" xmlns:r="http://schemas.openxmlformats.org/officeDocument/2006/relationships" xmlns:p="http://schemas.openxmlformats.org/presentationml/2006/main">
+  <p:cSld>
+    <p:spTree>
+      <p:nvGrpSpPr>
+        <p:cNvPr id="1" name=""/>
+        <p:cNvGrpSpPr/>
+        <p:nvPr/>
+      </p:nvGrpSpPr>
+      <p:grpSpPr>
+        <a:xfrm>
+          <a:off x="0" y="0"/>
+          <a:ext cx="0" cy="0"/>
+          <a:chOff x="0" y="0"/>
+          <a:chExt cx="0" cy="0"/>
+        </a:xfrm>
+      </p:grpSpPr>
+      <p:sp>
+        <p:nvSpPr>
+          <p:cNvPr id="7" name="文本框 6"/>
+          <p:cNvSpPr txBox="1"/>
+          <p:nvPr/>
+        </p:nvSpPr>
+        <p:spPr>
+          <a:xfrm>
+            <a:off x="724535" y="1323340"/>
+            <a:ext cx="2247900" cy="410845"/>
+          </a:xfrm>
+          <a:prstGeom prst="rect">
+            <a:avLst/>
+          </a:prstGeom>
+          <a:noFill/>
+        </p:spPr>
+        <p:txBody>
+          <a:bodyPr wrap="square">
+            <a:noAutofit/>
+          </a:bodyPr>
+          <a:lstStyle/>
+          <a:p>
+            <a:pPr algn="l" fontAlgn="auto">
+              <a:lnSpc>
+                <a:spcPts val="2200"/>
+              </a:lnSpc>
+              <a:buClrTx/>
+              <a:buSzTx/>
+              <a:buNone/>
+            </a:pPr>
+            <a:endParaRPr lang="zh-CN" altLang="en-US" sz="1600" dirty="0">
+              <a:latin typeface="微软雅黑" panose="020B0503020204020204" charset="-122"/>
+              <a:ea typeface="微软雅黑" panose="020B0503020204020204" charset="-122"/>
+            </a:endParaRPr>
+          </a:p>
+        </p:txBody>
+      </p:sp>
+      <p:sp>
+        <p:nvSpPr>
+          <p:cNvPr id="3" name="矩形 2"/>
+          <p:cNvSpPr/>
+          <p:nvPr>
+            <p:custDataLst>
+              <p:tags r:id="rId1"/>
+            </p:custDataLst>
+          </p:nvPr>
+        </p:nvSpPr>
+        <p:spPr>
+          <a:xfrm>
+            <a:off x="-6350" y="0"/>
+            <a:ext cx="12198350" cy="540000"/>
+          </a:xfrm>
+          <a:prstGeom prst="rect">
+            <a:avLst/>
+          </a:prstGeom>
+          <a:solidFill>
+            <a:srgbClr val="A099CB"/>
+          </a:solidFill>
+          <a:ln>
+            <a:noFill/>
+          </a:ln>
+        </p:spPr>
+        <p:style>
+          <a:lnRef idx="2">
+            <a:schemeClr val="accent1">
+              <a:shade val="50000"/>
+            </a:schemeClr>
+          </a:lnRef>
+          <a:fillRef idx="1">
+            <a:schemeClr val="accent1"/>
+          </a:fillRef>
+          <a:effectRef idx="0">
+            <a:schemeClr val="accent1"/>
+          </a:effectRef>
+          <a:fontRef idx="minor">
+            <a:schemeClr val="lt1"/>
+          </a:fontRef>
+        </p:style>
+        <p:txBody>
+          <a:bodyPr rtlCol="0" anchor="ctr"/>
+          <a:p>
+            <a:pPr marL="0" marR="0" lvl="0" indent="0" algn="ctr" defTabSz="914400" rtl="0" eaLnBrk="1" fontAlgn="auto" latinLnBrk="0" hangingPunct="1">
+              <a:lnSpc>
+                <a:spcPct val="100000"/>
+              </a:lnSpc>
+              <a:spcBef>
+                <a:spcPts val="0"/>
+              </a:spcBef>
+              <a:spcAft>
+                <a:spcPts val="0"/>
+              </a:spcAft>
+              <a:buClrTx/>
+              <a:buSzTx/>
+              <a:buFontTx/>
+              <a:buNone/>
+              <a:defRPr/>
+            </a:pPr>
+            <a:r>
+              <a:rPr lang="en-US" altLang="zh-CN" sz="1800" dirty="0">
+                <a:effectLst/>
+                <a:latin typeface="微软雅黑" panose="020B0503020204020204" charset="-122"/>
+                <a:ea typeface="微软雅黑" panose="020B0503020204020204" charset="-122"/>
+              </a:rPr>
+              <a:t>2.</a:t>
+            </a:r>
+            <a:r>
+              <a:rPr lang="zh-CN" altLang="en-US" sz="1800" dirty="0">
+                <a:effectLst/>
+                <a:latin typeface="微软雅黑" panose="020B0503020204020204" charset="-122"/>
+                <a:ea typeface="微软雅黑" panose="020B0503020204020204" charset="-122"/>
+              </a:rPr>
+              <a:t>自己总结</a:t>
+            </a:r>
+            <a:endParaRPr lang="zh-CN" altLang="en-US" sz="1800" dirty="0">
+              <a:effectLst/>
+              <a:latin typeface="微软雅黑" panose="020B0503020204020204" charset="-122"/>
+              <a:ea typeface="微软雅黑" panose="020B0503020204020204" charset="-122"/>
+            </a:endParaRPr>
+          </a:p>
+        </p:txBody>
+      </p:sp>
+      <p:sp>
+        <p:nvSpPr>
+          <p:cNvPr id="8" name="文本框 7"/>
+          <p:cNvSpPr txBox="1"/>
+          <p:nvPr>
+            <p:custDataLst>
+              <p:tags r:id="rId2"/>
+            </p:custDataLst>
+          </p:nvPr>
+        </p:nvSpPr>
+        <p:spPr>
+          <a:xfrm>
+            <a:off x="106680" y="594360"/>
+            <a:ext cx="11736705" cy="506730"/>
+          </a:xfrm>
+          <a:prstGeom prst="rect">
+            <a:avLst/>
+          </a:prstGeom>
+          <a:noFill/>
+        </p:spPr>
+        <p:txBody>
+          <a:bodyPr wrap="square" rtlCol="0">
+            <a:spAutoFit/>
+          </a:bodyPr>
+          <a:p>
+            <a:pPr marL="285750" indent="-285750">
+              <a:lnSpc>
+                <a:spcPct val="150000"/>
+              </a:lnSpc>
+              <a:buFont typeface="Wingdings" panose="05000000000000000000" charset="0"/>
+              <a:buChar char="p"/>
+            </a:pPr>
+            <a:r>
+              <a:rPr lang="zh-CN" altLang="en-US" b="1" dirty="0">
+                <a:latin typeface="微软雅黑" panose="020B0503020204020204" charset="-122"/>
+                <a:ea typeface="微软雅黑" panose="020B0503020204020204" charset="-122"/>
+              </a:rPr>
+              <a:t>调研总结</a:t>
+            </a:r>
+            <a:endParaRPr lang="zh-CN" altLang="en-US" b="1" dirty="0">
+              <a:latin typeface="微软雅黑" panose="020B0503020204020204" charset="-122"/>
+              <a:ea typeface="微软雅黑" panose="020B0503020204020204" charset="-122"/>
+            </a:endParaRPr>
+          </a:p>
+        </p:txBody>
+      </p:sp>
+      <p:sp>
+        <p:nvSpPr>
+          <p:cNvPr id="10" name="文本框 9"/>
+          <p:cNvSpPr txBox="1"/>
+          <p:nvPr/>
+        </p:nvSpPr>
+        <p:spPr>
+          <a:xfrm>
+            <a:off x="286385" y="1155700"/>
+            <a:ext cx="10983595" cy="1423670"/>
+          </a:xfrm>
+          <a:prstGeom prst="rect">
+            <a:avLst/>
+          </a:prstGeom>
+          <a:noFill/>
+        </p:spPr>
+        <p:txBody>
+          <a:bodyPr wrap="square" rtlCol="0">
+            <a:noAutofit/>
+          </a:bodyPr>
+          <a:p>
+            <a:pPr marL="0" lvl="0" indent="457200">
+              <a:buNone/>
+            </a:pPr>
+            <a:r>
+              <a:rPr lang="zh-CN" altLang="en-US" sz="1600" dirty="0">
+                <a:solidFill>
+                  <a:schemeClr val="tx1"/>
+                </a:solidFill>
+                <a:latin typeface="微软雅黑" panose="020B0503020204020204" charset="-122"/>
+                <a:ea typeface="微软雅黑" panose="020B0503020204020204" charset="-122"/>
+              </a:rPr>
+              <a:t>很多关于</a:t>
+            </a:r>
+            <a:r>
+              <a:rPr lang="en-US" altLang="zh-CN" sz="1600" dirty="0">
+                <a:solidFill>
+                  <a:schemeClr val="tx1"/>
+                </a:solidFill>
+                <a:latin typeface="微软雅黑" panose="020B0503020204020204" charset="-122"/>
+                <a:ea typeface="微软雅黑" panose="020B0503020204020204" charset="-122"/>
+              </a:rPr>
+              <a:t>micro-ultrasound</a:t>
+            </a:r>
+            <a:r>
+              <a:rPr lang="zh-CN" altLang="en-US" sz="1600" dirty="0">
+                <a:solidFill>
+                  <a:schemeClr val="tx1"/>
+                </a:solidFill>
+                <a:latin typeface="微软雅黑" panose="020B0503020204020204" charset="-122"/>
+                <a:ea typeface="微软雅黑" panose="020B0503020204020204" charset="-122"/>
+              </a:rPr>
+              <a:t>的工作：</a:t>
+            </a:r>
+            <a:endParaRPr lang="zh-CN" altLang="en-US" sz="1600" dirty="0">
+              <a:solidFill>
+                <a:schemeClr val="tx1"/>
+              </a:solidFill>
+              <a:latin typeface="微软雅黑" panose="020B0503020204020204" charset="-122"/>
+              <a:ea typeface="微软雅黑" panose="020B0503020204020204" charset="-122"/>
+            </a:endParaRPr>
+          </a:p>
+          <a:p>
+            <a:pPr marL="0" lvl="0" indent="457200">
+              <a:buNone/>
+            </a:pPr>
+            <a:r>
+              <a:rPr lang="en-US" altLang="zh-CN" sz="1600" b="1" dirty="0">
+                <a:solidFill>
+                  <a:schemeClr val="tx1"/>
+                </a:solidFill>
+                <a:latin typeface="微软雅黑" panose="020B0503020204020204" charset="-122"/>
+                <a:ea typeface="微软雅黑" panose="020B0503020204020204" charset="-122"/>
+              </a:rPr>
+              <a:t>1.Benchmarking image transformers for prostate cancer detection from ultrasound data</a:t>
+            </a:r>
+            <a:endParaRPr lang="en-US" altLang="zh-CN" sz="1600" b="1" dirty="0">
+              <a:solidFill>
+                <a:schemeClr val="tx1"/>
+              </a:solidFill>
+              <a:latin typeface="微软雅黑" panose="020B0503020204020204" charset="-122"/>
+              <a:ea typeface="微软雅黑" panose="020B0503020204020204" charset="-122"/>
+            </a:endParaRPr>
+          </a:p>
+          <a:p>
+            <a:pPr marL="0" lvl="0" indent="457200">
+              <a:buNone/>
+            </a:pPr>
+            <a:r>
+              <a:rPr lang="en-US" altLang="zh-CN" sz="1600" b="1" dirty="0">
+                <a:solidFill>
+                  <a:schemeClr val="tx1"/>
+                </a:solidFill>
+                <a:latin typeface="微软雅黑" panose="020B0503020204020204" charset="-122"/>
+                <a:ea typeface="微软雅黑" panose="020B0503020204020204" charset="-122"/>
+              </a:rPr>
+              <a:t>2.ProstNFound: Integrating Foundation Models with Ultrasound Domain Knowledge and Clinical Context for Robust Prostate Cancer Detection</a:t>
+            </a:r>
+            <a:endParaRPr lang="en-US" altLang="zh-CN" sz="1600" b="1" dirty="0">
+              <a:solidFill>
+                <a:schemeClr val="tx1"/>
+              </a:solidFill>
+              <a:latin typeface="微软雅黑" panose="020B0503020204020204" charset="-122"/>
+              <a:ea typeface="微软雅黑" panose="020B0503020204020204" charset="-122"/>
+            </a:endParaRPr>
+          </a:p>
+          <a:p>
+            <a:pPr marL="0" lvl="0" indent="457200">
+              <a:buNone/>
+            </a:pPr>
+            <a:r>
+              <a:rPr lang="en-US" altLang="zh-CN" sz="1600" b="1" dirty="0">
+                <a:solidFill>
+                  <a:schemeClr val="tx1"/>
+                </a:solidFill>
+                <a:latin typeface="微软雅黑" panose="020B0503020204020204" charset="-122"/>
+                <a:ea typeface="微软雅黑" panose="020B0503020204020204" charset="-122"/>
+              </a:rPr>
+              <a:t>3.TRUSformer: Improving prostate cancer detection from micro-ultrasound using attention and self-supervision</a:t>
+            </a:r>
+            <a:endParaRPr lang="en-US" altLang="zh-CN" sz="1600" b="1" dirty="0">
+              <a:solidFill>
+                <a:schemeClr val="tx1"/>
+              </a:solidFill>
+              <a:latin typeface="微软雅黑" panose="020B0503020204020204" charset="-122"/>
+              <a:ea typeface="微软雅黑" panose="020B0503020204020204" charset="-122"/>
+            </a:endParaRPr>
+          </a:p>
+          <a:p>
+            <a:pPr marL="0" lvl="0" indent="457200">
+              <a:buNone/>
+            </a:pPr>
+            <a:r>
+              <a:rPr lang="en-US" altLang="zh-CN" sz="1600" b="1" dirty="0">
+                <a:solidFill>
+                  <a:schemeClr val="tx1"/>
+                </a:solidFill>
+                <a:latin typeface="微软雅黑" panose="020B0503020204020204" charset="-122"/>
+                <a:ea typeface="微软雅黑" panose="020B0503020204020204" charset="-122"/>
+              </a:rPr>
+              <a:t>4.Evaluation of prostate cancer detection using micro-ultrasound versus MRI through co-registration to whole-mount pathology</a:t>
+            </a:r>
+            <a:endParaRPr lang="en-US" altLang="zh-CN" sz="1600" b="1" dirty="0">
+              <a:solidFill>
+                <a:schemeClr val="tx1"/>
+              </a:solidFill>
+              <a:latin typeface="微软雅黑" panose="020B0503020204020204" charset="-122"/>
+              <a:ea typeface="微软雅黑" panose="020B0503020204020204" charset="-122"/>
+            </a:endParaRPr>
+          </a:p>
+          <a:p>
+            <a:pPr marL="0" lvl="0" indent="457200">
+              <a:buNone/>
+            </a:pPr>
+            <a:r>
+              <a:rPr lang="en-US" altLang="zh-CN" sz="1600" b="1" dirty="0">
+                <a:solidFill>
+                  <a:schemeClr val="tx1"/>
+                </a:solidFill>
+                <a:latin typeface="微软雅黑" panose="020B0503020204020204" charset="-122"/>
+                <a:ea typeface="微软雅黑" panose="020B0503020204020204" charset="-122"/>
+              </a:rPr>
+              <a:t>.....</a:t>
+            </a:r>
+            <a:endParaRPr lang="en-US" altLang="zh-CN" sz="1600" b="1" dirty="0">
+              <a:solidFill>
+                <a:schemeClr val="tx1"/>
+              </a:solidFill>
+              <a:latin typeface="微软雅黑" panose="020B0503020204020204" charset="-122"/>
+              <a:ea typeface="微软雅黑" panose="020B0503020204020204" charset="-122"/>
+            </a:endParaRPr>
+          </a:p>
+          <a:p>
+            <a:pPr marL="0" lvl="0" indent="457200">
+              <a:buNone/>
+            </a:pPr>
+            <a:endParaRPr lang="en-US" altLang="zh-CN" sz="1600" b="1" dirty="0">
+              <a:solidFill>
+                <a:schemeClr val="tx1"/>
+              </a:solidFill>
+              <a:latin typeface="微软雅黑" panose="020B0503020204020204" charset="-122"/>
+              <a:ea typeface="微软雅黑" panose="020B0503020204020204" charset="-122"/>
+            </a:endParaRPr>
+          </a:p>
+          <a:p>
+            <a:pPr marL="0" lvl="0" indent="457200">
+              <a:buNone/>
+            </a:pPr>
+            <a:r>
+              <a:rPr lang="zh-CN" altLang="en-US" sz="1600" dirty="0">
+                <a:latin typeface="微软雅黑" panose="020B0503020204020204" charset="-122"/>
+                <a:ea typeface="微软雅黑" panose="020B0503020204020204" charset="-122"/>
+                <a:sym typeface="+mn-ea"/>
+              </a:rPr>
+              <a:t>真正是只有超声影响，前列腺癌症，自监督的</a:t>
+            </a:r>
+            <a:r>
+              <a:rPr lang="en-US" altLang="zh-CN" sz="1600" dirty="0">
+                <a:latin typeface="微软雅黑" panose="020B0503020204020204" charset="-122"/>
+                <a:ea typeface="微软雅黑" panose="020B0503020204020204" charset="-122"/>
+                <a:sym typeface="+mn-ea"/>
+              </a:rPr>
+              <a:t>work</a:t>
+            </a:r>
+            <a:r>
+              <a:rPr lang="zh-CN" altLang="en-US" sz="1600" dirty="0">
+                <a:latin typeface="微软雅黑" panose="020B0503020204020204" charset="-122"/>
+                <a:ea typeface="微软雅黑" panose="020B0503020204020204" charset="-122"/>
+                <a:sym typeface="+mn-ea"/>
+              </a:rPr>
+              <a:t>目前就两篇。这是我第一次做调研，可能方法不是很对所以有些文章还没找出来，请老师学长多多指点。</a:t>
+            </a:r>
+            <a:endParaRPr lang="zh-CN" altLang="en-US" sz="1600" dirty="0">
+              <a:latin typeface="微软雅黑" panose="020B0503020204020204" charset="-122"/>
+              <a:ea typeface="微软雅黑" panose="020B0503020204020204" charset="-122"/>
+              <a:sym typeface="+mn-ea"/>
+            </a:endParaRPr>
+          </a:p>
+        </p:txBody>
+      </p:sp>
+    </p:spTree>
+  </p:cSld>
+  <p:clrMapOvr>
+    <a:masterClrMapping/>
+  </p:clrMapOvr>
+</p:sld>
+</file>
+
+<file path=ppt/slides/slide18.xml><?xml version="1.0" encoding="utf-8"?>
+<p:sld xmlns:a="http://schemas.openxmlformats.org/drawingml/2006/main" xmlns:r="http://schemas.openxmlformats.org/officeDocument/2006/relationships" xmlns:p="http://schemas.openxmlformats.org/presentationml/2006/main">
+  <p:cSld>
+    <p:spTree>
+      <p:nvGrpSpPr>
+        <p:cNvPr id="1" name=""/>
+        <p:cNvGrpSpPr/>
+        <p:nvPr/>
+      </p:nvGrpSpPr>
+      <p:grpSpPr>
+        <a:xfrm>
+          <a:off x="0" y="0"/>
+          <a:ext cx="0" cy="0"/>
+          <a:chOff x="0" y="0"/>
+          <a:chExt cx="0" cy="0"/>
+        </a:xfrm>
+      </p:grpSpPr>
+      <p:pic>
+        <p:nvPicPr>
+          <p:cNvPr id="4" name="图片 3" descr="1"/>
+          <p:cNvPicPr>
+            <a:picLocks noChangeAspect="1"/>
+          </p:cNvPicPr>
+          <p:nvPr/>
+        </p:nvPicPr>
+        <p:blipFill>
+          <a:blip r:embed="rId1"/>
+          <a:stretch>
+            <a:fillRect/>
+          </a:stretch>
+        </p:blipFill>
+        <p:spPr>
+          <a:xfrm>
+            <a:off x="4745355" y="-588645"/>
+            <a:ext cx="12060555" cy="8474075"/>
+          </a:xfrm>
+          <a:prstGeom prst="rect">
+            <a:avLst/>
+          </a:prstGeom>
+        </p:spPr>
+      </p:pic>
+      <p:sp>
+        <p:nvSpPr>
+          <p:cNvPr id="5" name="文本框 4"/>
+          <p:cNvSpPr txBox="1"/>
+          <p:nvPr/>
+        </p:nvSpPr>
+        <p:spPr>
+          <a:xfrm>
+            <a:off x="768985" y="2095500"/>
+            <a:ext cx="7110730" cy="1445260"/>
+          </a:xfrm>
+          <a:prstGeom prst="rect">
+            <a:avLst/>
+          </a:prstGeom>
+          <a:noFill/>
+        </p:spPr>
+        <p:txBody>
+          <a:bodyPr wrap="square" rtlCol="0">
+            <a:spAutoFit/>
+          </a:bodyPr>
+          <a:lstStyle/>
+          <a:p>
+            <a:pPr marL="0" marR="0" lvl="0" indent="0" algn="l" defTabSz="914400" rtl="0" eaLnBrk="1" fontAlgn="auto" latinLnBrk="0" hangingPunct="1">
+              <a:lnSpc>
+                <a:spcPct val="100000"/>
+              </a:lnSpc>
+              <a:spcBef>
+                <a:spcPts val="0"/>
+              </a:spcBef>
+              <a:spcAft>
+                <a:spcPts val="0"/>
+              </a:spcAft>
+              <a:buClrTx/>
+              <a:buSzTx/>
+              <a:buFontTx/>
+              <a:buNone/>
+              <a:defRPr/>
+            </a:pPr>
+            <a:r>
+              <a:rPr kumimoji="0" lang="en-US" altLang="zh-CN" sz="8800" b="0" i="0" u="none" strike="noStrike" kern="1200" cap="none" spc="0" normalizeH="0" baseline="0" noProof="0" dirty="0">
+                <a:ln>
+                  <a:solidFill>
+                    <a:srgbClr val="383987"/>
+                  </a:solidFill>
+                </a:ln>
+                <a:noFill/>
+                <a:effectLst/>
+                <a:uLnTx/>
+                <a:uFillTx/>
+                <a:latin typeface="Agency FB" panose="020B0503020202020204" pitchFamily="34" charset="0"/>
+                <a:ea typeface="宋体" panose="02010600030101010101" pitchFamily="2" charset="-122"/>
+                <a:cs typeface="+mn-cs"/>
+              </a:rPr>
+              <a:t>THANKS</a:t>
+            </a:r>
+            <a:endParaRPr kumimoji="0" lang="en-US" altLang="zh-CN" sz="8800" b="0" i="0" u="none" strike="noStrike" kern="1200" cap="none" spc="0" normalizeH="0" baseline="0" noProof="0" dirty="0">
+              <a:ln>
+                <a:solidFill>
+                  <a:srgbClr val="383987"/>
+                </a:solidFill>
+              </a:ln>
+              <a:noFill/>
+              <a:effectLst/>
+              <a:uLnTx/>
+              <a:uFillTx/>
+              <a:latin typeface="Agency FB" panose="020B0503020202020204" pitchFamily="34" charset="0"/>
+              <a:ea typeface="宋体" panose="02010600030101010101" pitchFamily="2" charset="-122"/>
+              <a:cs typeface="+mn-cs"/>
+            </a:endParaRPr>
+          </a:p>
+        </p:txBody>
+      </p:sp>
+      <p:sp>
+        <p:nvSpPr>
+          <p:cNvPr id="2" name="文本框 1"/>
+          <p:cNvSpPr txBox="1"/>
+          <p:nvPr/>
+        </p:nvSpPr>
+        <p:spPr>
+          <a:xfrm>
+            <a:off x="934085" y="3540760"/>
+            <a:ext cx="4176395" cy="460375"/>
+          </a:xfrm>
+          <a:prstGeom prst="rect">
+            <a:avLst/>
+          </a:prstGeom>
+          <a:noFill/>
+        </p:spPr>
+        <p:txBody>
+          <a:bodyPr wrap="square" rtlCol="0">
+            <a:spAutoFit/>
+          </a:bodyPr>
+          <a:lstStyle/>
+          <a:p>
+            <a:pPr marL="0" marR="0" lvl="0" indent="0" algn="dist" defTabSz="914400" rtl="0" eaLnBrk="1" fontAlgn="auto" latinLnBrk="0" hangingPunct="1">
+              <a:lnSpc>
+                <a:spcPct val="100000"/>
+              </a:lnSpc>
+              <a:spcBef>
+                <a:spcPts val="0"/>
+              </a:spcBef>
+              <a:spcAft>
+                <a:spcPts val="0"/>
+              </a:spcAft>
+              <a:buClrTx/>
+              <a:buSzTx/>
+              <a:buFontTx/>
+              <a:buNone/>
+              <a:defRPr/>
+            </a:pPr>
+            <a:r>
+              <a:rPr kumimoji="0" lang="zh-CN" altLang="en-US" sz="2400" b="0" i="0" u="none" strike="noStrike" kern="1200" cap="none" spc="0" normalizeH="0" baseline="0" noProof="0">
+                <a:ln>
+                  <a:noFill/>
+                </a:ln>
+                <a:solidFill>
+                  <a:srgbClr val="383987"/>
+                </a:solidFill>
+                <a:effectLst/>
+                <a:uLnTx/>
+                <a:uFillTx/>
+                <a:latin typeface="微软雅黑" panose="020B0503020204020204" charset="-122"/>
+                <a:ea typeface="微软雅黑" panose="020B0503020204020204" charset="-122"/>
+                <a:cs typeface="+mn-cs"/>
+              </a:rPr>
+              <a:t>谢谢观看</a:t>
+            </a:r>
+            <a:endParaRPr kumimoji="0" lang="zh-CN" altLang="en-US" sz="2400" b="0" i="0" u="none" strike="noStrike" kern="1200" cap="none" spc="0" normalizeH="0" baseline="0" noProof="0">
+              <a:ln>
+                <a:noFill/>
+              </a:ln>
+              <a:solidFill>
+                <a:srgbClr val="383987"/>
+              </a:solidFill>
+              <a:effectLst/>
+              <a:uLnTx/>
+              <a:uFillTx/>
+              <a:latin typeface="微软雅黑" panose="020B0503020204020204" charset="-122"/>
+              <a:ea typeface="微软雅黑" panose="020B0503020204020204" charset="-122"/>
+              <a:cs typeface="+mn-cs"/>
+            </a:endParaRPr>
+          </a:p>
+        </p:txBody>
+      </p:sp>
+    </p:spTree>
+  </p:cSld>
+  <p:clrMapOvr>
+    <a:masterClrMapping/>
+  </p:clrMapOvr>
+</p:sld>
+</file>
+
 <file path=ppt/slides/slide2.xml><?xml version="1.0" encoding="utf-8"?>
 <p:sld xmlns:a="http://schemas.openxmlformats.org/drawingml/2006/main" xmlns:r="http://schemas.openxmlformats.org/officeDocument/2006/relationships" xmlns:p="http://schemas.openxmlformats.org/presentationml/2006/main">
   <p:cSld>
@@ -4918,7 +9018,7 @@
                 <a:latin typeface="微软雅黑" panose="020B0503020204020204" charset="-122"/>
                 <a:ea typeface="微软雅黑" panose="020B0503020204020204" charset="-122"/>
               </a:rPr>
-              <a:t>这是一篇视觉模块处理医学超声图像的</a:t>
+              <a:t>这是一篇使用了</a:t>
             </a:r>
             <a:r>
               <a:rPr lang="en-US" altLang="zh-CN" sz="1600" dirty="0">
@@ -4928,7 +9028,7 @@
                 <a:latin typeface="微软雅黑" panose="020B0503020204020204" charset="-122"/>
                 <a:ea typeface="微软雅黑" panose="020B0503020204020204" charset="-122"/>
               </a:rPr>
-              <a:t>survey</a:t>
+              <a:t>Transformer</a:t>
             </a:r>
             <a:r>
               <a:rPr lang="zh-CN" altLang="en-US" sz="1600" dirty="0">
@@ -4938,7 +9038,7 @@
                 <a:latin typeface="微软雅黑" panose="020B0503020204020204" charset="-122"/>
                 <a:ea typeface="微软雅黑" panose="020B0503020204020204" charset="-122"/>
               </a:rPr>
-              <a:t>。在前列腺癌症的检测方面，目前是如下的工作在</a:t>
+              <a:t>模块处理医学超声图像的</a:t>
             </a:r>
             <a:r>
               <a:rPr lang="en-US" altLang="zh-CN" sz="1600" dirty="0">
@@ -4948,7 +9048,7 @@
                 <a:latin typeface="微软雅黑" panose="020B0503020204020204" charset="-122"/>
                 <a:ea typeface="微软雅黑" panose="020B0503020204020204" charset="-122"/>
               </a:rPr>
-              <a:t>23</a:t>
+              <a:t>survey</a:t>
             </a:r>
             <a:r>
               <a:rPr lang="zh-CN" altLang="en-US" sz="1600" dirty="0">
@@ -4958,7 +9058,83 @@
                 <a:latin typeface="微软雅黑" panose="020B0503020204020204" charset="-122"/>
                 <a:ea typeface="微软雅黑" panose="020B0503020204020204" charset="-122"/>
               </a:rPr>
+              <a:t>。在前列腺癌症的检测方面，目前是如下的工作在</a:t>
+            </a:r>
+            <a:r>
+              <a:rPr lang="en-US" altLang="zh-CN" sz="1600" b="1" dirty="0">
+                <a:solidFill>
+                  <a:schemeClr val="tx1"/>
+                </a:solidFill>
+                <a:latin typeface="微软雅黑" panose="020B0503020204020204" charset="-122"/>
+                <a:ea typeface="微软雅黑" panose="020B0503020204020204" charset="-122"/>
+              </a:rPr>
+              <a:t>23</a:t>
+            </a:r>
+            <a:r>
+              <a:rPr lang="zh-CN" altLang="en-US" sz="1600" b="1" dirty="0">
+                <a:solidFill>
+                  <a:schemeClr val="tx1"/>
+                </a:solidFill>
+                <a:latin typeface="微软雅黑" panose="020B0503020204020204" charset="-122"/>
+                <a:ea typeface="微软雅黑" panose="020B0503020204020204" charset="-122"/>
+              </a:rPr>
               <a:t>年达到</a:t>
+            </a:r>
+            <a:r>
+              <a:rPr lang="en-US" altLang="zh-CN" sz="1600" b="1" dirty="0">
+                <a:solidFill>
+                  <a:schemeClr val="tx1"/>
+                </a:solidFill>
+                <a:latin typeface="微软雅黑" panose="020B0503020204020204" charset="-122"/>
+                <a:ea typeface="微软雅黑" panose="020B0503020204020204" charset="-122"/>
+              </a:rPr>
+              <a:t>sota</a:t>
+            </a:r>
+            <a:endParaRPr lang="en-US" altLang="zh-CN" sz="1600" b="1" dirty="0">
+              <a:solidFill>
+                <a:schemeClr val="tx1"/>
+              </a:solidFill>
+              <a:latin typeface="微软雅黑" panose="020B0503020204020204" charset="-122"/>
+              <a:ea typeface="微软雅黑" panose="020B0503020204020204" charset="-122"/>
+            </a:endParaRPr>
+          </a:p>
+          <a:p>
+            <a:pPr marL="0" lvl="0" indent="457200">
+              <a:buNone/>
+            </a:pPr>
+            <a:endParaRPr lang="en-US" altLang="zh-CN" sz="1600" dirty="0">
+              <a:solidFill>
+                <a:schemeClr val="tx1"/>
+              </a:solidFill>
+              <a:latin typeface="微软雅黑" panose="020B0503020204020204" charset="-122"/>
+              <a:ea typeface="微软雅黑" panose="020B0503020204020204" charset="-122"/>
+            </a:endParaRPr>
+          </a:p>
+          <a:p>
+            <a:pPr marL="0" lvl="0" indent="457200">
+              <a:buNone/>
+            </a:pPr>
+            <a:endParaRPr lang="en-US" altLang="zh-CN" sz="1600" dirty="0">
+              <a:solidFill>
+                <a:schemeClr val="tx1"/>
+              </a:solidFill>
+              <a:latin typeface="微软雅黑" panose="020B0503020204020204" charset="-122"/>
+              <a:ea typeface="微软雅黑" panose="020B0503020204020204" charset="-122"/>
+            </a:endParaRPr>
+          </a:p>
+          <a:p>
+            <a:pPr marL="0" lvl="0" indent="457200">
+              <a:buNone/>
+            </a:pPr>
+            <a:r>
+              <a:rPr lang="zh-CN" altLang="en-US" sz="1600" dirty="0">
+                <a:solidFill>
+                  <a:schemeClr val="tx1"/>
+                </a:solidFill>
+                <a:latin typeface="微软雅黑" panose="020B0503020204020204" charset="-122"/>
+                <a:ea typeface="微软雅黑" panose="020B0503020204020204" charset="-122"/>
+              </a:rPr>
+              <a:t>然后我把引用了这两篇</a:t>
             </a:r>
             <a:r>
               <a:rPr lang="en-US" altLang="zh-CN" sz="1600" dirty="0">
@@ -4970,6 +9146,56 @@
               </a:rPr>
               <a:t>sota</a:t>
             </a:r>
+            <a:r>
+              <a:rPr lang="zh-CN" altLang="en-US" sz="1600" dirty="0">
+                <a:solidFill>
+                  <a:schemeClr val="tx1"/>
+                </a:solidFill>
+                <a:latin typeface="微软雅黑" panose="020B0503020204020204" charset="-122"/>
+                <a:ea typeface="微软雅黑" panose="020B0503020204020204" charset="-122"/>
+              </a:rPr>
+              <a:t>工作的和我们的任务有重叠的文章都找了一下，希望这样能覆盖相同任务的</a:t>
+            </a:r>
+            <a:r>
+              <a:rPr lang="en-US" altLang="zh-CN" sz="1600" dirty="0">
+                <a:solidFill>
+                  <a:schemeClr val="tx1"/>
+                </a:solidFill>
+                <a:latin typeface="微软雅黑" panose="020B0503020204020204" charset="-122"/>
+                <a:ea typeface="微软雅黑" panose="020B0503020204020204" charset="-122"/>
+              </a:rPr>
+              <a:t>work</a:t>
+            </a:r>
+            <a:r>
+              <a:rPr lang="zh-CN" altLang="en-US" sz="1600" dirty="0">
+                <a:solidFill>
+                  <a:schemeClr val="tx1"/>
+                </a:solidFill>
+                <a:latin typeface="微软雅黑" panose="020B0503020204020204" charset="-122"/>
+                <a:ea typeface="微软雅黑" panose="020B0503020204020204" charset="-122"/>
+              </a:rPr>
+              <a:t>而且</a:t>
+            </a:r>
+            <a:r>
+              <a:rPr lang="zh-CN" altLang="en-US" sz="1600" b="1" dirty="0">
+                <a:solidFill>
+                  <a:schemeClr val="tx1"/>
+                </a:solidFill>
+                <a:latin typeface="微软雅黑" panose="020B0503020204020204" charset="-122"/>
+                <a:ea typeface="微软雅黑" panose="020B0503020204020204" charset="-122"/>
+              </a:rPr>
+              <a:t>方法最好是自监督</a:t>
+            </a:r>
+            <a:r>
+              <a:rPr lang="zh-CN" altLang="en-US" sz="1600" dirty="0">
+                <a:solidFill>
+                  <a:schemeClr val="tx1"/>
+                </a:solidFill>
+                <a:latin typeface="微软雅黑" panose="020B0503020204020204" charset="-122"/>
+                <a:ea typeface="微软雅黑" panose="020B0503020204020204" charset="-122"/>
+              </a:rPr>
+              <a:t>的</a:t>
+            </a:r>
             <a:endParaRPr lang="en-US" altLang="zh-CN" sz="1600" dirty="0">
               <a:solidFill>
                 <a:schemeClr val="tx1"/>
@@ -5006,90 +9232,6 @@
             <a:pPr marL="0" lvl="0" indent="457200">
               <a:buNone/>
             </a:pPr>
-            <a:endParaRPr lang="en-US" altLang="zh-CN" sz="1600" dirty="0">
-              <a:solidFill>
-                <a:schemeClr val="tx1"/>
-              </a:solidFill>
-              <a:latin typeface="微软雅黑" panose="020B0503020204020204" charset="-122"/>
-              <a:ea typeface="微软雅黑" panose="020B0503020204020204" charset="-122"/>
-            </a:endParaRPr>
-          </a:p>
-          <a:p>
-            <a:pPr marL="0" lvl="0" indent="457200">
-              <a:buNone/>
-            </a:pPr>
-            <a:endParaRPr lang="en-US" altLang="zh-CN" sz="1600" dirty="0">
-              <a:solidFill>
-                <a:schemeClr val="tx1"/>
-              </a:solidFill>
-              <a:latin typeface="微软雅黑" panose="020B0503020204020204" charset="-122"/>
-              <a:ea typeface="微软雅黑" panose="020B0503020204020204" charset="-122"/>
-            </a:endParaRPr>
-          </a:p>
-          <a:p>
-            <a:pPr marL="0" lvl="0" indent="457200">
-              <a:buNone/>
-            </a:pPr>
-            <a:endParaRPr lang="en-US" altLang="zh-CN" sz="1600" dirty="0">
-              <a:solidFill>
-                <a:schemeClr val="tx1"/>
-              </a:solidFill>
-              <a:latin typeface="微软雅黑" panose="020B0503020204020204" charset="-122"/>
-              <a:ea typeface="微软雅黑" panose="020B0503020204020204" charset="-122"/>
-            </a:endParaRPr>
-          </a:p>
-          <a:p>
-            <a:pPr marL="0" lvl="0" indent="457200">
-              <a:buNone/>
-            </a:pPr>
-            <a:endParaRPr lang="en-US" altLang="zh-CN" sz="1600" dirty="0">
-              <a:solidFill>
-                <a:schemeClr val="tx1"/>
-              </a:solidFill>
-              <a:latin typeface="微软雅黑" panose="020B0503020204020204" charset="-122"/>
-              <a:ea typeface="微软雅黑" panose="020B0503020204020204" charset="-122"/>
-            </a:endParaRPr>
-          </a:p>
-          <a:p>
-            <a:pPr marL="0" lvl="0" indent="457200">
-              <a:buNone/>
-            </a:pPr>
-            <a:endParaRPr lang="en-US" altLang="zh-CN" sz="1600" dirty="0">
-              <a:solidFill>
-                <a:schemeClr val="tx1"/>
-              </a:solidFill>
-              <a:latin typeface="微软雅黑" panose="020B0503020204020204" charset="-122"/>
-              <a:ea typeface="微软雅黑" panose="020B0503020204020204" charset="-122"/>
-            </a:endParaRPr>
-          </a:p>
-          <a:p>
-            <a:pPr marL="0" lvl="0" indent="457200">
-              <a:buNone/>
-            </a:pPr>
-            <a:endParaRPr lang="en-US" altLang="zh-CN" sz="1600" dirty="0">
-              <a:solidFill>
-                <a:schemeClr val="tx1"/>
-              </a:solidFill>
-              <a:latin typeface="微软雅黑" panose="020B0503020204020204" charset="-122"/>
-              <a:ea typeface="微软雅黑" panose="020B0503020204020204" charset="-122"/>
-            </a:endParaRPr>
-          </a:p>
-          <a:p>
-            <a:pPr marL="0" lvl="0" indent="457200">
-              <a:buNone/>
-            </a:pPr>
-            <a:endParaRPr lang="en-US" altLang="zh-CN" sz="1600" dirty="0">
-              <a:solidFill>
-                <a:schemeClr val="tx1"/>
-              </a:solidFill>
-              <a:latin typeface="微软雅黑" panose="020B0503020204020204" charset="-122"/>
-              <a:ea typeface="微软雅黑" panose="020B0503020204020204" charset="-122"/>
-            </a:endParaRPr>
-          </a:p>
-          <a:p>
-            <a:pPr marL="0" lvl="0" indent="457200">
-              <a:buNone/>
-            </a:pPr>
             <a:r>
               <a:rPr lang="zh-CN" altLang="en-US" sz="1600" dirty="0">
                 <a:solidFill>
@@ -5098,7 +9240,7 @@
                 <a:latin typeface="微软雅黑" panose="020B0503020204020204" charset="-122"/>
                 <a:ea typeface="微软雅黑" panose="020B0503020204020204" charset="-122"/>
               </a:rPr>
-              <a:t>并且工作只有</a:t>
+              <a:t>然后</a:t>
             </a:r>
             <a:r>
               <a:rPr lang="en-US" altLang="zh-CN" sz="1600" dirty="0">
@@ -5108,7 +9250,7 @@
                 <a:latin typeface="微软雅黑" panose="020B0503020204020204" charset="-122"/>
                 <a:ea typeface="微软雅黑" panose="020B0503020204020204" charset="-122"/>
               </a:rPr>
-              <a:t>classification</a:t>
+              <a:t>23</a:t>
             </a:r>
             <a:r>
               <a:rPr lang="zh-CN" altLang="en-US" sz="1600" dirty="0">
@@ -5118,20 +9260,18 @@
                 <a:latin typeface="微软雅黑" panose="020B0503020204020204" charset="-122"/>
                 <a:ea typeface="微软雅黑" panose="020B0503020204020204" charset="-122"/>
               </a:rPr>
-              <a:t>，具体内容一会接着介绍一下。</a:t>
-            </a:r>
-            <a:endParaRPr lang="zh-CN" altLang="en-US" sz="1600" dirty="0">
-              <a:solidFill>
-                <a:schemeClr val="tx1"/>
-              </a:solidFill>
-              <a:latin typeface="微软雅黑" panose="020B0503020204020204" charset="-122"/>
-              <a:ea typeface="微软雅黑" panose="020B0503020204020204" charset="-122"/>
-            </a:endParaRPr>
-          </a:p>
-          <a:p>
-            <a:pPr marL="0" lvl="0" indent="457200">
-              <a:buNone/>
-            </a:pPr>
+              <a:t>年之前很多</a:t>
+            </a:r>
+            <a:r>
+              <a:rPr lang="en-US" altLang="zh-CN" sz="1600" dirty="0">
+                <a:solidFill>
+                  <a:schemeClr val="tx1"/>
+                </a:solidFill>
+                <a:latin typeface="微软雅黑" panose="020B0503020204020204" charset="-122"/>
+                <a:ea typeface="微软雅黑" panose="020B0503020204020204" charset="-122"/>
+              </a:rPr>
+              <a:t>work</a:t>
+            </a:r>
             <a:r>
               <a:rPr lang="zh-CN" altLang="en-US" sz="1600" dirty="0">
                 <a:solidFill>
@@ -5140,17 +9280,17 @@
                 <a:latin typeface="微软雅黑" panose="020B0503020204020204" charset="-122"/>
                 <a:ea typeface="微软雅黑" panose="020B0503020204020204" charset="-122"/>
               </a:rPr>
-              <a:t>然后</a:t>
-            </a:r>
-            <a:r>
-              <a:rPr lang="en-US" altLang="zh-CN" sz="1600" dirty="0">
+              <a:t>其实针对的不</a:t>
+            </a:r>
+            <a:r>
+              <a:rPr lang="zh-CN" altLang="en-US" sz="1600" b="1" dirty="0">
                 <a:solidFill>
                   <a:schemeClr val="tx1"/>
                 </a:solidFill>
                 <a:latin typeface="微软雅黑" panose="020B0503020204020204" charset="-122"/>
                 <a:ea typeface="微软雅黑" panose="020B0503020204020204" charset="-122"/>
               </a:rPr>
-              <a:t>23</a:t>
+              <a:t>是普通超声，而是微超声</a:t>
             </a:r>
             <a:r>
               <a:rPr lang="zh-CN" altLang="en-US" sz="1600" dirty="0">
@@ -5160,27 +9300,7 @@
                 <a:latin typeface="微软雅黑" panose="020B0503020204020204" charset="-122"/>
                 <a:ea typeface="微软雅黑" panose="020B0503020204020204" charset="-122"/>
               </a:rPr>
-              <a:t>年之前很多</a:t>
-            </a:r>
-            <a:r>
-              <a:rPr lang="en-US" altLang="zh-CN" sz="1600" dirty="0">
-                <a:solidFill>
-                  <a:schemeClr val="tx1"/>
-                </a:solidFill>
-                <a:latin typeface="微软雅黑" panose="020B0503020204020204" charset="-122"/>
-                <a:ea typeface="微软雅黑" panose="020B0503020204020204" charset="-122"/>
-              </a:rPr>
-              <a:t>work</a:t>
-            </a:r>
-            <a:r>
-              <a:rPr lang="zh-CN" altLang="en-US" sz="1600" dirty="0">
-                <a:solidFill>
-                  <a:schemeClr val="tx1"/>
-                </a:solidFill>
-                <a:latin typeface="微软雅黑" panose="020B0503020204020204" charset="-122"/>
-                <a:ea typeface="微软雅黑" panose="020B0503020204020204" charset="-122"/>
-              </a:rPr>
-              <a:t>其实针对的不是普通超声，而是微超声</a:t>
+              <a:t>，二者有一定区别。</a:t>
             </a:r>
             <a:endParaRPr lang="zh-CN" altLang="en-US" sz="1600" dirty="0">
               <a:solidFill>
@@ -5437,7 +9557,7 @@
         <p:spPr>
           <a:xfrm>
             <a:off x="455295" y="972185"/>
-            <a:ext cx="11736705" cy="922020"/>
+            <a:ext cx="11736705" cy="1337945"/>
           </a:xfrm>
           <a:prstGeom prst="rect">
             <a:avLst/>
@@ -5461,335 +9581,9 @@
                 <a:latin typeface="微软雅黑" panose="020B0503020204020204" charset="-122"/>
                 <a:ea typeface="微软雅黑" panose="020B0503020204020204" charset="-122"/>
               </a:rPr>
-              <a:t>Vafaeezadeh M, Behnam H, Gifani P. Ultrasound Image Analysis with Vision Transformers[J]. Diagnostics, 2024, 14(5): 542.</a:t>
+              <a:t>Gilany M, Wilson P, Perera-Ortega A, et al. TRUSformer: Improving prostate cancer detection from micro-ultrasound using attention and self-supervision[J]. International Journal of Computer Assisted Radiology and Surgery, 2023, 18(7): 1193-1200. </a:t>
             </a:r>
             <a:endParaRPr lang="en-US" altLang="zh-CN" b="1" dirty="0">
-              <a:latin typeface="微软雅黑" panose="020B0503020204020204" charset="-122"/>
-              <a:ea typeface="微软雅黑" panose="020B0503020204020204" charset="-122"/>
-            </a:endParaRPr>
-          </a:p>
-        </p:txBody>
-      </p:sp>
-      <p:sp>
-        <p:nvSpPr>
-          <p:cNvPr id="10" name="文本框 9"/>
-          <p:cNvSpPr txBox="1"/>
-          <p:nvPr/>
-        </p:nvSpPr>
-        <p:spPr>
-          <a:xfrm>
-            <a:off x="375285" y="2517775"/>
-            <a:ext cx="5539740" cy="1423670"/>
-          </a:xfrm>
-          <a:prstGeom prst="rect">
-            <a:avLst/>
-          </a:prstGeom>
-          <a:noFill/>
-        </p:spPr>
-        <p:txBody>
-          <a:bodyPr wrap="square" rtlCol="0">
-            <a:noAutofit/>
-          </a:bodyPr>
-          <a:p>
-            <a:pPr marL="0" lvl="0" indent="457200">
-              <a:buNone/>
-            </a:pPr>
-            <a:r>
-              <a:rPr lang="zh-CN" altLang="en-US" sz="1600" dirty="0">
-                <a:solidFill>
-                  <a:schemeClr val="tx1"/>
-                </a:solidFill>
-                <a:latin typeface="微软雅黑" panose="020B0503020204020204" charset="-122"/>
-                <a:ea typeface="微软雅黑" panose="020B0503020204020204" charset="-122"/>
-              </a:rPr>
-              <a:t>这是一篇使用了</a:t>
-            </a:r>
-            <a:r>
-              <a:rPr lang="en-US" altLang="zh-CN" sz="1600" dirty="0">
-                <a:solidFill>
-                  <a:schemeClr val="tx1"/>
-                </a:solidFill>
-                <a:latin typeface="微软雅黑" panose="020B0503020204020204" charset="-122"/>
-                <a:ea typeface="微软雅黑" panose="020B0503020204020204" charset="-122"/>
-              </a:rPr>
-              <a:t>Transformer</a:t>
-            </a:r>
-            <a:r>
-              <a:rPr lang="zh-CN" altLang="en-US" sz="1600" dirty="0">
-                <a:solidFill>
-                  <a:schemeClr val="tx1"/>
-                </a:solidFill>
-                <a:latin typeface="微软雅黑" panose="020B0503020204020204" charset="-122"/>
-                <a:ea typeface="微软雅黑" panose="020B0503020204020204" charset="-122"/>
-              </a:rPr>
-              <a:t>模块处理医学超声图像的</a:t>
-            </a:r>
-            <a:r>
-              <a:rPr lang="en-US" altLang="zh-CN" sz="1600" dirty="0">
-                <a:solidFill>
-                  <a:schemeClr val="tx1"/>
-                </a:solidFill>
-                <a:latin typeface="微软雅黑" panose="020B0503020204020204" charset="-122"/>
-                <a:ea typeface="微软雅黑" panose="020B0503020204020204" charset="-122"/>
-              </a:rPr>
-              <a:t>survey</a:t>
-            </a:r>
-            <a:r>
-              <a:rPr lang="zh-CN" altLang="en-US" sz="1600" dirty="0">
-                <a:solidFill>
-                  <a:schemeClr val="tx1"/>
-                </a:solidFill>
-                <a:latin typeface="微软雅黑" panose="020B0503020204020204" charset="-122"/>
-                <a:ea typeface="微软雅黑" panose="020B0503020204020204" charset="-122"/>
-              </a:rPr>
-              <a:t>。在前列腺癌症的检测方面，目前是如下的工作在</a:t>
-            </a:r>
-            <a:r>
-              <a:rPr lang="en-US" altLang="zh-CN" sz="1600" dirty="0">
-                <a:solidFill>
-                  <a:schemeClr val="tx1"/>
-                </a:solidFill>
-                <a:latin typeface="微软雅黑" panose="020B0503020204020204" charset="-122"/>
-                <a:ea typeface="微软雅黑" panose="020B0503020204020204" charset="-122"/>
-              </a:rPr>
-              <a:t>23</a:t>
-            </a:r>
-            <a:r>
-              <a:rPr lang="zh-CN" altLang="en-US" sz="1600" dirty="0">
-                <a:solidFill>
-                  <a:schemeClr val="tx1"/>
-                </a:solidFill>
-                <a:latin typeface="微软雅黑" panose="020B0503020204020204" charset="-122"/>
-                <a:ea typeface="微软雅黑" panose="020B0503020204020204" charset="-122"/>
-              </a:rPr>
-              <a:t>年达到</a:t>
-            </a:r>
-            <a:r>
-              <a:rPr lang="en-US" altLang="zh-CN" sz="1600" dirty="0">
-                <a:solidFill>
-                  <a:schemeClr val="tx1"/>
-                </a:solidFill>
-                <a:latin typeface="微软雅黑" panose="020B0503020204020204" charset="-122"/>
-                <a:ea typeface="微软雅黑" panose="020B0503020204020204" charset="-122"/>
-              </a:rPr>
-              <a:t>sota</a:t>
-            </a:r>
-            <a:endParaRPr lang="en-US" altLang="zh-CN" sz="1600" dirty="0">
-              <a:solidFill>
-                <a:schemeClr val="tx1"/>
-              </a:solidFill>
-              <a:latin typeface="微软雅黑" panose="020B0503020204020204" charset="-122"/>
-              <a:ea typeface="微软雅黑" panose="020B0503020204020204" charset="-122"/>
-            </a:endParaRPr>
-          </a:p>
-          <a:p>
-            <a:pPr marL="0" lvl="0" indent="457200">
-              <a:buNone/>
-            </a:pPr>
-            <a:endParaRPr lang="en-US" altLang="zh-CN" sz="1600" dirty="0">
-              <a:solidFill>
-                <a:schemeClr val="tx1"/>
-              </a:solidFill>
-              <a:latin typeface="微软雅黑" panose="020B0503020204020204" charset="-122"/>
-              <a:ea typeface="微软雅黑" panose="020B0503020204020204" charset="-122"/>
-            </a:endParaRPr>
-          </a:p>
-          <a:p>
-            <a:pPr marL="0" lvl="0" indent="457200">
-              <a:buNone/>
-            </a:pPr>
-            <a:endParaRPr lang="en-US" altLang="zh-CN" sz="1600" dirty="0">
-              <a:solidFill>
-                <a:schemeClr val="tx1"/>
-              </a:solidFill>
-              <a:latin typeface="微软雅黑" panose="020B0503020204020204" charset="-122"/>
-              <a:ea typeface="微软雅黑" panose="020B0503020204020204" charset="-122"/>
-            </a:endParaRPr>
-          </a:p>
-          <a:p>
-            <a:pPr marL="0" lvl="0" indent="457200">
-              <a:buNone/>
-            </a:pPr>
-            <a:endParaRPr lang="en-US" altLang="zh-CN" sz="1600" dirty="0">
-              <a:solidFill>
-                <a:schemeClr val="tx1"/>
-              </a:solidFill>
-              <a:latin typeface="微软雅黑" panose="020B0503020204020204" charset="-122"/>
-              <a:ea typeface="微软雅黑" panose="020B0503020204020204" charset="-122"/>
-            </a:endParaRPr>
-          </a:p>
-          <a:p>
-            <a:pPr marL="0" lvl="0" indent="457200">
-              <a:buNone/>
-            </a:pPr>
-            <a:endParaRPr lang="en-US" altLang="zh-CN" sz="1600" dirty="0">
-              <a:solidFill>
-                <a:schemeClr val="tx1"/>
-              </a:solidFill>
-              <a:latin typeface="微软雅黑" panose="020B0503020204020204" charset="-122"/>
-              <a:ea typeface="微软雅黑" panose="020B0503020204020204" charset="-122"/>
-            </a:endParaRPr>
-          </a:p>
-          <a:p>
-            <a:pPr marL="0" lvl="0" indent="457200">
-              <a:buNone/>
-            </a:pPr>
-            <a:endParaRPr lang="en-US" altLang="zh-CN" sz="1600" dirty="0">
-              <a:solidFill>
-                <a:schemeClr val="tx1"/>
-              </a:solidFill>
-              <a:latin typeface="微软雅黑" panose="020B0503020204020204" charset="-122"/>
-              <a:ea typeface="微软雅黑" panose="020B0503020204020204" charset="-122"/>
-            </a:endParaRPr>
-          </a:p>
-          <a:p>
-            <a:pPr marL="0" lvl="0" indent="457200">
-              <a:buNone/>
-            </a:pPr>
-            <a:endParaRPr lang="en-US" altLang="zh-CN" sz="1600" dirty="0">
-              <a:solidFill>
-                <a:schemeClr val="tx1"/>
-              </a:solidFill>
-              <a:latin typeface="微软雅黑" panose="020B0503020204020204" charset="-122"/>
-              <a:ea typeface="微软雅黑" panose="020B0503020204020204" charset="-122"/>
-            </a:endParaRPr>
-          </a:p>
-          <a:p>
-            <a:pPr marL="0" lvl="0" indent="457200">
-              <a:buNone/>
-            </a:pPr>
-            <a:endParaRPr lang="en-US" altLang="zh-CN" sz="1600" dirty="0">
-              <a:solidFill>
-                <a:schemeClr val="tx1"/>
-              </a:solidFill>
-              <a:latin typeface="微软雅黑" panose="020B0503020204020204" charset="-122"/>
-              <a:ea typeface="微软雅黑" panose="020B0503020204020204" charset="-122"/>
-            </a:endParaRPr>
-          </a:p>
-          <a:p>
-            <a:pPr marL="0" lvl="0" indent="457200">
-              <a:buNone/>
-            </a:pPr>
-            <a:endParaRPr lang="en-US" altLang="zh-CN" sz="1600" dirty="0">
-              <a:solidFill>
-                <a:schemeClr val="tx1"/>
-              </a:solidFill>
-              <a:latin typeface="微软雅黑" panose="020B0503020204020204" charset="-122"/>
-              <a:ea typeface="微软雅黑" panose="020B0503020204020204" charset="-122"/>
-            </a:endParaRPr>
-          </a:p>
-          <a:p>
-            <a:pPr marL="0" lvl="0" indent="457200">
-              <a:buNone/>
-            </a:pPr>
-            <a:endParaRPr lang="en-US" altLang="zh-CN" sz="1600" dirty="0">
-              <a:solidFill>
-                <a:schemeClr val="tx1"/>
-              </a:solidFill>
-              <a:latin typeface="微软雅黑" panose="020B0503020204020204" charset="-122"/>
-              <a:ea typeface="微软雅黑" panose="020B0503020204020204" charset="-122"/>
-            </a:endParaRPr>
-          </a:p>
-          <a:p>
-            <a:pPr marL="0" lvl="0" indent="457200">
-              <a:buNone/>
-            </a:pPr>
-            <a:r>
-              <a:rPr lang="zh-CN" altLang="en-US" sz="1600" dirty="0">
-                <a:solidFill>
-                  <a:schemeClr val="tx1"/>
-                </a:solidFill>
-                <a:latin typeface="微软雅黑" panose="020B0503020204020204" charset="-122"/>
-                <a:ea typeface="微软雅黑" panose="020B0503020204020204" charset="-122"/>
-              </a:rPr>
-              <a:t>并且工作只有</a:t>
-            </a:r>
-            <a:r>
-              <a:rPr lang="en-US" altLang="zh-CN" sz="1600" dirty="0">
-                <a:solidFill>
-                  <a:schemeClr val="tx1"/>
-                </a:solidFill>
-                <a:latin typeface="微软雅黑" panose="020B0503020204020204" charset="-122"/>
-                <a:ea typeface="微软雅黑" panose="020B0503020204020204" charset="-122"/>
-              </a:rPr>
-              <a:t>classification</a:t>
-            </a:r>
-            <a:r>
-              <a:rPr lang="zh-CN" altLang="en-US" sz="1600" dirty="0">
-                <a:solidFill>
-                  <a:schemeClr val="tx1"/>
-                </a:solidFill>
-                <a:latin typeface="微软雅黑" panose="020B0503020204020204" charset="-122"/>
-                <a:ea typeface="微软雅黑" panose="020B0503020204020204" charset="-122"/>
-              </a:rPr>
-              <a:t>，具体内容一会接着介绍一下。</a:t>
-            </a:r>
-            <a:endParaRPr lang="zh-CN" altLang="en-US" sz="1600" dirty="0">
-              <a:solidFill>
-                <a:schemeClr val="tx1"/>
-              </a:solidFill>
-              <a:latin typeface="微软雅黑" panose="020B0503020204020204" charset="-122"/>
-              <a:ea typeface="微软雅黑" panose="020B0503020204020204" charset="-122"/>
-            </a:endParaRPr>
-          </a:p>
-          <a:p>
-            <a:pPr marL="0" lvl="0" indent="457200">
-              <a:buNone/>
-            </a:pPr>
-            <a:r>
-              <a:rPr lang="zh-CN" altLang="en-US" sz="1600" dirty="0">
-                <a:solidFill>
-                  <a:schemeClr val="tx1"/>
-                </a:solidFill>
-                <a:latin typeface="微软雅黑" panose="020B0503020204020204" charset="-122"/>
-                <a:ea typeface="微软雅黑" panose="020B0503020204020204" charset="-122"/>
-              </a:rPr>
-              <a:t>然后</a:t>
-            </a:r>
-            <a:r>
-              <a:rPr lang="en-US" altLang="zh-CN" sz="1600" dirty="0">
-                <a:solidFill>
-                  <a:schemeClr val="tx1"/>
-                </a:solidFill>
-                <a:latin typeface="微软雅黑" panose="020B0503020204020204" charset="-122"/>
-                <a:ea typeface="微软雅黑" panose="020B0503020204020204" charset="-122"/>
-              </a:rPr>
-              <a:t>23</a:t>
-            </a:r>
-            <a:r>
-              <a:rPr lang="zh-CN" altLang="en-US" sz="1600" dirty="0">
-                <a:solidFill>
-                  <a:schemeClr val="tx1"/>
-                </a:solidFill>
-                <a:latin typeface="微软雅黑" panose="020B0503020204020204" charset="-122"/>
-                <a:ea typeface="微软雅黑" panose="020B0503020204020204" charset="-122"/>
-              </a:rPr>
-              <a:t>年之前很多</a:t>
-            </a:r>
-            <a:r>
-              <a:rPr lang="en-US" altLang="zh-CN" sz="1600" dirty="0">
-                <a:solidFill>
-                  <a:schemeClr val="tx1"/>
-                </a:solidFill>
-                <a:latin typeface="微软雅黑" panose="020B0503020204020204" charset="-122"/>
-                <a:ea typeface="微软雅黑" panose="020B0503020204020204" charset="-122"/>
-              </a:rPr>
-              <a:t>work</a:t>
-            </a:r>
-            <a:r>
-              <a:rPr lang="zh-CN" altLang="en-US" sz="1600" dirty="0">
-                <a:solidFill>
-                  <a:schemeClr val="tx1"/>
-                </a:solidFill>
-                <a:latin typeface="微软雅黑" panose="020B0503020204020204" charset="-122"/>
-                <a:ea typeface="微软雅黑" panose="020B0503020204020204" charset="-122"/>
-              </a:rPr>
-              <a:t>其实针对的不是普通超声，而是微超声</a:t>
-            </a:r>
-            <a:endParaRPr lang="zh-CN" altLang="en-US" sz="1600" dirty="0">
-              <a:solidFill>
-                <a:schemeClr val="tx1"/>
-              </a:solidFill>
               <a:latin typeface="微软雅黑" panose="020B0503020204020204" charset="-122"/>
               <a:ea typeface="微软雅黑" panose="020B0503020204020204" charset="-122"/>
             </a:endParaRPr>
@@ -5812,17 +9606,89 @@
         </p:blipFill>
         <p:spPr>
           <a:xfrm>
-            <a:off x="6369685" y="1971675"/>
-            <a:ext cx="5144770" cy="2182495"/>
+            <a:off x="5334635" y="2310130"/>
+            <a:ext cx="6445885" cy="4146550"/>
           </a:xfrm>
           <a:prstGeom prst="rect">
             <a:avLst/>
           </a:prstGeom>
         </p:spPr>
       </p:pic>
+      <p:sp>
+        <p:nvSpPr>
+          <p:cNvPr id="6" name="文本框 5"/>
+          <p:cNvSpPr txBox="1"/>
+          <p:nvPr/>
+        </p:nvSpPr>
+        <p:spPr>
+          <a:xfrm>
+            <a:off x="106680" y="2310130"/>
+            <a:ext cx="5601335" cy="583565"/>
+          </a:xfrm>
+          <a:prstGeom prst="rect">
+            <a:avLst/>
+          </a:prstGeom>
+          <a:noFill/>
+        </p:spPr>
+        <p:txBody>
+          <a:bodyPr wrap="square" rtlCol="0" anchor="t">
+            <a:spAutoFit/>
+          </a:bodyPr>
+          <a:p>
+            <a:pPr marL="0" lvl="0" indent="457200">
+              <a:buNone/>
+            </a:pPr>
+            <a:r>
+              <a:rPr lang="zh-CN" sz="1600" dirty="0">
+                <a:latin typeface="微软雅黑" panose="020B0503020204020204" charset="-122"/>
+                <a:ea typeface="微软雅黑" panose="020B0503020204020204" charset="-122"/>
+                <a:sym typeface="+mn-ea"/>
+              </a:rPr>
+              <a:t>其中的第一篇，任务就有很大差距，他的贡献在于结合了</a:t>
+            </a:r>
+            <a:r>
+              <a:rPr lang="zh-CN" sz="1600" b="1" dirty="0">
+                <a:latin typeface="微软雅黑" panose="020B0503020204020204" charset="-122"/>
+                <a:ea typeface="微软雅黑" panose="020B0503020204020204" charset="-122"/>
+                <a:sym typeface="+mn-ea"/>
+              </a:rPr>
+              <a:t>微超声</a:t>
+            </a:r>
+            <a:r>
+              <a:rPr lang="zh-CN" sz="1600" dirty="0">
+                <a:latin typeface="微软雅黑" panose="020B0503020204020204" charset="-122"/>
+                <a:ea typeface="微软雅黑" panose="020B0503020204020204" charset="-122"/>
+                <a:sym typeface="+mn-ea"/>
+              </a:rPr>
+              <a:t>和</a:t>
+            </a:r>
+            <a:r>
+              <a:rPr lang="zh-CN" sz="1600" b="1" dirty="0">
+                <a:latin typeface="微软雅黑" panose="020B0503020204020204" charset="-122"/>
+                <a:ea typeface="微软雅黑" panose="020B0503020204020204" charset="-122"/>
+                <a:sym typeface="+mn-ea"/>
+              </a:rPr>
+              <a:t>超声</a:t>
+            </a:r>
+            <a:r>
+              <a:rPr lang="zh-CN" sz="1600" dirty="0">
+                <a:latin typeface="微软雅黑" panose="020B0503020204020204" charset="-122"/>
+                <a:ea typeface="微软雅黑" panose="020B0503020204020204" charset="-122"/>
+                <a:sym typeface="+mn-ea"/>
+              </a:rPr>
+              <a:t>做分类。我看到这里就没看了。</a:t>
+            </a:r>
+            <a:endParaRPr lang="en-US" altLang="zh-CN" sz="1600" dirty="0">
+              <a:latin typeface="微软雅黑" panose="020B0503020204020204" charset="-122"/>
+              <a:ea typeface="微软雅黑" panose="020B0503020204020204" charset="-122"/>
+              <a:sym typeface="+mn-ea"/>
+            </a:endParaRPr>
+          </a:p>
+        </p:txBody>
+      </p:sp>
       <p:pic>
         <p:nvPicPr>
-          <p:cNvPr id="9" name="图片 8"/>
+          <p:cNvPr id="8" name="图片 7"/>
           <p:cNvPicPr>
             <a:picLocks noChangeAspect="1"/>
           </p:cNvPicPr>
@@ -5836,8 +9702,32 @@
         </p:blipFill>
         <p:spPr>
           <a:xfrm>
-            <a:off x="6521450" y="4554220"/>
-            <a:ext cx="5650865" cy="1770380"/>
+            <a:off x="667385" y="3429000"/>
+            <a:ext cx="4438650" cy="285750"/>
+          </a:xfrm>
+          <a:prstGeom prst="rect">
+            <a:avLst/>
+          </a:prstGeom>
+        </p:spPr>
+      </p:pic>
+      <p:pic>
+        <p:nvPicPr>
+          <p:cNvPr id="9" name="图片 8"/>
+          <p:cNvPicPr>
+            <a:picLocks noChangeAspect="1"/>
+          </p:cNvPicPr>
+          <p:nvPr/>
+        </p:nvPicPr>
+        <p:blipFill>
+          <a:blip r:embed="rId5"/>
+          <a:stretch>
+            <a:fillRect/>
+          </a:stretch>
+        </p:blipFill>
+        <p:spPr>
+          <a:xfrm>
+            <a:off x="902970" y="3817620"/>
+            <a:ext cx="4431665" cy="1388110"/>
           </a:xfrm>
           <a:prstGeom prst="rect">
             <a:avLst/>
@@ -5869,40 +9759,16 @@
           <a:chExt cx="0" cy="0"/>
         </a:xfrm>
       </p:grpSpPr>
-      <p:pic>
-        <p:nvPicPr>
-          <p:cNvPr id="4" name="图片 3" descr="1"/>
-          <p:cNvPicPr>
-            <a:picLocks noChangeAspect="1"/>
-          </p:cNvPicPr>
-          <p:nvPr/>
-        </p:nvPicPr>
-        <p:blipFill>
-          <a:blip r:embed="rId1"/>
-          <a:stretch>
-            <a:fillRect/>
-          </a:stretch>
-        </p:blipFill>
-        <p:spPr>
-          <a:xfrm>
-            <a:off x="4745355" y="-588645"/>
-            <a:ext cx="12060555" cy="8474075"/>
-          </a:xfrm>
-          <a:prstGeom prst="rect">
-            <a:avLst/>
-          </a:prstGeom>
-        </p:spPr>
-      </p:pic>
-      <p:sp>
-        <p:nvSpPr>
-          <p:cNvPr id="5" name="文本框 4"/>
+      <p:sp>
+        <p:nvSpPr>
+          <p:cNvPr id="13" name="文本框 12"/>
           <p:cNvSpPr txBox="1"/>
           <p:nvPr/>
         </p:nvSpPr>
         <p:spPr>
           <a:xfrm>
-            <a:off x="1038225" y="1470025"/>
-            <a:ext cx="2301875" cy="1861185"/>
+            <a:off x="106466" y="601786"/>
+            <a:ext cx="1033780" cy="398780"/>
           </a:xfrm>
           <a:prstGeom prst="rect">
             <a:avLst/>
@@ -5910,71 +9776,36 @@
           <a:noFill/>
         </p:spPr>
         <p:txBody>
-          <a:bodyPr wrap="square" rtlCol="0">
+          <a:bodyPr wrap="none" rtlCol="0">
             <a:spAutoFit/>
           </a:bodyPr>
           <a:lstStyle/>
           <a:p>
-            <a:pPr marL="0" marR="0" lvl="0" indent="0" algn="l" defTabSz="914400" rtl="0" eaLnBrk="1" fontAlgn="auto" latinLnBrk="0" hangingPunct="1">
-              <a:lnSpc>
-                <a:spcPct val="100000"/>
-              </a:lnSpc>
-              <a:spcBef>
-                <a:spcPts val="0"/>
-              </a:spcBef>
-              <a:spcAft>
-                <a:spcPts val="0"/>
-              </a:spcAft>
-              <a:buClrTx/>
-              <a:buSzTx/>
-              <a:buFontTx/>
-              <a:buNone/>
-              <a:defRPr/>
-            </a:pPr>
-            <a:r>
-              <a:rPr kumimoji="0" lang="en-US" altLang="zh-CN" sz="11500" b="0" i="0" u="none" strike="noStrike" kern="1200" cap="none" spc="0" normalizeH="0" baseline="0" noProof="0" dirty="0">
-                <a:ln>
-                  <a:solidFill>
-                    <a:srgbClr val="383987"/>
-                  </a:solidFill>
-                </a:ln>
-                <a:noFill/>
-                <a:effectLst/>
-                <a:uLnTx/>
-                <a:uFillTx/>
-                <a:latin typeface="Agency FB" panose="020B0503020202020204" pitchFamily="34" charset="0"/>
-                <a:ea typeface="宋体" panose="02010600030101010101" pitchFamily="2" charset="-122"/>
-                <a:cs typeface="+mn-cs"/>
-              </a:rPr>
-              <a:t>02</a:t>
-            </a:r>
-            <a:endParaRPr kumimoji="0" lang="en-US" altLang="zh-CN" sz="11500" b="0" i="0" u="none" strike="noStrike" kern="1200" cap="none" spc="0" normalizeH="0" baseline="0" noProof="0" dirty="0">
-              <a:ln>
-                <a:solidFill>
-                  <a:srgbClr val="383987"/>
-                </a:solidFill>
-              </a:ln>
-              <a:noFill/>
-              <a:effectLst/>
-              <a:uLnTx/>
-              <a:uFillTx/>
-              <a:latin typeface="Agency FB" panose="020B0503020202020204" pitchFamily="34" charset="0"/>
-              <a:ea typeface="宋体" panose="02010600030101010101" pitchFamily="2" charset="-122"/>
-              <a:cs typeface="+mn-cs"/>
-            </a:endParaRPr>
-          </a:p>
-        </p:txBody>
-      </p:sp>
-      <p:sp>
-        <p:nvSpPr>
-          <p:cNvPr id="6" name="文本框 5"/>
+            <a:pPr marL="342900" indent="-342900">
+              <a:buFont typeface="Wingdings" panose="05000000000000000000" charset="0"/>
+              <a:buChar char="n"/>
+            </a:pPr>
+            <a:r>
+              <a:rPr lang="zh-CN" altLang="en-US" sz="2000" b="1" dirty="0">
+                <a:latin typeface="微软雅黑" panose="020B0503020204020204" charset="-122"/>
+                <a:ea typeface="微软雅黑" panose="020B0503020204020204" charset="-122"/>
+              </a:rPr>
+              <a:t>概述</a:t>
+            </a:r>
+            <a:endParaRPr lang="zh-CN" altLang="en-US" sz="2000" b="1" dirty="0"/>
+          </a:p>
+        </p:txBody>
+      </p:sp>
+      <p:sp>
+        <p:nvSpPr>
+          <p:cNvPr id="7" name="文本框 6"/>
           <p:cNvSpPr txBox="1"/>
           <p:nvPr/>
         </p:nvSpPr>
         <p:spPr>
           <a:xfrm>
-            <a:off x="1265555" y="3049270"/>
-            <a:ext cx="11768455" cy="777240"/>
+            <a:off x="724535" y="1323340"/>
+            <a:ext cx="2247900" cy="410845"/>
           </a:xfrm>
           <a:prstGeom prst="rect">
             <a:avLst/>
@@ -5982,10 +9813,69 @@
           <a:noFill/>
         </p:spPr>
         <p:txBody>
-          <a:bodyPr wrap="square" rtlCol="0">
+          <a:bodyPr wrap="square">
             <a:noAutofit/>
           </a:bodyPr>
           <a:lstStyle/>
+          <a:p>
+            <a:pPr algn="l" fontAlgn="auto">
+              <a:lnSpc>
+                <a:spcPts val="2200"/>
+              </a:lnSpc>
+              <a:buClrTx/>
+              <a:buSzTx/>
+              <a:buNone/>
+            </a:pPr>
+            <a:endParaRPr lang="zh-CN" altLang="en-US" sz="1600" dirty="0">
+              <a:latin typeface="微软雅黑" panose="020B0503020204020204" charset="-122"/>
+              <a:ea typeface="微软雅黑" panose="020B0503020204020204" charset="-122"/>
+            </a:endParaRPr>
+          </a:p>
+        </p:txBody>
+      </p:sp>
+      <p:sp>
+        <p:nvSpPr>
+          <p:cNvPr id="3" name="矩形 2"/>
+          <p:cNvSpPr/>
+          <p:nvPr>
+            <p:custDataLst>
+              <p:tags r:id="rId1"/>
+            </p:custDataLst>
+          </p:nvPr>
+        </p:nvSpPr>
+        <p:spPr>
+          <a:xfrm>
+            <a:off x="-6350" y="0"/>
+            <a:ext cx="12198350" cy="540000"/>
+          </a:xfrm>
+          <a:prstGeom prst="rect">
+            <a:avLst/>
+          </a:prstGeom>
+          <a:solidFill>
+            <a:srgbClr val="A099CB"/>
+          </a:solidFill>
+          <a:ln>
+            <a:noFill/>
+          </a:ln>
+        </p:spPr>
+        <p:style>
+          <a:lnRef idx="2">
+            <a:schemeClr val="accent1">
+              <a:shade val="50000"/>
+            </a:schemeClr>
+          </a:lnRef>
+          <a:fillRef idx="1">
+            <a:schemeClr val="accent1"/>
+          </a:fillRef>
+          <a:effectRef idx="0">
+            <a:schemeClr val="accent1"/>
+          </a:effectRef>
+          <a:fontRef idx="minor">
+            <a:schemeClr val="lt1"/>
+          </a:fontRef>
+        </p:style>
+        <p:txBody>
+          <a:bodyPr rtlCol="0" anchor="ctr"/>
           <a:p>
             <a:pPr marL="0" marR="0" lvl="0" indent="0" algn="ctr" defTabSz="914400" rtl="0" eaLnBrk="1" fontAlgn="auto" latinLnBrk="0" hangingPunct="1">
               <a:lnSpc>
@@ -6004,20 +9894,232 @@
               <a:defRPr/>
             </a:pPr>
             <a:r>
-              <a:rPr lang="zh-CN" sz="3600" dirty="0">
-                <a:solidFill>
-                  <a:srgbClr val="383987"/>
-                </a:solidFill>
+              <a:rPr lang="en-US" altLang="zh-CN" sz="1800" dirty="0">
+                <a:effectLst/>
+                <a:latin typeface="微软雅黑" panose="020B0503020204020204" charset="-122"/>
+                <a:ea typeface="微软雅黑" panose="020B0503020204020204" charset="-122"/>
+              </a:rPr>
+              <a:t>1.</a:t>
+            </a:r>
+            <a:r>
+              <a:rPr lang="en-US" altLang="zh-CN" dirty="0">
+                <a:effectLst/>
                 <a:latin typeface="微软雅黑" panose="020B0503020204020204" charset="-122"/>
                 <a:ea typeface="微软雅黑" panose="020B0503020204020204" charset="-122"/>
                 <a:sym typeface="+mn-ea"/>
               </a:rPr>
-              <a:t>自己总结</a:t>
-            </a:r>
-            <a:endParaRPr lang="zh-CN" sz="3600" dirty="0">
-              <a:solidFill>
-                <a:srgbClr val="383987"/>
-              </a:solidFill>
+              <a:t>论文</a:t>
+            </a:r>
+            <a:endParaRPr lang="en-US" altLang="zh-CN" dirty="0">
+              <a:effectLst/>
+              <a:latin typeface="微软雅黑" panose="020B0503020204020204" charset="-122"/>
+              <a:ea typeface="微软雅黑" panose="020B0503020204020204" charset="-122"/>
+            </a:endParaRPr>
+          </a:p>
+        </p:txBody>
+      </p:sp>
+      <p:sp>
+        <p:nvSpPr>
+          <p:cNvPr id="5" name="文本框 4"/>
+          <p:cNvSpPr txBox="1"/>
+          <p:nvPr>
+            <p:custDataLst>
+              <p:tags r:id="rId2"/>
+            </p:custDataLst>
+          </p:nvPr>
+        </p:nvSpPr>
+        <p:spPr>
+          <a:xfrm>
+            <a:off x="455295" y="972185"/>
+            <a:ext cx="11736705" cy="1337945"/>
+          </a:xfrm>
+          <a:prstGeom prst="rect">
+            <a:avLst/>
+          </a:prstGeom>
+          <a:noFill/>
+        </p:spPr>
+        <p:txBody>
+          <a:bodyPr wrap="square" rtlCol="0">
+            <a:spAutoFit/>
+          </a:bodyPr>
+          <a:p>
+            <a:pPr marL="285750" indent="-285750">
+              <a:lnSpc>
+                <a:spcPct val="150000"/>
+              </a:lnSpc>
+              <a:buFont typeface="Wingdings" panose="05000000000000000000" charset="0"/>
+              <a:buChar char="p"/>
+            </a:pPr>
+            <a:r>
+              <a:rPr lang="en-US" altLang="zh-CN" b="1" dirty="0">
+                <a:latin typeface="微软雅黑" panose="020B0503020204020204" charset="-122"/>
+                <a:ea typeface="微软雅黑" panose="020B0503020204020204" charset="-122"/>
+              </a:rPr>
+              <a:t>Lu X, Liu X, Xiao Z, et al. Self-supervised dual-head attentional bootstrap learning network for prostate cancer screening in transrectal ultrasound images[J]. Computers in Biology and Medicine, 2023, 165: 107337..</a:t>
+            </a:r>
+            <a:endParaRPr lang="en-US" altLang="zh-CN" b="1" dirty="0">
+              <a:latin typeface="微软雅黑" panose="020B0503020204020204" charset="-122"/>
+              <a:ea typeface="微软雅黑" panose="020B0503020204020204" charset="-122"/>
+            </a:endParaRPr>
+          </a:p>
+        </p:txBody>
+      </p:sp>
+      <p:pic>
+        <p:nvPicPr>
+          <p:cNvPr id="4" name="图片 3"/>
+          <p:cNvPicPr>
+            <a:picLocks noChangeAspect="1"/>
+          </p:cNvPicPr>
+          <p:nvPr/>
+        </p:nvPicPr>
+        <p:blipFill>
+          <a:blip r:embed="rId3"/>
+          <a:stretch>
+            <a:fillRect/>
+          </a:stretch>
+        </p:blipFill>
+        <p:spPr>
+          <a:xfrm>
+            <a:off x="3261360" y="2804160"/>
+            <a:ext cx="8998585" cy="3900805"/>
+          </a:xfrm>
+          <a:prstGeom prst="rect">
+            <a:avLst/>
+          </a:prstGeom>
+        </p:spPr>
+      </p:pic>
+      <p:sp>
+        <p:nvSpPr>
+          <p:cNvPr id="8" name="文本框 7"/>
+          <p:cNvSpPr txBox="1"/>
+          <p:nvPr/>
+        </p:nvSpPr>
+        <p:spPr>
+          <a:xfrm>
+            <a:off x="106680" y="2517775"/>
+            <a:ext cx="2731135" cy="1568450"/>
+          </a:xfrm>
+          <a:prstGeom prst="rect">
+            <a:avLst/>
+          </a:prstGeom>
+          <a:noFill/>
+        </p:spPr>
+        <p:txBody>
+          <a:bodyPr wrap="square" rtlCol="0" anchor="t">
+            <a:spAutoFit/>
+          </a:bodyPr>
+          <a:p>
+            <a:r>
+              <a:rPr lang="zh-CN" sz="1600" dirty="0">
+                <a:latin typeface="微软雅黑" panose="020B0503020204020204" charset="-122"/>
+                <a:ea typeface="微软雅黑" panose="020B0503020204020204" charset="-122"/>
+                <a:sym typeface="+mn-ea"/>
+              </a:rPr>
+              <a:t>基于对比学习的自监督的分类</a:t>
+            </a:r>
+            <a:r>
+              <a:rPr lang="en-US" altLang="zh-CN" sz="1600" dirty="0">
+                <a:latin typeface="微软雅黑" panose="020B0503020204020204" charset="-122"/>
+                <a:ea typeface="微软雅黑" panose="020B0503020204020204" charset="-122"/>
+                <a:sym typeface="+mn-ea"/>
+              </a:rPr>
+              <a:t>work</a:t>
+            </a:r>
+            <a:r>
+              <a:rPr lang="zh-CN" altLang="en-US" sz="1600" dirty="0">
+                <a:latin typeface="微软雅黑" panose="020B0503020204020204" charset="-122"/>
+                <a:ea typeface="微软雅黑" panose="020B0503020204020204" charset="-122"/>
+                <a:sym typeface="+mn-ea"/>
+              </a:rPr>
+              <a:t>，是</a:t>
+            </a:r>
+            <a:r>
+              <a:rPr lang="en-US" altLang="zh-CN" sz="1600" b="1" dirty="0">
+                <a:latin typeface="微软雅黑" panose="020B0503020204020204" charset="-122"/>
+                <a:ea typeface="微软雅黑" panose="020B0503020204020204" charset="-122"/>
+                <a:sym typeface="+mn-ea"/>
+              </a:rPr>
+              <a:t>23</a:t>
+            </a:r>
+            <a:r>
+              <a:rPr lang="zh-CN" altLang="en-US" sz="1600" b="1" dirty="0">
+                <a:latin typeface="微软雅黑" panose="020B0503020204020204" charset="-122"/>
+                <a:ea typeface="微软雅黑" panose="020B0503020204020204" charset="-122"/>
+                <a:sym typeface="+mn-ea"/>
+              </a:rPr>
+              <a:t>年</a:t>
+            </a:r>
+            <a:r>
+              <a:rPr lang="en-US" altLang="zh-CN" sz="1600" b="1" dirty="0">
+                <a:latin typeface="微软雅黑" panose="020B0503020204020204" charset="-122"/>
+                <a:ea typeface="微软雅黑" panose="020B0503020204020204" charset="-122"/>
+                <a:sym typeface="+mn-ea"/>
+              </a:rPr>
+              <a:t>12</a:t>
+            </a:r>
+            <a:r>
+              <a:rPr lang="zh-CN" altLang="en-US" sz="1600" b="1" dirty="0">
+                <a:latin typeface="微软雅黑" panose="020B0503020204020204" charset="-122"/>
+                <a:ea typeface="微软雅黑" panose="020B0503020204020204" charset="-122"/>
+                <a:sym typeface="+mn-ea"/>
+              </a:rPr>
+              <a:t>月</a:t>
+            </a:r>
+            <a:r>
+              <a:rPr lang="zh-CN" altLang="en-US" sz="1600" dirty="0">
+                <a:latin typeface="微软雅黑" panose="020B0503020204020204" charset="-122"/>
+                <a:ea typeface="微软雅黑" panose="020B0503020204020204" charset="-122"/>
+                <a:sym typeface="+mn-ea"/>
+              </a:rPr>
+              <a:t>之前和我们一样任务的</a:t>
+            </a:r>
+            <a:r>
+              <a:rPr lang="en-US" altLang="zh-CN" sz="1600" b="1" dirty="0">
+                <a:latin typeface="微软雅黑" panose="020B0503020204020204" charset="-122"/>
+                <a:ea typeface="微软雅黑" panose="020B0503020204020204" charset="-122"/>
+                <a:sym typeface="+mn-ea"/>
+              </a:rPr>
+              <a:t>sota</a:t>
+            </a:r>
+            <a:endParaRPr lang="en-US" altLang="zh-CN" sz="1600" dirty="0">
+              <a:latin typeface="微软雅黑" panose="020B0503020204020204" charset="-122"/>
+              <a:ea typeface="微软雅黑" panose="020B0503020204020204" charset="-122"/>
+              <a:sym typeface="+mn-ea"/>
+            </a:endParaRPr>
+          </a:p>
+          <a:p>
+            <a:endParaRPr lang="en-US" altLang="zh-CN" sz="1600" dirty="0">
+              <a:latin typeface="微软雅黑" panose="020B0503020204020204" charset="-122"/>
+              <a:ea typeface="微软雅黑" panose="020B0503020204020204" charset="-122"/>
+              <a:sym typeface="+mn-ea"/>
+            </a:endParaRPr>
+          </a:p>
+          <a:p>
+            <a:r>
+              <a:rPr lang="zh-CN" altLang="en-US" sz="1600" dirty="0">
+                <a:latin typeface="微软雅黑" panose="020B0503020204020204" charset="-122"/>
+                <a:ea typeface="微软雅黑" panose="020B0503020204020204" charset="-122"/>
+                <a:sym typeface="+mn-ea"/>
+              </a:rPr>
+              <a:t>使用</a:t>
+            </a:r>
+            <a:r>
+              <a:rPr lang="en-US" altLang="zh-CN" sz="1600" b="1" dirty="0">
+                <a:latin typeface="微软雅黑" panose="020B0503020204020204" charset="-122"/>
+                <a:ea typeface="微软雅黑" panose="020B0503020204020204" charset="-122"/>
+                <a:sym typeface="+mn-ea"/>
+              </a:rPr>
+              <a:t>BYOL</a:t>
+            </a:r>
+            <a:r>
+              <a:rPr lang="zh-CN" altLang="en-US" sz="1600" dirty="0">
+                <a:latin typeface="微软雅黑" panose="020B0503020204020204" charset="-122"/>
+                <a:ea typeface="微软雅黑" panose="020B0503020204020204" charset="-122"/>
+                <a:sym typeface="+mn-ea"/>
+              </a:rPr>
+              <a:t>的在线网络目标网络对齐思想实现。</a:t>
+            </a:r>
+            <a:endParaRPr lang="zh-CN" altLang="en-US" sz="1600" dirty="0">
               <a:latin typeface="微软雅黑" panose="020B0503020204020204" charset="-122"/>
               <a:ea typeface="微软雅黑" panose="020B0503020204020204" charset="-122"/>
               <a:sym typeface="+mn-ea"/>
@@ -6052,6 +10154,43 @@
       </p:grpSpPr>
       <p:sp>
         <p:nvSpPr>
+          <p:cNvPr id="13" name="文本框 12"/>
+          <p:cNvSpPr txBox="1"/>
+          <p:nvPr/>
+        </p:nvSpPr>
+        <p:spPr>
+          <a:xfrm>
+            <a:off x="106466" y="601786"/>
+            <a:ext cx="1033780" cy="398780"/>
+          </a:xfrm>
+          <a:prstGeom prst="rect">
+            <a:avLst/>
+          </a:prstGeom>
+          <a:noFill/>
+        </p:spPr>
+        <p:txBody>
+          <a:bodyPr wrap="none" rtlCol="0">
+            <a:spAutoFit/>
+          </a:bodyPr>
+          <a:lstStyle/>
+          <a:p>
+            <a:pPr marL="342900" indent="-342900">
+              <a:buFont typeface="Wingdings" panose="05000000000000000000" charset="0"/>
+              <a:buChar char="n"/>
+            </a:pPr>
+            <a:r>
+              <a:rPr lang="zh-CN" altLang="en-US" sz="2000" b="1" dirty="0">
+                <a:latin typeface="微软雅黑" panose="020B0503020204020204" charset="-122"/>
+                <a:ea typeface="微软雅黑" panose="020B0503020204020204" charset="-122"/>
+              </a:rPr>
+              <a:t>概述</a:t>
+            </a:r>
+            <a:endParaRPr lang="zh-CN" altLang="en-US" sz="2000" b="1" dirty="0"/>
+          </a:p>
+        </p:txBody>
+      </p:sp>
+      <p:sp>
+        <p:nvSpPr>
           <p:cNvPr id="7" name="文本框 6"/>
           <p:cNvSpPr txBox="1"/>
           <p:nvPr/>
@@ -6153,17 +10292,18 @@
                 <a:latin typeface="微软雅黑" panose="020B0503020204020204" charset="-122"/>
                 <a:ea typeface="微软雅黑" panose="020B0503020204020204" charset="-122"/>
               </a:rPr>
-              <a:t>2.</a:t>
-            </a:r>
-            <a:r>
-              <a:rPr lang="zh-CN" altLang="en-US" sz="1800" dirty="0">
+              <a:t>1.</a:t>
+            </a:r>
+            <a:r>
+              <a:rPr lang="en-US" altLang="zh-CN" dirty="0">
                 <a:effectLst/>
                 <a:latin typeface="微软雅黑" panose="020B0503020204020204" charset="-122"/>
                 <a:ea typeface="微软雅黑" panose="020B0503020204020204" charset="-122"/>
-              </a:rPr>
-              <a:t>自己总结</a:t>
-            </a:r>
-            <a:endParaRPr lang="zh-CN" altLang="en-US" sz="1800" dirty="0">
+                <a:sym typeface="+mn-ea"/>
+              </a:rPr>
+              <a:t>论文</a:t>
+            </a:r>
+            <a:endParaRPr lang="en-US" altLang="zh-CN" dirty="0">
               <a:effectLst/>
               <a:latin typeface="微软雅黑" panose="020B0503020204020204" charset="-122"/>
               <a:ea typeface="微软雅黑" panose="020B0503020204020204" charset="-122"/>
@@ -6173,7 +10313,7 @@
       </p:sp>
       <p:sp>
         <p:nvSpPr>
-          <p:cNvPr id="8" name="文本框 7"/>
+          <p:cNvPr id="5" name="文本框 4"/>
           <p:cNvSpPr txBox="1"/>
           <p:nvPr>
             <p:custDataLst>
@@ -6183,8 +10323,8 @@
         </p:nvSpPr>
         <p:spPr>
           <a:xfrm>
-            <a:off x="106680" y="594360"/>
-            <a:ext cx="11736705" cy="506730"/>
+            <a:off x="455295" y="972185"/>
+            <a:ext cx="11736705" cy="1337945"/>
           </a:xfrm>
           <a:prstGeom prst="rect">
             <a:avLst/>
@@ -6208,21 +10348,7 @@
                 <a:latin typeface="微软雅黑" panose="020B0503020204020204" charset="-122"/>
                 <a:ea typeface="微软雅黑" panose="020B0503020204020204" charset="-122"/>
               </a:rPr>
-              <a:t>github</a:t>
-            </a:r>
-            <a:r>
-              <a:rPr lang="zh-CN" altLang="en-US" b="1" dirty="0">
-                <a:latin typeface="微软雅黑" panose="020B0503020204020204" charset="-122"/>
-                <a:ea typeface="微软雅黑" panose="020B0503020204020204" charset="-122"/>
-              </a:rPr>
-              <a:t>上相关项目：通过关键词</a:t>
-            </a:r>
-            <a:r>
-              <a:rPr lang="en-US" altLang="zh-CN" b="1" dirty="0">
-                <a:latin typeface="微软雅黑" panose="020B0503020204020204" charset="-122"/>
-                <a:ea typeface="微软雅黑" panose="020B0503020204020204" charset="-122"/>
-              </a:rPr>
-              <a:t>“prostate cancer “ ”ultrasound”</a:t>
+              <a:t>Lu X, Liu X, Xiao Z, et al. Self-supervised dual-head attentional bootstrap learning network for prostate cancer screening in transrectal ultrasound images[J]. Computers in Biology and Medicine, 2023, 165: 107337..</a:t>
             </a:r>
             <a:endParaRPr lang="en-US" altLang="zh-CN" b="1" dirty="0">
               <a:latin typeface="微软雅黑" panose="020B0503020204020204" charset="-122"/>
@@ -6233,14 +10359,14 @@
       </p:sp>
       <p:sp>
         <p:nvSpPr>
-          <p:cNvPr id="10" name="文本框 9"/>
+          <p:cNvPr id="8" name="文本框 7"/>
           <p:cNvSpPr txBox="1"/>
           <p:nvPr/>
         </p:nvSpPr>
         <p:spPr>
           <a:xfrm>
-            <a:off x="286385" y="1155700"/>
-            <a:ext cx="7369175" cy="1423670"/>
+            <a:off x="241300" y="2411730"/>
+            <a:ext cx="6346190" cy="4030980"/>
           </a:xfrm>
           <a:prstGeom prst="rect">
             <a:avLst/>
@@ -6248,120 +10374,227 @@
           <a:noFill/>
         </p:spPr>
         <p:txBody>
-          <a:bodyPr wrap="square" rtlCol="0">
-            <a:noAutofit/>
+          <a:bodyPr wrap="square" rtlCol="0" anchor="t">
+            <a:spAutoFit/>
           </a:bodyPr>
           <a:p>
-            <a:pPr marL="0" lvl="0" indent="457200">
-              <a:buNone/>
-            </a:pPr>
+            <a:r>
+              <a:rPr lang="zh-CN" sz="1600" dirty="0">
+                <a:latin typeface="微软雅黑" panose="020B0503020204020204" charset="-122"/>
+                <a:ea typeface="微软雅黑" panose="020B0503020204020204" charset="-122"/>
+                <a:sym typeface="+mn-ea"/>
+              </a:rPr>
+              <a:t>提出一个自监督的双头注意力的学习网络</a:t>
+            </a:r>
+            <a:r>
+              <a:rPr lang="en-US" altLang="zh-CN" sz="1600" dirty="0">
+                <a:latin typeface="微软雅黑" panose="020B0503020204020204" charset="-122"/>
+                <a:ea typeface="微软雅黑" panose="020B0503020204020204" charset="-122"/>
+                <a:sym typeface="+mn-ea"/>
+              </a:rPr>
+              <a:t>SDABL</a:t>
+            </a:r>
             <a:r>
               <a:rPr lang="zh-CN" altLang="en-US" sz="1600" dirty="0">
-                <a:solidFill>
-                  <a:schemeClr val="tx1"/>
-                </a:solidFill>
-                <a:latin typeface="微软雅黑" panose="020B0503020204020204" charset="-122"/>
-                <a:ea typeface="微软雅黑" panose="020B0503020204020204" charset="-122"/>
-              </a:rPr>
-              <a:t>搜索出来的基本是微超声的项目，我搜了微超声和我们的任务不一致，所以</a:t>
+                <a:latin typeface="微软雅黑" panose="020B0503020204020204" charset="-122"/>
+                <a:ea typeface="微软雅黑" panose="020B0503020204020204" charset="-122"/>
+                <a:sym typeface="+mn-ea"/>
+              </a:rPr>
+              <a:t>，结合</a:t>
             </a:r>
             <a:r>
               <a:rPr lang="en-US" altLang="zh-CN" sz="1600" dirty="0">
-                <a:solidFill>
-                  <a:schemeClr val="tx1"/>
-                </a:solidFill>
-                <a:latin typeface="微软雅黑" panose="020B0503020204020204" charset="-122"/>
-                <a:ea typeface="微软雅黑" panose="020B0503020204020204" charset="-122"/>
-              </a:rPr>
-              <a:t>github</a:t>
+                <a:latin typeface="微软雅黑" panose="020B0503020204020204" charset="-122"/>
+                <a:ea typeface="微软雅黑" panose="020B0503020204020204" charset="-122"/>
+                <a:sym typeface="+mn-ea"/>
+              </a:rPr>
+              <a:t>BYOL</a:t>
             </a:r>
             <a:r>
               <a:rPr lang="zh-CN" altLang="en-US" sz="1600" dirty="0">
-                <a:solidFill>
-                  <a:schemeClr val="tx1"/>
-                </a:solidFill>
-                <a:latin typeface="微软雅黑" panose="020B0503020204020204" charset="-122"/>
-                <a:ea typeface="微软雅黑" panose="020B0503020204020204" charset="-122"/>
-              </a:rPr>
-              <a:t>上的项目没有和我们的任务很相关的，那么也可以说现有的开源的任务和我们的相关的很少。</a:t>
+                <a:latin typeface="微软雅黑" panose="020B0503020204020204" charset="-122"/>
+                <a:ea typeface="微软雅黑" panose="020B0503020204020204" charset="-122"/>
+                <a:sym typeface="+mn-ea"/>
+              </a:rPr>
+              <a:t>的思想实现自监督。</a:t>
             </a:r>
             <a:endParaRPr lang="zh-CN" altLang="en-US" sz="1600" dirty="0">
-              <a:solidFill>
-                <a:schemeClr val="tx1"/>
-              </a:solidFill>
-              <a:latin typeface="微软雅黑" panose="020B0503020204020204" charset="-122"/>
-              <a:ea typeface="微软雅黑" panose="020B0503020204020204" charset="-122"/>
-            </a:endParaRPr>
-          </a:p>
-          <a:p>
-            <a:pPr marL="0" lvl="0" indent="457200">
-              <a:buNone/>
-            </a:pPr>
+              <a:latin typeface="微软雅黑" panose="020B0503020204020204" charset="-122"/>
+              <a:ea typeface="微软雅黑" panose="020B0503020204020204" charset="-122"/>
+              <a:sym typeface="+mn-ea"/>
+            </a:endParaRPr>
+          </a:p>
+          <a:p>
             <a:endParaRPr lang="zh-CN" altLang="en-US" sz="1600" dirty="0">
-              <a:solidFill>
-                <a:schemeClr val="tx1"/>
-              </a:solidFill>
-              <a:latin typeface="微软雅黑" panose="020B0503020204020204" charset="-122"/>
-              <a:ea typeface="微软雅黑" panose="020B0503020204020204" charset="-122"/>
-            </a:endParaRPr>
-          </a:p>
-          <a:p>
-            <a:pPr marL="0" lvl="0" indent="457200">
-              <a:buNone/>
-            </a:pPr>
+              <a:latin typeface="微软雅黑" panose="020B0503020204020204" charset="-122"/>
+              <a:ea typeface="微软雅黑" panose="020B0503020204020204" charset="-122"/>
+              <a:sym typeface="+mn-ea"/>
+            </a:endParaRPr>
+          </a:p>
+          <a:p>
             <a:r>
               <a:rPr lang="zh-CN" altLang="en-US" sz="1600" dirty="0">
-                <a:solidFill>
-                  <a:schemeClr val="tx1"/>
-                </a:solidFill>
-                <a:latin typeface="微软雅黑" panose="020B0503020204020204" charset="-122"/>
-                <a:ea typeface="微软雅黑" panose="020B0503020204020204" charset="-122"/>
-              </a:rPr>
-              <a:t>至于</a:t>
+                <a:latin typeface="微软雅黑" panose="020B0503020204020204" charset="-122"/>
+                <a:ea typeface="微软雅黑" panose="020B0503020204020204" charset="-122"/>
+                <a:sym typeface="+mn-ea"/>
+              </a:rPr>
+              <a:t>先执行了一个</a:t>
+            </a:r>
+            <a:r>
+              <a:rPr lang="zh-CN" altLang="en-US" sz="1600" b="1" dirty="0">
+                <a:latin typeface="微软雅黑" panose="020B0503020204020204" charset="-122"/>
+                <a:ea typeface="微软雅黑" panose="020B0503020204020204" charset="-122"/>
+                <a:sym typeface="+mn-ea"/>
+              </a:rPr>
+              <a:t>数据增强</a:t>
+            </a:r>
+            <a:r>
+              <a:rPr lang="zh-CN" altLang="en-US" sz="1600" dirty="0">
+                <a:latin typeface="微软雅黑" panose="020B0503020204020204" charset="-122"/>
+                <a:ea typeface="微软雅黑" panose="020B0503020204020204" charset="-122"/>
+                <a:sym typeface="+mn-ea"/>
+              </a:rPr>
+              <a:t>，增强操作包括：颜色抖动、灰度化、翻转、随机裁剪和高斯模糊。</a:t>
+            </a:r>
+            <a:endParaRPr lang="zh-CN" altLang="en-US" sz="1600" dirty="0">
+              <a:latin typeface="微软雅黑" panose="020B0503020204020204" charset="-122"/>
+              <a:ea typeface="微软雅黑" panose="020B0503020204020204" charset="-122"/>
+              <a:sym typeface="+mn-ea"/>
+            </a:endParaRPr>
+          </a:p>
+          <a:p>
+            <a:endParaRPr lang="zh-CN" altLang="en-US" sz="1600" dirty="0">
+              <a:latin typeface="微软雅黑" panose="020B0503020204020204" charset="-122"/>
+              <a:ea typeface="微软雅黑" panose="020B0503020204020204" charset="-122"/>
+              <a:sym typeface="+mn-ea"/>
+            </a:endParaRPr>
+          </a:p>
+          <a:p>
+            <a:r>
+              <a:rPr lang="zh-CN" altLang="en-US" sz="1600" dirty="0">
+                <a:latin typeface="微软雅黑" panose="020B0503020204020204" charset="-122"/>
+                <a:ea typeface="微软雅黑" panose="020B0503020204020204" charset="-122"/>
+                <a:sym typeface="+mn-ea"/>
+              </a:rPr>
+              <a:t>然后执行一个双路径网络包括一个在线网络</a:t>
             </a:r>
             <a:r>
               <a:rPr lang="en-US" altLang="zh-CN" sz="1600" dirty="0">
-                <a:solidFill>
-                  <a:schemeClr val="tx1"/>
-                </a:solidFill>
-                <a:latin typeface="微软雅黑" panose="020B0503020204020204" charset="-122"/>
-                <a:ea typeface="微软雅黑" panose="020B0503020204020204" charset="-122"/>
-              </a:rPr>
-              <a:t>github</a:t>
+                <a:latin typeface="微软雅黑" panose="020B0503020204020204" charset="-122"/>
+                <a:ea typeface="微软雅黑" panose="020B0503020204020204" charset="-122"/>
+                <a:sym typeface="+mn-ea"/>
+              </a:rPr>
+              <a:t> (Online-Net) </a:t>
             </a:r>
             <a:r>
               <a:rPr lang="zh-CN" altLang="en-US" sz="1600" dirty="0">
-                <a:solidFill>
-                  <a:schemeClr val="tx1"/>
-                </a:solidFill>
-                <a:latin typeface="微软雅黑" panose="020B0503020204020204" charset="-122"/>
-                <a:ea typeface="微软雅黑" panose="020B0503020204020204" charset="-122"/>
-              </a:rPr>
-              <a:t>上公开的前列腺癌症超声数据集，搜索为</a:t>
+                <a:latin typeface="微软雅黑" panose="020B0503020204020204" charset="-122"/>
+                <a:ea typeface="微软雅黑" panose="020B0503020204020204" charset="-122"/>
+                <a:sym typeface="+mn-ea"/>
+              </a:rPr>
+              <a:t>和目标网络</a:t>
             </a:r>
             <a:r>
               <a:rPr lang="en-US" altLang="zh-CN" sz="1600" dirty="0">
-                <a:solidFill>
-                  <a:schemeClr val="tx1"/>
-                </a:solidFill>
-                <a:latin typeface="微软雅黑" panose="020B0503020204020204" charset="-122"/>
-                <a:ea typeface="微软雅黑" panose="020B0503020204020204" charset="-122"/>
-              </a:rPr>
-              <a:t>0</a:t>
-            </a:r>
-            <a:endParaRPr lang="en-US" altLang="zh-CN" sz="1600" dirty="0">
-              <a:solidFill>
-                <a:schemeClr val="tx1"/>
-              </a:solidFill>
-              <a:latin typeface="微软雅黑" panose="020B0503020204020204" charset="-122"/>
-              <a:ea typeface="微软雅黑" panose="020B0503020204020204" charset="-122"/>
+                <a:latin typeface="微软雅黑" panose="020B0503020204020204" charset="-122"/>
+                <a:ea typeface="微软雅黑" panose="020B0503020204020204" charset="-122"/>
+                <a:sym typeface="+mn-ea"/>
+              </a:rPr>
+              <a:t> (Target-Net)</a:t>
+            </a:r>
+            <a:r>
+              <a:rPr lang="zh-CN" altLang="en-US" sz="1600" dirty="0">
+                <a:latin typeface="微软雅黑" panose="020B0503020204020204" charset="-122"/>
+                <a:ea typeface="微软雅黑" panose="020B0503020204020204" charset="-122"/>
+                <a:sym typeface="+mn-ea"/>
+              </a:rPr>
+              <a:t>。两个路径网络具有相同的结构和参数共享，但目标网络的参数通过指数移动平均</a:t>
+            </a:r>
+            <a:r>
+              <a:rPr lang="en-US" altLang="zh-CN" sz="1600" dirty="0">
+                <a:latin typeface="微软雅黑" panose="020B0503020204020204" charset="-122"/>
+                <a:ea typeface="微软雅黑" panose="020B0503020204020204" charset="-122"/>
+                <a:sym typeface="+mn-ea"/>
+              </a:rPr>
+              <a:t> (EMA) </a:t>
+            </a:r>
+            <a:r>
+              <a:rPr lang="zh-CN" altLang="en-US" sz="1600" dirty="0">
+                <a:latin typeface="微软雅黑" panose="020B0503020204020204" charset="-122"/>
+                <a:ea typeface="微软雅黑" panose="020B0503020204020204" charset="-122"/>
+                <a:sym typeface="+mn-ea"/>
+              </a:rPr>
+              <a:t>更新。</a:t>
+            </a:r>
+            <a:endParaRPr lang="zh-CN" altLang="en-US" sz="1600" dirty="0">
+              <a:latin typeface="微软雅黑" panose="020B0503020204020204" charset="-122"/>
+              <a:ea typeface="微软雅黑" panose="020B0503020204020204" charset="-122"/>
+              <a:sym typeface="+mn-ea"/>
+            </a:endParaRPr>
+          </a:p>
+          <a:p>
+            <a:endParaRPr lang="zh-CN" altLang="en-US" sz="1600" dirty="0">
+              <a:latin typeface="微软雅黑" panose="020B0503020204020204" charset="-122"/>
+              <a:ea typeface="微软雅黑" panose="020B0503020204020204" charset="-122"/>
+              <a:sym typeface="+mn-ea"/>
+            </a:endParaRPr>
+          </a:p>
+          <a:p>
+            <a:r>
+              <a:rPr lang="zh-CN" altLang="en-US" sz="1600" dirty="0">
+                <a:latin typeface="微软雅黑" panose="020B0503020204020204" charset="-122"/>
+                <a:ea typeface="微软雅黑" panose="020B0503020204020204" charset="-122"/>
+                <a:sym typeface="+mn-ea"/>
+              </a:rPr>
+              <a:t>之后经过注意模块优化特征图</a:t>
+            </a:r>
+            <a:endParaRPr lang="zh-CN" altLang="en-US" sz="1600" dirty="0">
+              <a:latin typeface="微软雅黑" panose="020B0503020204020204" charset="-122"/>
+              <a:ea typeface="微软雅黑" panose="020B0503020204020204" charset="-122"/>
+              <a:sym typeface="+mn-ea"/>
+            </a:endParaRPr>
+          </a:p>
+          <a:p>
+            <a:endParaRPr lang="zh-CN" altLang="en-US" sz="1600" dirty="0">
+              <a:latin typeface="微软雅黑" panose="020B0503020204020204" charset="-122"/>
+              <a:ea typeface="微软雅黑" panose="020B0503020204020204" charset="-122"/>
+              <a:sym typeface="+mn-ea"/>
+            </a:endParaRPr>
+          </a:p>
+          <a:p>
+            <a:r>
+              <a:rPr lang="zh-CN" altLang="en-US" sz="1600" dirty="0">
+                <a:latin typeface="微软雅黑" panose="020B0503020204020204" charset="-122"/>
+                <a:ea typeface="微软雅黑" panose="020B0503020204020204" charset="-122"/>
+                <a:sym typeface="+mn-ea"/>
+              </a:rPr>
+              <a:t>通过联合位置损失和通道损失，最大化两个增强视图间的嵌入特征一致性</a:t>
+            </a:r>
+            <a:endParaRPr lang="zh-CN" altLang="en-US" sz="1600" dirty="0">
+              <a:latin typeface="微软雅黑" panose="020B0503020204020204" charset="-122"/>
+              <a:ea typeface="微软雅黑" panose="020B0503020204020204" charset="-122"/>
+              <a:sym typeface="+mn-ea"/>
+            </a:endParaRPr>
+          </a:p>
+          <a:p>
+            <a:endParaRPr lang="zh-CN" altLang="en-US" sz="1600" dirty="0">
+              <a:latin typeface="微软雅黑" panose="020B0503020204020204" charset="-122"/>
+              <a:ea typeface="微软雅黑" panose="020B0503020204020204" charset="-122"/>
+              <a:sym typeface="+mn-ea"/>
+            </a:endParaRPr>
+          </a:p>
+          <a:p>
+            <a:endParaRPr lang="zh-CN" altLang="en-US" sz="1600" dirty="0">
+              <a:latin typeface="微软雅黑" panose="020B0503020204020204" charset="-122"/>
+              <a:ea typeface="微软雅黑" panose="020B0503020204020204" charset="-122"/>
+              <a:sym typeface="+mn-ea"/>
             </a:endParaRPr>
           </a:p>
         </p:txBody>
       </p:sp>
       <p:pic>
         <p:nvPicPr>
-          <p:cNvPr id="9" name="图片 8"/>
+          <p:cNvPr id="2" name="图片 1"/>
           <p:cNvPicPr>
             <a:picLocks noChangeAspect="1"/>
           </p:cNvPicPr>
@@ -6375,8 +10608,8 @@
         </p:blipFill>
         <p:spPr>
           <a:xfrm>
-            <a:off x="7701280" y="1011555"/>
-            <a:ext cx="4425950" cy="1386840"/>
+            <a:off x="6656070" y="2042160"/>
+            <a:ext cx="5024120" cy="2178050"/>
           </a:xfrm>
           <a:prstGeom prst="rect">
             <a:avLst/>
@@ -6385,7 +10618,7 @@
       </p:pic>
       <p:pic>
         <p:nvPicPr>
-          <p:cNvPr id="11" name="图片 10"/>
+          <p:cNvPr id="6" name="图片 5"/>
           <p:cNvPicPr>
             <a:picLocks noChangeAspect="1"/>
           </p:cNvPicPr>
@@ -6399,8 +10632,8 @@
         </p:blipFill>
         <p:spPr>
           <a:xfrm>
-            <a:off x="6829425" y="2934970"/>
-            <a:ext cx="5241290" cy="762000"/>
+            <a:off x="6587490" y="5045710"/>
+            <a:ext cx="5410200" cy="1397000"/>
           </a:xfrm>
           <a:prstGeom prst="rect">
             <a:avLst/>
@@ -6434,6 +10667,43 @@
       </p:grpSpPr>
       <p:sp>
         <p:nvSpPr>
+          <p:cNvPr id="13" name="文本框 12"/>
+          <p:cNvSpPr txBox="1"/>
+          <p:nvPr/>
+        </p:nvSpPr>
+        <p:spPr>
+          <a:xfrm>
+            <a:off x="106466" y="601786"/>
+            <a:ext cx="1033780" cy="398780"/>
+          </a:xfrm>
+          <a:prstGeom prst="rect">
+            <a:avLst/>
+          </a:prstGeom>
+          <a:noFill/>
+        </p:spPr>
+        <p:txBody>
+          <a:bodyPr wrap="none" rtlCol="0">
+            <a:spAutoFit/>
+          </a:bodyPr>
+          <a:lstStyle/>
+          <a:p>
+            <a:pPr marL="342900" indent="-342900">
+              <a:buFont typeface="Wingdings" panose="05000000000000000000" charset="0"/>
+              <a:buChar char="n"/>
+            </a:pPr>
+            <a:r>
+              <a:rPr lang="zh-CN" altLang="en-US" sz="2000" b="1" dirty="0">
+                <a:latin typeface="微软雅黑" panose="020B0503020204020204" charset="-122"/>
+                <a:ea typeface="微软雅黑" panose="020B0503020204020204" charset="-122"/>
+              </a:rPr>
+              <a:t>概述</a:t>
+            </a:r>
+            <a:endParaRPr lang="zh-CN" altLang="en-US" sz="2000" b="1" dirty="0"/>
+          </a:p>
+        </p:txBody>
+      </p:sp>
+      <p:sp>
+        <p:nvSpPr>
           <p:cNvPr id="7" name="文本框 6"/>
           <p:cNvSpPr txBox="1"/>
           <p:nvPr/>
@@ -6535,17 +10805,18 @@
                 <a:latin typeface="微软雅黑" panose="020B0503020204020204" charset="-122"/>
                 <a:ea typeface="微软雅黑" panose="020B0503020204020204" charset="-122"/>
               </a:rPr>
-              <a:t>2.</a:t>
-            </a:r>
-            <a:r>
-              <a:rPr lang="zh-CN" altLang="en-US" sz="1800" dirty="0">
+              <a:t>1.</a:t>
+            </a:r>
+            <a:r>
+              <a:rPr lang="en-US" altLang="zh-CN" dirty="0">
                 <a:effectLst/>
                 <a:latin typeface="微软雅黑" panose="020B0503020204020204" charset="-122"/>
                 <a:ea typeface="微软雅黑" panose="020B0503020204020204" charset="-122"/>
-              </a:rPr>
-              <a:t>自己总结</a:t>
-            </a:r>
-            <a:endParaRPr lang="zh-CN" altLang="en-US" sz="1800" dirty="0">
+                <a:sym typeface="+mn-ea"/>
+              </a:rPr>
+              <a:t>论文</a:t>
+            </a:r>
+            <a:endParaRPr lang="en-US" altLang="zh-CN" dirty="0">
               <a:effectLst/>
               <a:latin typeface="微软雅黑" panose="020B0503020204020204" charset="-122"/>
               <a:ea typeface="微软雅黑" panose="020B0503020204020204" charset="-122"/>
@@ -6555,7 +10826,7 @@
       </p:sp>
       <p:sp>
         <p:nvSpPr>
-          <p:cNvPr id="8" name="文本框 7"/>
+          <p:cNvPr id="5" name="文本框 4"/>
           <p:cNvSpPr txBox="1"/>
           <p:nvPr>
             <p:custDataLst>
@@ -6565,8 +10836,8 @@
         </p:nvSpPr>
         <p:spPr>
           <a:xfrm>
-            <a:off x="106680" y="594360"/>
-            <a:ext cx="11736705" cy="506730"/>
+            <a:off x="455295" y="972185"/>
+            <a:ext cx="11736705" cy="1337945"/>
           </a:xfrm>
           <a:prstGeom prst="rect">
             <a:avLst/>
@@ -6590,21 +10861,7 @@
                 <a:latin typeface="微软雅黑" panose="020B0503020204020204" charset="-122"/>
                 <a:ea typeface="微软雅黑" panose="020B0503020204020204" charset="-122"/>
               </a:rPr>
-              <a:t>google scholar</a:t>
-            </a:r>
-            <a:r>
-              <a:rPr lang="zh-CN" altLang="en-US" b="1" dirty="0">
-                <a:latin typeface="微软雅黑" panose="020B0503020204020204" charset="-122"/>
-                <a:ea typeface="微软雅黑" panose="020B0503020204020204" charset="-122"/>
-              </a:rPr>
-              <a:t>上相关工作：通过关键词</a:t>
-            </a:r>
-            <a:r>
-              <a:rPr lang="en-US" altLang="zh-CN" b="1" dirty="0">
-                <a:latin typeface="微软雅黑" panose="020B0503020204020204" charset="-122"/>
-                <a:ea typeface="微软雅黑" panose="020B0503020204020204" charset="-122"/>
-              </a:rPr>
-              <a:t>“prostate cancer “ ”ultrasound”</a:t>
+              <a:t>Lu X, Liu X, Xiao Z, et al. Self-supervised dual-head attentional bootstrap learning network for prostate cancer screening in transrectal ultrasound images[J]. Computers in Biology and Medicine, 2023, 165: 107337..</a:t>
             </a:r>
             <a:endParaRPr lang="en-US" altLang="zh-CN" b="1" dirty="0">
               <a:latin typeface="微软雅黑" panose="020B0503020204020204" charset="-122"/>
@@ -6615,14 +10872,14 @@
       </p:sp>
       <p:sp>
         <p:nvSpPr>
-          <p:cNvPr id="10" name="文本框 9"/>
+          <p:cNvPr id="8" name="文本框 7"/>
           <p:cNvSpPr txBox="1"/>
           <p:nvPr/>
         </p:nvSpPr>
         <p:spPr>
           <a:xfrm>
-            <a:off x="286385" y="1155700"/>
-            <a:ext cx="7369175" cy="1423670"/>
+            <a:off x="241300" y="2411730"/>
+            <a:ext cx="5389880" cy="2553335"/>
           </a:xfrm>
           <a:prstGeom prst="rect">
             <a:avLst/>
@@ -6630,74 +10887,125 @@
           <a:noFill/>
         </p:spPr>
         <p:txBody>
-          <a:bodyPr wrap="square" rtlCol="0">
-            <a:noAutofit/>
+          <a:bodyPr wrap="square" rtlCol="0" anchor="t">
+            <a:spAutoFit/>
           </a:bodyPr>
           <a:p>
-            <a:pPr marL="0" lvl="0" indent="457200">
-              <a:buNone/>
-            </a:pPr>
+            <a:r>
+              <a:rPr lang="en-US" altLang="zh-CN" sz="1600" dirty="0">
+                <a:latin typeface="微软雅黑" panose="020B0503020204020204" charset="-122"/>
+                <a:ea typeface="微软雅黑" panose="020B0503020204020204" charset="-122"/>
+                <a:sym typeface="+mn-ea"/>
+              </a:rPr>
+              <a:t>SPAM</a:t>
+            </a:r>
             <a:r>
               <a:rPr lang="zh-CN" altLang="en-US" sz="1600" dirty="0">
-                <a:solidFill>
-                  <a:schemeClr val="tx1"/>
-                </a:solidFill>
-                <a:latin typeface="微软雅黑" panose="020B0503020204020204" charset="-122"/>
-                <a:ea typeface="微软雅黑" panose="020B0503020204020204" charset="-122"/>
-              </a:rPr>
-              <a:t>数据集公开的超声影像没有，大部分相关工作都是私有数据集，比较多出现的公开的是</a:t>
-            </a:r>
-            <a:r>
-              <a:rPr lang="zh-CN" altLang="en-US" sz="1600" b="1" dirty="0">
-                <a:solidFill>
-                  <a:schemeClr val="tx1"/>
-                </a:solidFill>
-                <a:latin typeface="微软雅黑" panose="020B0503020204020204" charset="-122"/>
-                <a:ea typeface="微软雅黑" panose="020B0503020204020204" charset="-122"/>
-              </a:rPr>
-              <a:t>公开可用的磁共振成像（</a:t>
-            </a:r>
-            <a:r>
-              <a:rPr lang="en-US" altLang="zh-CN" sz="1600" b="1" dirty="0">
-                <a:solidFill>
-                  <a:schemeClr val="tx1"/>
-                </a:solidFill>
-                <a:latin typeface="微软雅黑" panose="020B0503020204020204" charset="-122"/>
-                <a:ea typeface="微软雅黑" panose="020B0503020204020204" charset="-122"/>
-              </a:rPr>
-              <a:t>MRI</a:t>
-            </a:r>
-            <a:r>
-              <a:rPr lang="zh-CN" altLang="en-US" sz="1600" b="1" dirty="0">
-                <a:solidFill>
-                  <a:schemeClr val="tx1"/>
-                </a:solidFill>
-                <a:latin typeface="微软雅黑" panose="020B0503020204020204" charset="-122"/>
-                <a:ea typeface="微软雅黑" panose="020B0503020204020204" charset="-122"/>
-              </a:rPr>
-              <a:t>）数据集</a:t>
-            </a:r>
+                <a:latin typeface="微软雅黑" panose="020B0503020204020204" charset="-122"/>
+                <a:ea typeface="微软雅黑" panose="020B0503020204020204" charset="-122"/>
+                <a:sym typeface="+mn-ea"/>
+              </a:rPr>
+              <a:t>：</a:t>
+            </a:r>
+            <a:endParaRPr lang="zh-CN" altLang="en-US" sz="1600" dirty="0">
+              <a:latin typeface="微软雅黑" panose="020B0503020204020204" charset="-122"/>
+              <a:ea typeface="微软雅黑" panose="020B0503020204020204" charset="-122"/>
+              <a:sym typeface="+mn-ea"/>
+            </a:endParaRPr>
+          </a:p>
+          <a:p>
+            <a:endParaRPr lang="zh-CN" altLang="en-US" sz="1600" dirty="0">
+              <a:latin typeface="微软雅黑" panose="020B0503020204020204" charset="-122"/>
+              <a:ea typeface="微软雅黑" panose="020B0503020204020204" charset="-122"/>
+              <a:sym typeface="+mn-ea"/>
+            </a:endParaRPr>
+          </a:p>
+          <a:p>
             <a:r>
               <a:rPr lang="zh-CN" altLang="en-US" sz="1600" dirty="0">
                 <a:latin typeface="微软雅黑" panose="020B0503020204020204" charset="-122"/>
                 <a:ea typeface="微软雅黑" panose="020B0503020204020204" charset="-122"/>
                 <a:sym typeface="+mn-ea"/>
               </a:rPr>
-              <a:t>，</a:t>
-            </a:r>
-            <a:endParaRPr lang="zh-CN" altLang="en-US" sz="1600" b="1" dirty="0">
-              <a:solidFill>
-                <a:schemeClr val="tx1"/>
-              </a:solidFill>
-              <a:latin typeface="微软雅黑" panose="020B0503020204020204" charset="-122"/>
-              <a:ea typeface="微软雅黑" panose="020B0503020204020204" charset="-122"/>
+              <a:t>对输入特征图进行重塑和矩阵操作计算空间自注意权重，将权重应用在原来的特征图，突出全局重要信息。</a:t>
+            </a:r>
+            <a:endParaRPr lang="zh-CN" altLang="en-US" sz="1600" dirty="0">
+              <a:latin typeface="微软雅黑" panose="020B0503020204020204" charset="-122"/>
+              <a:ea typeface="微软雅黑" panose="020B0503020204020204" charset="-122"/>
+              <a:sym typeface="+mn-ea"/>
+            </a:endParaRPr>
+          </a:p>
+          <a:p>
+            <a:endParaRPr lang="zh-CN" altLang="en-US" sz="1600" dirty="0">
+              <a:latin typeface="微软雅黑" panose="020B0503020204020204" charset="-122"/>
+              <a:ea typeface="微软雅黑" panose="020B0503020204020204" charset="-122"/>
+              <a:sym typeface="+mn-ea"/>
+            </a:endParaRPr>
+          </a:p>
+          <a:p>
+            <a:endParaRPr lang="zh-CN" altLang="en-US" sz="1600" dirty="0">
+              <a:latin typeface="微软雅黑" panose="020B0503020204020204" charset="-122"/>
+              <a:ea typeface="微软雅黑" panose="020B0503020204020204" charset="-122"/>
+              <a:sym typeface="+mn-ea"/>
+            </a:endParaRPr>
+          </a:p>
+          <a:p>
+            <a:endParaRPr lang="zh-CN" altLang="en-US" sz="1600" dirty="0">
+              <a:latin typeface="微软雅黑" panose="020B0503020204020204" charset="-122"/>
+              <a:ea typeface="微软雅黑" panose="020B0503020204020204" charset="-122"/>
+              <a:sym typeface="+mn-ea"/>
+            </a:endParaRPr>
+          </a:p>
+          <a:p>
+            <a:r>
+              <a:rPr lang="en-US" altLang="zh-CN" sz="1600" dirty="0">
+                <a:latin typeface="微软雅黑" panose="020B0503020204020204" charset="-122"/>
+                <a:ea typeface="微软雅黑" panose="020B0503020204020204" charset="-122"/>
+                <a:sym typeface="+mn-ea"/>
+              </a:rPr>
+              <a:t>CAAM</a:t>
+            </a:r>
+            <a:r>
+              <a:rPr lang="zh-CN" altLang="en-US" sz="1600" dirty="0">
+                <a:latin typeface="微软雅黑" panose="020B0503020204020204" charset="-122"/>
+                <a:ea typeface="微软雅黑" panose="020B0503020204020204" charset="-122"/>
+                <a:sym typeface="+mn-ea"/>
+              </a:rPr>
+              <a:t>：</a:t>
+            </a:r>
+            <a:endParaRPr lang="zh-CN" altLang="en-US" sz="1600" dirty="0">
+              <a:latin typeface="微软雅黑" panose="020B0503020204020204" charset="-122"/>
+              <a:ea typeface="微软雅黑" panose="020B0503020204020204" charset="-122"/>
+              <a:sym typeface="+mn-ea"/>
+            </a:endParaRPr>
+          </a:p>
+          <a:p>
+            <a:r>
+              <a:rPr lang="zh-CN" altLang="en-US" sz="1600" dirty="0">
+                <a:latin typeface="微软雅黑" panose="020B0503020204020204" charset="-122"/>
+                <a:ea typeface="微软雅黑" panose="020B0503020204020204" charset="-122"/>
+                <a:sym typeface="+mn-ea"/>
+              </a:rPr>
+              <a:t>用最大池突出局部关键信息，去除冗余信息</a:t>
+            </a:r>
+            <a:endParaRPr lang="zh-CN" altLang="en-US" sz="1600" dirty="0">
+              <a:latin typeface="微软雅黑" panose="020B0503020204020204" charset="-122"/>
+              <a:ea typeface="微软雅黑" panose="020B0503020204020204" charset="-122"/>
+              <a:sym typeface="+mn-ea"/>
+            </a:endParaRPr>
+          </a:p>
+          <a:p>
+            <a:endParaRPr lang="zh-CN" altLang="en-US" sz="1600" dirty="0">
+              <a:latin typeface="微软雅黑" panose="020B0503020204020204" charset="-122"/>
+              <a:ea typeface="微软雅黑" panose="020B0503020204020204" charset="-122"/>
+              <a:sym typeface="+mn-ea"/>
             </a:endParaRPr>
           </a:p>
         </p:txBody>
       </p:sp>
       <p:pic>
         <p:nvPicPr>
-          <p:cNvPr id="2" name="图片 1"/>
+          <p:cNvPr id="4" name="图片 3"/>
           <p:cNvPicPr>
             <a:picLocks noChangeAspect="1"/>
           </p:cNvPicPr>
@@ -6711,56 +11019,8 @@
         </p:blipFill>
         <p:spPr>
           <a:xfrm>
-            <a:off x="7827010" y="1155700"/>
-            <a:ext cx="4016375" cy="767715"/>
-          </a:xfrm>
-          <a:prstGeom prst="rect">
-            <a:avLst/>
-          </a:prstGeom>
-        </p:spPr>
-      </p:pic>
-      <p:pic>
-        <p:nvPicPr>
-          <p:cNvPr id="4" name="图片 3"/>
-          <p:cNvPicPr>
-            <a:picLocks noChangeAspect="1"/>
-          </p:cNvPicPr>
-          <p:nvPr/>
-        </p:nvPicPr>
-        <p:blipFill>
-          <a:blip r:embed="rId4"/>
-          <a:stretch>
-            <a:fillRect/>
-          </a:stretch>
-        </p:blipFill>
-        <p:spPr>
-          <a:xfrm>
-            <a:off x="7827010" y="2315210"/>
-            <a:ext cx="4091940" cy="1369695"/>
-          </a:xfrm>
-          <a:prstGeom prst="rect">
-            <a:avLst/>
-          </a:prstGeom>
-        </p:spPr>
-      </p:pic>
-      <p:pic>
-        <p:nvPicPr>
-          <p:cNvPr id="5" name="图片 4"/>
-          <p:cNvPicPr>
-            <a:picLocks noChangeAspect="1"/>
-          </p:cNvPicPr>
-          <p:nvPr/>
-        </p:nvPicPr>
-        <p:blipFill>
-          <a:blip r:embed="rId5"/>
-          <a:stretch>
-            <a:fillRect/>
-          </a:stretch>
-        </p:blipFill>
-        <p:spPr>
-          <a:xfrm>
-            <a:off x="7762240" y="4278630"/>
-            <a:ext cx="4267835" cy="538480"/>
+            <a:off x="5314950" y="2178050"/>
+            <a:ext cx="6591300" cy="4330700"/>
           </a:xfrm>
           <a:prstGeom prst="rect">
             <a:avLst/>
@@ -6792,40 +11052,16 @@
           <a:chExt cx="0" cy="0"/>
         </a:xfrm>
       </p:grpSpPr>
-      <p:pic>
-        <p:nvPicPr>
-          <p:cNvPr id="4" name="图片 3" descr="1"/>
-          <p:cNvPicPr>
-            <a:picLocks noChangeAspect="1"/>
-          </p:cNvPicPr>
-          <p:nvPr/>
-        </p:nvPicPr>
-        <p:blipFill>
-          <a:blip r:embed="rId1"/>
-          <a:stretch>
-            <a:fillRect/>
-          </a:stretch>
-        </p:blipFill>
-        <p:spPr>
-          <a:xfrm>
-            <a:off x="4745355" y="-588645"/>
-            <a:ext cx="12060555" cy="8474075"/>
-          </a:xfrm>
-          <a:prstGeom prst="rect">
-            <a:avLst/>
-          </a:prstGeom>
-        </p:spPr>
-      </p:pic>
-      <p:sp>
-        <p:nvSpPr>
-          <p:cNvPr id="5" name="文本框 4"/>
+      <p:sp>
+        <p:nvSpPr>
+          <p:cNvPr id="13" name="文本框 12"/>
           <p:cNvSpPr txBox="1"/>
           <p:nvPr/>
         </p:nvSpPr>
         <p:spPr>
           <a:xfrm>
-            <a:off x="768985" y="2095500"/>
-            <a:ext cx="7110730" cy="1445260"/>
+            <a:off x="106466" y="601786"/>
+            <a:ext cx="1033780" cy="398780"/>
           </a:xfrm>
           <a:prstGeom prst="rect">
             <a:avLst/>
@@ -6833,12 +11069,108 @@
           <a:noFill/>
         </p:spPr>
         <p:txBody>
-          <a:bodyPr wrap="square" rtlCol="0">
+          <a:bodyPr wrap="none" rtlCol="0">
             <a:spAutoFit/>
           </a:bodyPr>
           <a:lstStyle/>
           <a:p>
-            <a:pPr marL="0" marR="0" lvl="0" indent="0" algn="l" defTabSz="914400" rtl="0" eaLnBrk="1" fontAlgn="auto" latinLnBrk="0" hangingPunct="1">
+            <a:pPr marL="342900" indent="-342900">
+              <a:buFont typeface="Wingdings" panose="05000000000000000000" charset="0"/>
+              <a:buChar char="n"/>
+            </a:pPr>
+            <a:r>
+              <a:rPr lang="zh-CN" altLang="en-US" sz="2000" b="1" dirty="0">
+                <a:latin typeface="微软雅黑" panose="020B0503020204020204" charset="-122"/>
+                <a:ea typeface="微软雅黑" panose="020B0503020204020204" charset="-122"/>
+              </a:rPr>
+              <a:t>概述</a:t>
+            </a:r>
+            <a:endParaRPr lang="zh-CN" altLang="en-US" sz="2000" b="1" dirty="0"/>
+          </a:p>
+        </p:txBody>
+      </p:sp>
+      <p:sp>
+        <p:nvSpPr>
+          <p:cNvPr id="7" name="文本框 6"/>
+          <p:cNvSpPr txBox="1"/>
+          <p:nvPr/>
+        </p:nvSpPr>
+        <p:spPr>
+          <a:xfrm>
+            <a:off x="724535" y="1323340"/>
+            <a:ext cx="2247900" cy="410845"/>
+          </a:xfrm>
+          <a:prstGeom prst="rect">
+            <a:avLst/>
+          </a:prstGeom>
+          <a:noFill/>
+        </p:spPr>
+        <p:txBody>
+          <a:bodyPr wrap="square">
+            <a:noAutofit/>
+          </a:bodyPr>
+          <a:lstStyle/>
+          <a:p>
+            <a:pPr algn="l" fontAlgn="auto">
+              <a:lnSpc>
+                <a:spcPts val="2200"/>
+              </a:lnSpc>
+              <a:buClrTx/>
+              <a:buSzTx/>
+              <a:buNone/>
+            </a:pPr>
+            <a:endParaRPr lang="zh-CN" altLang="en-US" sz="1600" dirty="0">
+              <a:latin typeface="微软雅黑" panose="020B0503020204020204" charset="-122"/>
+              <a:ea typeface="微软雅黑" panose="020B0503020204020204" charset="-122"/>
+            </a:endParaRPr>
+          </a:p>
+        </p:txBody>
+      </p:sp>
+      <p:sp>
+        <p:nvSpPr>
+          <p:cNvPr id="3" name="矩形 2"/>
+          <p:cNvSpPr/>
+          <p:nvPr>
+            <p:custDataLst>
+              <p:tags r:id="rId1"/>
+            </p:custDataLst>
+          </p:nvPr>
+        </p:nvSpPr>
+        <p:spPr>
+          <a:xfrm>
+            <a:off x="-6350" y="0"/>
+            <a:ext cx="12198350" cy="540000"/>
+          </a:xfrm>
+          <a:prstGeom prst="rect">
+            <a:avLst/>
+          </a:prstGeom>
+          <a:solidFill>
+            <a:srgbClr val="A099CB"/>
+          </a:solidFill>
+          <a:ln>
+            <a:noFill/>
+          </a:ln>
+        </p:spPr>
+        <p:style>
+          <a:lnRef idx="2">
+            <a:schemeClr val="accent1">
+              <a:shade val="50000"/>
+            </a:schemeClr>
+          </a:lnRef>
+          <a:fillRef idx="1">
+            <a:schemeClr val="accent1"/>
+          </a:fillRef>
+          <a:effectRef idx="0">
+            <a:schemeClr val="accent1"/>
+          </a:effectRef>
+          <a:fontRef idx="minor">
+            <a:schemeClr val="lt1"/>
+          </a:fontRef>
+        </p:style>
+        <p:txBody>
+          <a:bodyPr rtlCol="0" anchor="ctr"/>
+          <a:p>
+            <a:pPr marL="0" marR="0" lvl="0" indent="0" algn="ctr" defTabSz="914400" rtl="0" eaLnBrk="1" fontAlgn="auto" latinLnBrk="0" hangingPunct="1">
               <a:lnSpc>
                 <a:spcPct val="100000"/>
               </a:lnSpc>
@@ -6855,49 +11187,44 @@
               <a:defRPr/>
             </a:pPr>
             <a:r>
-              <a:rPr kumimoji="0" lang="en-US" altLang="zh-CN" sz="8800" b="0" i="0" u="none" strike="noStrike" kern="1200" cap="none" spc="0" normalizeH="0" baseline="0" noProof="0" dirty="0">
-                <a:ln>
-                  <a:solidFill>
-                    <a:srgbClr val="383987"/>
-                  </a:solidFill>
-                </a:ln>
-                <a:noFill/>
+              <a:rPr lang="en-US" altLang="zh-CN" sz="1800" dirty="0">
                 <a:effectLst/>
-                <a:uLnTx/>
-                <a:uFillTx/>
-                <a:latin typeface="Agency FB" panose="020B0503020202020204" pitchFamily="34" charset="0"/>
-                <a:ea typeface="宋体" panose="02010600030101010101" pitchFamily="2" charset="-122"/>
-                <a:cs typeface="+mn-cs"/>
-              </a:rPr>
-              <a:t>THANKS</a:t>
-            </a:r>
-            <a:endParaRPr kumimoji="0" lang="en-US" altLang="zh-CN" sz="8800" b="0" i="0" u="none" strike="noStrike" kern="1200" cap="none" spc="0" normalizeH="0" baseline="0" noProof="0" dirty="0">
-              <a:ln>
-                <a:solidFill>
-                  <a:srgbClr val="383987"/>
-                </a:solidFill>
-              </a:ln>
-              <a:noFill/>
+                <a:latin typeface="微软雅黑" panose="020B0503020204020204" charset="-122"/>
+                <a:ea typeface="微软雅黑" panose="020B0503020204020204" charset="-122"/>
+              </a:rPr>
+              <a:t>1.</a:t>
+            </a:r>
+            <a:r>
+              <a:rPr lang="en-US" altLang="zh-CN" dirty="0">
+                <a:effectLst/>
+                <a:latin typeface="微软雅黑" panose="020B0503020204020204" charset="-122"/>
+                <a:ea typeface="微软雅黑" panose="020B0503020204020204" charset="-122"/>
+                <a:sym typeface="+mn-ea"/>
+              </a:rPr>
+              <a:t>论文</a:t>
+            </a:r>
+            <a:endParaRPr lang="en-US" altLang="zh-CN" dirty="0">
               <a:effectLst/>
-              <a:uLnTx/>
-              <a:uFillTx/>
-              <a:latin typeface="Agency FB" panose="020B0503020202020204" pitchFamily="34" charset="0"/>
-              <a:ea typeface="宋体" panose="02010600030101010101" pitchFamily="2" charset="-122"/>
-              <a:cs typeface="+mn-cs"/>
-            </a:endParaRPr>
-          </a:p>
-        </p:txBody>
-      </p:sp>
-      <p:sp>
-        <p:nvSpPr>
-          <p:cNvPr id="2" name="文本框 1"/>
+              <a:latin typeface="微软雅黑" panose="020B0503020204020204" charset="-122"/>
+              <a:ea typeface="微软雅黑" panose="020B0503020204020204" charset="-122"/>
+            </a:endParaRPr>
+          </a:p>
+        </p:txBody>
+      </p:sp>
+      <p:sp>
+        <p:nvSpPr>
+          <p:cNvPr id="5" name="文本框 4"/>
           <p:cNvSpPr txBox="1"/>
-          <p:nvPr/>
-        </p:nvSpPr>
-        <p:spPr>
-          <a:xfrm>
-            <a:off x="934085" y="3540760"/>
-            <a:ext cx="4176395" cy="460375"/>
+          <p:nvPr>
+            <p:custDataLst>
+              <p:tags r:id="rId2"/>
+            </p:custDataLst>
+          </p:nvPr>
+        </p:nvSpPr>
+        <p:spPr>
+          <a:xfrm>
+            <a:off x="455295" y="972185"/>
+            <a:ext cx="11736705" cy="1337945"/>
           </a:xfrm>
           <a:prstGeom prst="rect">
             <a:avLst/>
@@ -6908,58 +11235,354 @@
           <a:bodyPr wrap="square" rtlCol="0">
             <a:spAutoFit/>
           </a:bodyPr>
-          <a:lstStyle/>
-          <a:p>
-            <a:pPr marL="0" marR="0" lvl="0" indent="0" algn="dist" defTabSz="914400" rtl="0" eaLnBrk="1" fontAlgn="auto" latinLnBrk="0" hangingPunct="1">
+          <a:p>
+            <a:pPr marL="285750" indent="-285750">
               <a:lnSpc>
-                <a:spcPct val="100000"/>
+                <a:spcPct val="150000"/>
               </a:lnSpc>
-              <a:spcBef>
-                <a:spcPts val="0"/>
-              </a:spcBef>
-              <a:spcAft>
-                <a:spcPts val="0"/>
-              </a:spcAft>
-              <a:buClrTx/>
-              <a:buSzTx/>
-              <a:buFontTx/>
-              <a:buNone/>
-              <a:defRPr/>
-            </a:pPr>
-            <a:r>
-              <a:rPr kumimoji="0" lang="zh-CN" altLang="en-US" sz="2400" b="0" i="0" u="none" strike="noStrike" kern="1200" cap="none" spc="0" normalizeH="0" baseline="0" noProof="0">
-                <a:ln>
-                  <a:noFill/>
-                </a:ln>
+              <a:buFont typeface="Wingdings" panose="05000000000000000000" charset="0"/>
+              <a:buChar char="p"/>
+            </a:pPr>
+            <a:r>
+              <a:rPr lang="en-US" altLang="zh-CN" b="1" dirty="0">
+                <a:latin typeface="微软雅黑" panose="020B0503020204020204" charset="-122"/>
+                <a:ea typeface="微软雅黑" panose="020B0503020204020204" charset="-122"/>
+              </a:rPr>
+              <a:t>Lu X, Liu X, Xiao Z, et al. Self-supervised dual-head attentional bootstrap learning network for prostate cancer screening in transrectal ultrasound images[J]. Computers in Biology and Medicine, 2023, 165: 107337..</a:t>
+            </a:r>
+            <a:endParaRPr lang="en-US" altLang="zh-CN" b="1" dirty="0">
+              <a:latin typeface="微软雅黑" panose="020B0503020204020204" charset="-122"/>
+              <a:ea typeface="微软雅黑" panose="020B0503020204020204" charset="-122"/>
+            </a:endParaRPr>
+          </a:p>
+        </p:txBody>
+      </p:sp>
+      <p:sp>
+        <p:nvSpPr>
+          <p:cNvPr id="10" name="文本框 9"/>
+          <p:cNvSpPr txBox="1"/>
+          <p:nvPr/>
+        </p:nvSpPr>
+        <p:spPr>
+          <a:xfrm>
+            <a:off x="106045" y="2310130"/>
+            <a:ext cx="6710045" cy="2205355"/>
+          </a:xfrm>
+          <a:prstGeom prst="rect">
+            <a:avLst/>
+          </a:prstGeom>
+          <a:noFill/>
+        </p:spPr>
+        <p:txBody>
+          <a:bodyPr wrap="square" rtlCol="0">
+            <a:noAutofit/>
+          </a:bodyPr>
+          <a:p>
+            <a:pPr marL="0" lvl="0" indent="457200">
+              <a:buNone/>
+            </a:pPr>
+            <a:r>
+              <a:rPr lang="zh-CN" altLang="en-US" sz="1600" dirty="0">
                 <a:solidFill>
-                  <a:srgbClr val="383987"/>
+                  <a:schemeClr val="tx1"/>
                 </a:solidFill>
-                <a:effectLst/>
-                <a:uLnTx/>
-                <a:uFillTx/>
-                <a:latin typeface="微软雅黑" panose="020B0503020204020204" charset="-122"/>
-                <a:ea typeface="微软雅黑" panose="020B0503020204020204" charset="-122"/>
-                <a:cs typeface="+mn-cs"/>
-              </a:rPr>
-              <a:t>谢谢观看</a:t>
-            </a:r>
-            <a:endParaRPr kumimoji="0" lang="zh-CN" altLang="en-US" sz="2400" b="0" i="0" u="none" strike="noStrike" kern="1200" cap="none" spc="0" normalizeH="0" baseline="0" noProof="0">
-              <a:ln>
-                <a:noFill/>
-              </a:ln>
+                <a:latin typeface="微软雅黑" panose="020B0503020204020204" charset="-122"/>
+                <a:ea typeface="微软雅黑" panose="020B0503020204020204" charset="-122"/>
+              </a:rPr>
+              <a:t>数据量：原数据集</a:t>
+            </a:r>
+            <a:r>
+              <a:rPr lang="en-US" altLang="zh-CN" sz="1600" dirty="0">
+                <a:solidFill>
+                  <a:schemeClr val="tx1"/>
+                </a:solidFill>
+                <a:latin typeface="微软雅黑" panose="020B0503020204020204" charset="-122"/>
+                <a:ea typeface="微软雅黑" panose="020B0503020204020204" charset="-122"/>
+              </a:rPr>
+              <a:t>110</a:t>
+            </a:r>
+            <a:r>
+              <a:rPr lang="zh-CN" altLang="en-US" sz="1600" dirty="0">
+                <a:solidFill>
+                  <a:schemeClr val="tx1"/>
+                </a:solidFill>
+                <a:latin typeface="微软雅黑" panose="020B0503020204020204" charset="-122"/>
+                <a:ea typeface="微软雅黑" panose="020B0503020204020204" charset="-122"/>
+              </a:rPr>
+              <a:t>阳性患者，</a:t>
+            </a:r>
+            <a:r>
+              <a:rPr lang="en-US" altLang="zh-CN" sz="1600" dirty="0">
+                <a:solidFill>
+                  <a:schemeClr val="tx1"/>
+                </a:solidFill>
+                <a:latin typeface="微软雅黑" panose="020B0503020204020204" charset="-122"/>
+                <a:ea typeface="微软雅黑" panose="020B0503020204020204" charset="-122"/>
+              </a:rPr>
+              <a:t>74</a:t>
+            </a:r>
+            <a:r>
+              <a:rPr lang="zh-CN" altLang="en-US" sz="1600" dirty="0">
+                <a:solidFill>
+                  <a:schemeClr val="tx1"/>
+                </a:solidFill>
+                <a:latin typeface="微软雅黑" panose="020B0503020204020204" charset="-122"/>
+                <a:ea typeface="微软雅黑" panose="020B0503020204020204" charset="-122"/>
+              </a:rPr>
+              <a:t>例阴性患者，总共</a:t>
+            </a:r>
+            <a:r>
+              <a:rPr lang="en-US" altLang="zh-CN" sz="1600" dirty="0">
+                <a:solidFill>
+                  <a:schemeClr val="tx1"/>
+                </a:solidFill>
+                <a:latin typeface="微软雅黑" panose="020B0503020204020204" charset="-122"/>
+                <a:ea typeface="微软雅黑" panose="020B0503020204020204" charset="-122"/>
+              </a:rPr>
+              <a:t>1195</a:t>
+            </a:r>
+            <a:r>
+              <a:rPr lang="zh-CN" altLang="en-US" sz="1600" dirty="0">
+                <a:solidFill>
+                  <a:schemeClr val="tx1"/>
+                </a:solidFill>
+                <a:latin typeface="微软雅黑" panose="020B0503020204020204" charset="-122"/>
+                <a:ea typeface="微软雅黑" panose="020B0503020204020204" charset="-122"/>
+              </a:rPr>
+              <a:t>张图像。</a:t>
+            </a:r>
+            <a:endParaRPr lang="zh-CN" altLang="en-US" sz="1600" dirty="0">
               <a:solidFill>
-                <a:srgbClr val="383987"/>
+                <a:schemeClr val="tx1"/>
               </a:solidFill>
-              <a:effectLst/>
-              <a:uLnTx/>
-              <a:uFillTx/>
-              <a:latin typeface="微软雅黑" panose="020B0503020204020204" charset="-122"/>
-              <a:ea typeface="微软雅黑" panose="020B0503020204020204" charset="-122"/>
-              <a:cs typeface="+mn-cs"/>
-            </a:endParaRPr>
-          </a:p>
-        </p:txBody>
-      </p:sp>
+              <a:latin typeface="微软雅黑" panose="020B0503020204020204" charset="-122"/>
+              <a:ea typeface="微软雅黑" panose="020B0503020204020204" charset="-122"/>
+            </a:endParaRPr>
+          </a:p>
+          <a:p>
+            <a:pPr marL="0" lvl="0" indent="457200">
+              <a:buNone/>
+            </a:pPr>
+            <a:endParaRPr lang="zh-CN" altLang="en-US" sz="1600" dirty="0">
+              <a:solidFill>
+                <a:schemeClr val="tx1"/>
+              </a:solidFill>
+              <a:latin typeface="微软雅黑" panose="020B0503020204020204" charset="-122"/>
+              <a:ea typeface="微软雅黑" panose="020B0503020204020204" charset="-122"/>
+            </a:endParaRPr>
+          </a:p>
+          <a:p>
+            <a:pPr marL="0" lvl="0" indent="457200">
+              <a:buNone/>
+            </a:pPr>
+            <a:endParaRPr lang="zh-CN" altLang="en-US" sz="1600" dirty="0">
+              <a:solidFill>
+                <a:schemeClr val="tx1"/>
+              </a:solidFill>
+              <a:latin typeface="微软雅黑" panose="020B0503020204020204" charset="-122"/>
+              <a:ea typeface="微软雅黑" panose="020B0503020204020204" charset="-122"/>
+            </a:endParaRPr>
+          </a:p>
+          <a:p>
+            <a:pPr marL="0" lvl="0" indent="457200">
+              <a:buNone/>
+            </a:pPr>
+            <a:endParaRPr lang="zh-CN" altLang="en-US" sz="1600" dirty="0">
+              <a:solidFill>
+                <a:schemeClr val="tx1"/>
+              </a:solidFill>
+              <a:latin typeface="微软雅黑" panose="020B0503020204020204" charset="-122"/>
+              <a:ea typeface="微软雅黑" panose="020B0503020204020204" charset="-122"/>
+            </a:endParaRPr>
+          </a:p>
+          <a:p>
+            <a:pPr marL="0" lvl="0" indent="457200">
+              <a:buNone/>
+            </a:pPr>
+            <a:endParaRPr lang="zh-CN" altLang="en-US" sz="1600" dirty="0">
+              <a:solidFill>
+                <a:schemeClr val="tx1"/>
+              </a:solidFill>
+              <a:latin typeface="微软雅黑" panose="020B0503020204020204" charset="-122"/>
+              <a:ea typeface="微软雅黑" panose="020B0503020204020204" charset="-122"/>
+            </a:endParaRPr>
+          </a:p>
+          <a:p>
+            <a:pPr marL="0" lvl="0" indent="457200">
+              <a:buNone/>
+            </a:pPr>
+            <a:r>
+              <a:rPr lang="zh-CN" altLang="en-US" sz="1600" dirty="0">
+                <a:solidFill>
+                  <a:schemeClr val="tx1"/>
+                </a:solidFill>
+                <a:latin typeface="微软雅黑" panose="020B0503020204020204" charset="-122"/>
+                <a:ea typeface="微软雅黑" panose="020B0503020204020204" charset="-122"/>
+              </a:rPr>
+              <a:t>实验效果：和一些能做到二分类问题的对比学习和非对比学习主流</a:t>
+            </a:r>
+            <a:r>
+              <a:rPr lang="en-US" altLang="zh-CN" sz="1600" dirty="0">
+                <a:solidFill>
+                  <a:schemeClr val="tx1"/>
+                </a:solidFill>
+                <a:latin typeface="微软雅黑" panose="020B0503020204020204" charset="-122"/>
+                <a:ea typeface="微软雅黑" panose="020B0503020204020204" charset="-122"/>
+              </a:rPr>
+              <a:t>	</a:t>
+            </a:r>
+            <a:r>
+              <a:rPr lang="zh-CN" altLang="en-US" sz="1600" dirty="0">
+                <a:solidFill>
+                  <a:schemeClr val="tx1"/>
+                </a:solidFill>
+                <a:latin typeface="微软雅黑" panose="020B0503020204020204" charset="-122"/>
+                <a:ea typeface="微软雅黑" panose="020B0503020204020204" charset="-122"/>
+              </a:rPr>
+              <a:t>方法作比较</a:t>
+            </a:r>
+            <a:endParaRPr lang="zh-CN" altLang="en-US" sz="1600" dirty="0">
+              <a:solidFill>
+                <a:schemeClr val="tx1"/>
+              </a:solidFill>
+              <a:latin typeface="微软雅黑" panose="020B0503020204020204" charset="-122"/>
+              <a:ea typeface="微软雅黑" panose="020B0503020204020204" charset="-122"/>
+            </a:endParaRPr>
+          </a:p>
+          <a:p>
+            <a:pPr marL="0" lvl="0" indent="457200">
+              <a:buNone/>
+            </a:pPr>
+            <a:endParaRPr lang="zh-CN" altLang="en-US" sz="1600" dirty="0">
+              <a:solidFill>
+                <a:schemeClr val="tx1"/>
+              </a:solidFill>
+              <a:latin typeface="微软雅黑" panose="020B0503020204020204" charset="-122"/>
+              <a:ea typeface="微软雅黑" panose="020B0503020204020204" charset="-122"/>
+            </a:endParaRPr>
+          </a:p>
+          <a:p>
+            <a:pPr marL="0" lvl="0" indent="457200">
+              <a:buNone/>
+            </a:pPr>
+            <a:endParaRPr lang="zh-CN" altLang="en-US" sz="1600" dirty="0">
+              <a:solidFill>
+                <a:schemeClr val="tx1"/>
+              </a:solidFill>
+              <a:latin typeface="微软雅黑" panose="020B0503020204020204" charset="-122"/>
+              <a:ea typeface="微软雅黑" panose="020B0503020204020204" charset="-122"/>
+            </a:endParaRPr>
+          </a:p>
+          <a:p>
+            <a:pPr marL="0" lvl="0" indent="457200">
+              <a:buNone/>
+            </a:pPr>
+            <a:endParaRPr lang="zh-CN" altLang="en-US" sz="1600" dirty="0">
+              <a:solidFill>
+                <a:schemeClr val="tx1"/>
+              </a:solidFill>
+              <a:latin typeface="微软雅黑" panose="020B0503020204020204" charset="-122"/>
+              <a:ea typeface="微软雅黑" panose="020B0503020204020204" charset="-122"/>
+            </a:endParaRPr>
+          </a:p>
+          <a:p>
+            <a:pPr marL="0" lvl="0" indent="457200">
+              <a:buNone/>
+            </a:pPr>
+            <a:endParaRPr lang="zh-CN" altLang="en-US" sz="1600" dirty="0">
+              <a:solidFill>
+                <a:schemeClr val="tx1"/>
+              </a:solidFill>
+              <a:latin typeface="微软雅黑" panose="020B0503020204020204" charset="-122"/>
+              <a:ea typeface="微软雅黑" panose="020B0503020204020204" charset="-122"/>
+            </a:endParaRPr>
+          </a:p>
+          <a:p>
+            <a:pPr marL="0" lvl="0" indent="457200">
+              <a:buNone/>
+            </a:pPr>
+            <a:endParaRPr lang="zh-CN" altLang="en-US" sz="1600" dirty="0">
+              <a:solidFill>
+                <a:schemeClr val="tx1"/>
+              </a:solidFill>
+              <a:latin typeface="微软雅黑" panose="020B0503020204020204" charset="-122"/>
+              <a:ea typeface="微软雅黑" panose="020B0503020204020204" charset="-122"/>
+            </a:endParaRPr>
+          </a:p>
+          <a:p>
+            <a:pPr marL="0" lvl="0" indent="457200">
+              <a:buNone/>
+            </a:pPr>
+            <a:endParaRPr lang="zh-CN" altLang="en-US" sz="1600" dirty="0">
+              <a:solidFill>
+                <a:schemeClr val="tx1"/>
+              </a:solidFill>
+              <a:latin typeface="微软雅黑" panose="020B0503020204020204" charset="-122"/>
+              <a:ea typeface="微软雅黑" panose="020B0503020204020204" charset="-122"/>
+            </a:endParaRPr>
+          </a:p>
+          <a:p>
+            <a:pPr marL="0" lvl="0" indent="457200">
+              <a:buNone/>
+            </a:pPr>
+            <a:endParaRPr lang="zh-CN" altLang="en-US" sz="1600" dirty="0">
+              <a:solidFill>
+                <a:schemeClr val="tx1"/>
+              </a:solidFill>
+              <a:latin typeface="微软雅黑" panose="020B0503020204020204" charset="-122"/>
+              <a:ea typeface="微软雅黑" panose="020B0503020204020204" charset="-122"/>
+            </a:endParaRPr>
+          </a:p>
+        </p:txBody>
+      </p:sp>
+      <p:pic>
+        <p:nvPicPr>
+          <p:cNvPr id="6" name="图片 5"/>
+          <p:cNvPicPr>
+            <a:picLocks noChangeAspect="1"/>
+          </p:cNvPicPr>
+          <p:nvPr/>
+        </p:nvPicPr>
+        <p:blipFill>
+          <a:blip r:embed="rId3"/>
+          <a:stretch>
+            <a:fillRect/>
+          </a:stretch>
+        </p:blipFill>
+        <p:spPr>
+          <a:xfrm>
+            <a:off x="6981190" y="2362200"/>
+            <a:ext cx="3981450" cy="711200"/>
+          </a:xfrm>
+          <a:prstGeom prst="rect">
+            <a:avLst/>
+          </a:prstGeom>
+        </p:spPr>
+      </p:pic>
+      <p:pic>
+        <p:nvPicPr>
+          <p:cNvPr id="2" name="图片 1"/>
+          <p:cNvPicPr>
+            <a:picLocks noChangeAspect="1"/>
+          </p:cNvPicPr>
+          <p:nvPr/>
+        </p:nvPicPr>
+        <p:blipFill>
+          <a:blip r:embed="rId4"/>
+          <a:stretch>
+            <a:fillRect/>
+          </a:stretch>
+        </p:blipFill>
+        <p:spPr>
+          <a:xfrm>
+            <a:off x="6981190" y="3454400"/>
+            <a:ext cx="3956050" cy="3403600"/>
+          </a:xfrm>
+          <a:prstGeom prst="rect">
+            <a:avLst/>
+          </a:prstGeom>
+        </p:spPr>
+      </p:pic>
     </p:spTree>
   </p:cSld>
   <p:clrMapOvr>
@@ -7000,9 +11623,37 @@
 
 <file path=ppt/tags/tag14.xml><?xml version="1.0" encoding="utf-8"?>
 <p:tagLst xmlns:p="http://schemas.openxmlformats.org/presentationml/2006/main">
-  <p:tag name="KSO_WPP_MARK_KEY" val="c7925d13-95db-4618-ac98-c22196edd7f9"/>
-  <p:tag name="COMMONDATA" val="eyJoZGlkIjoiZTg3MzIzMDhlODgyZTlkYzQ0OWY3ZDI2YzlhMjBjMGIifQ=="/>
-  <p:tag name="commondata" val="eyJoZGlkIjoiNjRkZDE1MjIxMjM2NmMxYzY5Y2M3N2FjNDEyZThkY2QifQ=="/>
+  <p:tag name="KSO_WM_BEAUTIFY_FLAG" val=""/>
+</p:tagLst>
+</file>
+
+<file path=ppt/tags/tag15.xml><?xml version="1.0" encoding="utf-8"?>
+<p:tagLst xmlns:p="http://schemas.openxmlformats.org/presentationml/2006/main">
+  <p:tag name="KSO_WM_BEAUTIFY_FLAG" val=""/>
+</p:tagLst>
+</file>
+
+<file path=ppt/tags/tag16.xml><?xml version="1.0" encoding="utf-8"?>
+<p:tagLst xmlns:p="http://schemas.openxmlformats.org/presentationml/2006/main">
+  <p:tag name="KSO_WM_BEAUTIFY_FLAG" val=""/>
+</p:tagLst>
+</file>
+
+<file path=ppt/tags/tag17.xml><?xml version="1.0" encoding="utf-8"?>
+<p:tagLst xmlns:p="http://schemas.openxmlformats.org/presentationml/2006/main">
+  <p:tag name="KSO_WM_BEAUTIFY_FLAG" val=""/>
+</p:tagLst>
+</file>
+
+<file path=ppt/tags/tag18.xml><?xml version="1.0" encoding="utf-8"?>
+<p:tagLst xmlns:p="http://schemas.openxmlformats.org/presentationml/2006/main">
+  <p:tag name="KSO_WM_BEAUTIFY_FLAG" val=""/>
+</p:tagLst>
+</file>
+
+<file path=ppt/tags/tag19.xml><?xml version="1.0" encoding="utf-8"?>
+<p:tagLst xmlns:p="http://schemas.openxmlformats.org/presentationml/2006/main">
+  <p:tag name="KSO_WM_BEAUTIFY_FLAG" val=""/>
 </p:tagLst>
 </file>
 
@@ -7013,10 +11664,90 @@
 </p:tagLst>
 </file>
 
+<file path=ppt/tags/tag20.xml><?xml version="1.0" encoding="utf-8"?>
+<p:tagLst xmlns:p="http://schemas.openxmlformats.org/presentationml/2006/main">
+  <p:tag name="KSO_WM_BEAUTIFY_FLAG" val=""/>
+</p:tagLst>
+</file>
+
+<file path=ppt/tags/tag21.xml><?xml version="1.0" encoding="utf-8"?>
+<p:tagLst xmlns:p="http://schemas.openxmlformats.org/presentationml/2006/main">
+  <p:tag name="KSO_WM_BEAUTIFY_FLAG" val=""/>
+</p:tagLst>
+</file>
+
+<file path=ppt/tags/tag22.xml><?xml version="1.0" encoding="utf-8"?>
+<p:tagLst xmlns:p="http://schemas.openxmlformats.org/presentationml/2006/main">
+  <p:tag name="KSO_WM_BEAUTIFY_FLAG" val=""/>
+</p:tagLst>
+</file>
+
+<file path=ppt/tags/tag23.xml><?xml version="1.0" encoding="utf-8"?>
+<p:tagLst xmlns:p="http://schemas.openxmlformats.org/presentationml/2006/main">
+  <p:tag name="KSO_WM_BEAUTIFY_FLAG" val=""/>
+</p:tagLst>
+</file>
+
+<file path=ppt/tags/tag24.xml><?xml version="1.0" encoding="utf-8"?>
+<p:tagLst xmlns:p="http://schemas.openxmlformats.org/presentationml/2006/main">
+  <p:tag name="KSO_WM_BEAUTIFY_FLAG" val=""/>
+</p:tagLst>
+</file>
+
+<file path=ppt/tags/tag25.xml><?xml version="1.0" encoding="utf-8"?>
+<p:tagLst xmlns:p="http://schemas.openxmlformats.org/presentationml/2006/main">
+  <p:tag name="KSO_WM_BEAUTIFY_FLAG" val=""/>
+</p:tagLst>
+</file>
+
+<file path=ppt/tags/tag26.xml><?xml version="1.0" encoding="utf-8"?>
+<p:tagLst xmlns:p="http://schemas.openxmlformats.org/presentationml/2006/main">
+  <p:tag name="KSO_WM_BEAUTIFY_FLAG" val=""/>
+</p:tagLst>
+</file>
+
+<file path=ppt/tags/tag27.xml><?xml version="1.0" encoding="utf-8"?>
+<p:tagLst xmlns:p="http://schemas.openxmlformats.org/presentationml/2006/main">
+  <p:tag name="KSO_WM_BEAUTIFY_FLAG" val=""/>
+</p:tagLst>
+</file>
+
+<file path=ppt/tags/tag28.xml><?xml version="1.0" encoding="utf-8"?>
+<p:tagLst xmlns:p="http://schemas.openxmlformats.org/presentationml/2006/main">
+  <p:tag name="KSO_WM_BEAUTIFY_FLAG" val=""/>
+</p:tagLst>
+</file>
+
+<file path=ppt/tags/tag29.xml><?xml version="1.0" encoding="utf-8"?>
+<p:tagLst xmlns:p="http://schemas.openxmlformats.org/presentationml/2006/main">
+  <p:tag name="KSO_WM_BEAUTIFY_FLAG" val=""/>
+</p:tagLst>
+</file>
+
 <file path=ppt/tags/tag3.xml><?xml version="1.0" encoding="utf-8"?>
 <p:tagLst xmlns:p="http://schemas.openxmlformats.org/presentationml/2006/main">
   <p:tag name="KSO_WM_BEAUTIFY_FLAG" val=""/>
   <p:tag name="KSO_WM_DIAGRAM_VIRTUALLY_FRAME" val="{&quot;height&quot;:130.17354330708662,&quot;left&quot;:238.70267716535432,&quot;top&quot;:116.24960629921259,&quot;width&quot;:665.8}"/>
+</p:tagLst>
+</file>
+
+<file path=ppt/tags/tag30.xml><?xml version="1.0" encoding="utf-8"?>
+<p:tagLst xmlns:p="http://schemas.openxmlformats.org/presentationml/2006/main">
+  <p:tag name="KSO_WM_BEAUTIFY_FLAG" val=""/>
+</p:tagLst>
+</file>
+
+<file path=ppt/tags/tag31.xml><?xml version="1.0" encoding="utf-8"?>
+<p:tagLst xmlns:p="http://schemas.openxmlformats.org/presentationml/2006/main">
+  <p:tag name="KSO_WM_BEAUTIFY_FLAG" val=""/>
+</p:tagLst>
+</file>
+
+<file path=ppt/tags/tag32.xml><?xml version="1.0" encoding="utf-8"?>
+<p:tagLst xmlns:p="http://schemas.openxmlformats.org/presentationml/2006/main">
+  <p:tag name="KSO_WPP_MARK_KEY" val="c7925d13-95db-4618-ac98-c22196edd7f9"/>
+  <p:tag name="COMMONDATA" val="eyJoZGlkIjoiZTg3MzIzMDhlODgyZTlkYzQ0OWY3ZDI2YzlhMjBjMGIifQ=="/>
+  <p:tag name="commondata" val="eyJoZGlkIjoiNjRkZDE1MjIxMjM2NmMxYzY5Y2M3N2FjNDEyZThkY2QifQ=="/>
 </p:tagLst>
 </file>
 
